--- a/Lending_club_ppt.pptx
+++ b/Lending_club_ppt.pptx
@@ -23,6 +23,16 @@
     <p:sldId id="287" r:id="rId17"/>
     <p:sldId id="288" r:id="rId18"/>
     <p:sldId id="290" r:id="rId19"/>
+    <p:sldId id="294" r:id="rId20"/>
+    <p:sldId id="292" r:id="rId21"/>
+    <p:sldId id="293" r:id="rId22"/>
+    <p:sldId id="295" r:id="rId23"/>
+    <p:sldId id="296" r:id="rId24"/>
+    <p:sldId id="291" r:id="rId25"/>
+    <p:sldId id="298" r:id="rId26"/>
+    <p:sldId id="299" r:id="rId27"/>
+    <p:sldId id="297" r:id="rId28"/>
+    <p:sldId id="300" r:id="rId29"/>
   </p:sldIdLst>
   <p:sldSz cx="12192000" cy="6858000"/>
   <p:notesSz cx="6858000" cy="9144000"/>
@@ -11090,6 +11100,202 @@
 </inkml:ink>
 </file>
 
+<file path=ppt/ink/ink13.xml><?xml version="1.0" encoding="utf-8"?>
+<inkml:ink xmlns:inkml="http://www.w3.org/2003/InkML">
+  <inkml:definitions>
+    <inkml:context xml:id="ctx0">
+      <inkml:inkSource xml:id="inkSrc0">
+        <inkml:traceFormat>
+          <inkml:channel name="X" type="integer" min="-2.14748E9" max="2.14748E9" units="cm"/>
+          <inkml:channel name="Y" type="integer" min="-2.14748E9" max="2.14748E9" units="cm"/>
+          <inkml:channel name="F" type="integer" max="32767" units="dev"/>
+        </inkml:traceFormat>
+        <inkml:channelProperties>
+          <inkml:channelProperty channel="X" name="resolution" value="1000" units="1/cm"/>
+          <inkml:channelProperty channel="Y" name="resolution" value="1000" units="1/cm"/>
+          <inkml:channelProperty channel="F" name="resolution" value="0" units="1/dev"/>
+        </inkml:channelProperties>
+      </inkml:inkSource>
+      <inkml:timestamp xml:id="ts0" timeString="2023-11-06T15:08:06.628"/>
+    </inkml:context>
+    <inkml:brush xml:id="br0">
+      <inkml:brushProperty name="width" value="0.1" units="cm"/>
+      <inkml:brushProperty name="height" value="0.1" units="cm"/>
+      <inkml:brushProperty name="color" value="#FFFFFF"/>
+    </inkml:brush>
+  </inkml:definitions>
+  <inkml:trace contextRef="#ctx0" brushRef="#br0">1 0 128,'0'6'0</inkml:trace>
+</inkml:ink>
+</file>
+
+<file path=ppt/ink/ink14.xml><?xml version="1.0" encoding="utf-8"?>
+<inkml:ink xmlns:inkml="http://www.w3.org/2003/InkML">
+  <inkml:definitions>
+    <inkml:context xml:id="ctx0">
+      <inkml:inkSource xml:id="inkSrc0">
+        <inkml:traceFormat>
+          <inkml:channel name="X" type="integer" min="-2.14748E9" max="2.14748E9" units="cm"/>
+          <inkml:channel name="Y" type="integer" min="-2.14748E9" max="2.14748E9" units="cm"/>
+          <inkml:channel name="F" type="integer" max="32767" units="dev"/>
+        </inkml:traceFormat>
+        <inkml:channelProperties>
+          <inkml:channelProperty channel="X" name="resolution" value="1000" units="1/cm"/>
+          <inkml:channelProperty channel="Y" name="resolution" value="1000" units="1/cm"/>
+          <inkml:channelProperty channel="F" name="resolution" value="0" units="1/dev"/>
+        </inkml:channelProperties>
+      </inkml:inkSource>
+      <inkml:timestamp xml:id="ts0" timeString="2023-11-06T15:08:06.628"/>
+    </inkml:context>
+    <inkml:brush xml:id="br0">
+      <inkml:brushProperty name="width" value="0.1" units="cm"/>
+      <inkml:brushProperty name="height" value="0.1" units="cm"/>
+      <inkml:brushProperty name="color" value="#FFFFFF"/>
+    </inkml:brush>
+  </inkml:definitions>
+  <inkml:trace contextRef="#ctx0" brushRef="#br0">1 0 128,'0'6'0</inkml:trace>
+</inkml:ink>
+</file>
+
+<file path=ppt/ink/ink15.xml><?xml version="1.0" encoding="utf-8"?>
+<inkml:ink xmlns:inkml="http://www.w3.org/2003/InkML">
+  <inkml:definitions>
+    <inkml:context xml:id="ctx0">
+      <inkml:inkSource xml:id="inkSrc0">
+        <inkml:traceFormat>
+          <inkml:channel name="X" type="integer" min="-2.14748E9" max="2.14748E9" units="cm"/>
+          <inkml:channel name="Y" type="integer" min="-2.14748E9" max="2.14748E9" units="cm"/>
+          <inkml:channel name="F" type="integer" max="32767" units="dev"/>
+        </inkml:traceFormat>
+        <inkml:channelProperties>
+          <inkml:channelProperty channel="X" name="resolution" value="1000" units="1/cm"/>
+          <inkml:channelProperty channel="Y" name="resolution" value="1000" units="1/cm"/>
+          <inkml:channelProperty channel="F" name="resolution" value="0" units="1/dev"/>
+        </inkml:channelProperties>
+      </inkml:inkSource>
+      <inkml:timestamp xml:id="ts0" timeString="2023-11-06T15:08:06.628"/>
+    </inkml:context>
+    <inkml:brush xml:id="br0">
+      <inkml:brushProperty name="width" value="0.1" units="cm"/>
+      <inkml:brushProperty name="height" value="0.1" units="cm"/>
+      <inkml:brushProperty name="color" value="#FFFFFF"/>
+    </inkml:brush>
+  </inkml:definitions>
+  <inkml:trace contextRef="#ctx0" brushRef="#br0">1 0 128,'0'6'0</inkml:trace>
+</inkml:ink>
+</file>
+
+<file path=ppt/ink/ink16.xml><?xml version="1.0" encoding="utf-8"?>
+<inkml:ink xmlns:inkml="http://www.w3.org/2003/InkML">
+  <inkml:definitions>
+    <inkml:context xml:id="ctx0">
+      <inkml:inkSource xml:id="inkSrc0">
+        <inkml:traceFormat>
+          <inkml:channel name="X" type="integer" min="-2.14748E9" max="2.14748E9" units="cm"/>
+          <inkml:channel name="Y" type="integer" min="-2.14748E9" max="2.14748E9" units="cm"/>
+          <inkml:channel name="F" type="integer" max="32767" units="dev"/>
+        </inkml:traceFormat>
+        <inkml:channelProperties>
+          <inkml:channelProperty channel="X" name="resolution" value="1000" units="1/cm"/>
+          <inkml:channelProperty channel="Y" name="resolution" value="1000" units="1/cm"/>
+          <inkml:channelProperty channel="F" name="resolution" value="0" units="1/dev"/>
+        </inkml:channelProperties>
+      </inkml:inkSource>
+      <inkml:timestamp xml:id="ts0" timeString="2023-11-06T15:08:06.628"/>
+    </inkml:context>
+    <inkml:brush xml:id="br0">
+      <inkml:brushProperty name="width" value="0.1" units="cm"/>
+      <inkml:brushProperty name="height" value="0.1" units="cm"/>
+      <inkml:brushProperty name="color" value="#FFFFFF"/>
+    </inkml:brush>
+  </inkml:definitions>
+  <inkml:trace contextRef="#ctx0" brushRef="#br0">1 0 128,'0'6'0</inkml:trace>
+</inkml:ink>
+</file>
+
+<file path=ppt/ink/ink17.xml><?xml version="1.0" encoding="utf-8"?>
+<inkml:ink xmlns:inkml="http://www.w3.org/2003/InkML">
+  <inkml:definitions>
+    <inkml:context xml:id="ctx0">
+      <inkml:inkSource xml:id="inkSrc0">
+        <inkml:traceFormat>
+          <inkml:channel name="X" type="integer" min="-2.14748E9" max="2.14748E9" units="cm"/>
+          <inkml:channel name="Y" type="integer" min="-2.14748E9" max="2.14748E9" units="cm"/>
+          <inkml:channel name="F" type="integer" max="32767" units="dev"/>
+        </inkml:traceFormat>
+        <inkml:channelProperties>
+          <inkml:channelProperty channel="X" name="resolution" value="1000" units="1/cm"/>
+          <inkml:channelProperty channel="Y" name="resolution" value="1000" units="1/cm"/>
+          <inkml:channelProperty channel="F" name="resolution" value="0" units="1/dev"/>
+        </inkml:channelProperties>
+      </inkml:inkSource>
+      <inkml:timestamp xml:id="ts0" timeString="2023-11-06T15:08:06.628"/>
+    </inkml:context>
+    <inkml:brush xml:id="br0">
+      <inkml:brushProperty name="width" value="0.1" units="cm"/>
+      <inkml:brushProperty name="height" value="0.1" units="cm"/>
+      <inkml:brushProperty name="color" value="#FFFFFF"/>
+    </inkml:brush>
+  </inkml:definitions>
+  <inkml:trace contextRef="#ctx0" brushRef="#br0">1 0 128,'0'6'0</inkml:trace>
+</inkml:ink>
+</file>
+
+<file path=ppt/ink/ink18.xml><?xml version="1.0" encoding="utf-8"?>
+<inkml:ink xmlns:inkml="http://www.w3.org/2003/InkML">
+  <inkml:definitions>
+    <inkml:context xml:id="ctx0">
+      <inkml:inkSource xml:id="inkSrc0">
+        <inkml:traceFormat>
+          <inkml:channel name="X" type="integer" min="-2.14748E9" max="2.14748E9" units="cm"/>
+          <inkml:channel name="Y" type="integer" min="-2.14748E9" max="2.14748E9" units="cm"/>
+          <inkml:channel name="F" type="integer" max="32767" units="dev"/>
+        </inkml:traceFormat>
+        <inkml:channelProperties>
+          <inkml:channelProperty channel="X" name="resolution" value="1000" units="1/cm"/>
+          <inkml:channelProperty channel="Y" name="resolution" value="1000" units="1/cm"/>
+          <inkml:channelProperty channel="F" name="resolution" value="0" units="1/dev"/>
+        </inkml:channelProperties>
+      </inkml:inkSource>
+      <inkml:timestamp xml:id="ts0" timeString="2023-11-06T15:08:06.628"/>
+    </inkml:context>
+    <inkml:brush xml:id="br0">
+      <inkml:brushProperty name="width" value="0.1" units="cm"/>
+      <inkml:brushProperty name="height" value="0.1" units="cm"/>
+      <inkml:brushProperty name="color" value="#FFFFFF"/>
+    </inkml:brush>
+  </inkml:definitions>
+  <inkml:trace contextRef="#ctx0" brushRef="#br0">1 0 128,'0'6'0</inkml:trace>
+</inkml:ink>
+</file>
+
+<file path=ppt/ink/ink19.xml><?xml version="1.0" encoding="utf-8"?>
+<inkml:ink xmlns:inkml="http://www.w3.org/2003/InkML">
+  <inkml:definitions>
+    <inkml:context xml:id="ctx0">
+      <inkml:inkSource xml:id="inkSrc0">
+        <inkml:traceFormat>
+          <inkml:channel name="X" type="integer" min="-2.14748E9" max="2.14748E9" units="cm"/>
+          <inkml:channel name="Y" type="integer" min="-2.14748E9" max="2.14748E9" units="cm"/>
+          <inkml:channel name="F" type="integer" max="32767" units="dev"/>
+        </inkml:traceFormat>
+        <inkml:channelProperties>
+          <inkml:channelProperty channel="X" name="resolution" value="1000" units="1/cm"/>
+          <inkml:channelProperty channel="Y" name="resolution" value="1000" units="1/cm"/>
+          <inkml:channelProperty channel="F" name="resolution" value="0" units="1/dev"/>
+        </inkml:channelProperties>
+      </inkml:inkSource>
+      <inkml:timestamp xml:id="ts0" timeString="2023-11-06T15:08:06.628"/>
+    </inkml:context>
+    <inkml:brush xml:id="br0">
+      <inkml:brushProperty name="width" value="0.1" units="cm"/>
+      <inkml:brushProperty name="height" value="0.1" units="cm"/>
+      <inkml:brushProperty name="color" value="#FFFFFF"/>
+    </inkml:brush>
+  </inkml:definitions>
+  <inkml:trace contextRef="#ctx0" brushRef="#br0">1 0 128,'0'6'0</inkml:trace>
+</inkml:ink>
+</file>
+
 <file path=ppt/ink/ink2.xml><?xml version="1.0" encoding="utf-8"?>
 <inkml:ink xmlns:inkml="http://www.w3.org/2003/InkML">
   <inkml:definitions>
@@ -11107,6 +11313,90 @@
         </inkml:channelProperties>
       </inkml:inkSource>
       <inkml:timestamp xml:id="ts0" timeString="2023-11-06T14:24:08.803"/>
+    </inkml:context>
+    <inkml:brush xml:id="br0">
+      <inkml:brushProperty name="width" value="0.1" units="cm"/>
+      <inkml:brushProperty name="height" value="0.1" units="cm"/>
+      <inkml:brushProperty name="color" value="#FFFFFF"/>
+    </inkml:brush>
+  </inkml:definitions>
+  <inkml:trace contextRef="#ctx0" brushRef="#br0">1 0 128,'0'6'0</inkml:trace>
+</inkml:ink>
+</file>
+
+<file path=ppt/ink/ink20.xml><?xml version="1.0" encoding="utf-8"?>
+<inkml:ink xmlns:inkml="http://www.w3.org/2003/InkML">
+  <inkml:definitions>
+    <inkml:context xml:id="ctx0">
+      <inkml:inkSource xml:id="inkSrc0">
+        <inkml:traceFormat>
+          <inkml:channel name="X" type="integer" min="-2.14748E9" max="2.14748E9" units="cm"/>
+          <inkml:channel name="Y" type="integer" min="-2.14748E9" max="2.14748E9" units="cm"/>
+          <inkml:channel name="F" type="integer" max="32767" units="dev"/>
+        </inkml:traceFormat>
+        <inkml:channelProperties>
+          <inkml:channelProperty channel="X" name="resolution" value="1000" units="1/cm"/>
+          <inkml:channelProperty channel="Y" name="resolution" value="1000" units="1/cm"/>
+          <inkml:channelProperty channel="F" name="resolution" value="0" units="1/dev"/>
+        </inkml:channelProperties>
+      </inkml:inkSource>
+      <inkml:timestamp xml:id="ts0" timeString="2023-11-06T15:08:06.628"/>
+    </inkml:context>
+    <inkml:brush xml:id="br0">
+      <inkml:brushProperty name="width" value="0.1" units="cm"/>
+      <inkml:brushProperty name="height" value="0.1" units="cm"/>
+      <inkml:brushProperty name="color" value="#FFFFFF"/>
+    </inkml:brush>
+  </inkml:definitions>
+  <inkml:trace contextRef="#ctx0" brushRef="#br0">1 0 128,'0'6'0</inkml:trace>
+</inkml:ink>
+</file>
+
+<file path=ppt/ink/ink21.xml><?xml version="1.0" encoding="utf-8"?>
+<inkml:ink xmlns:inkml="http://www.w3.org/2003/InkML">
+  <inkml:definitions>
+    <inkml:context xml:id="ctx0">
+      <inkml:inkSource xml:id="inkSrc0">
+        <inkml:traceFormat>
+          <inkml:channel name="X" type="integer" min="-2.14748E9" max="2.14748E9" units="cm"/>
+          <inkml:channel name="Y" type="integer" min="-2.14748E9" max="2.14748E9" units="cm"/>
+          <inkml:channel name="F" type="integer" max="32767" units="dev"/>
+        </inkml:traceFormat>
+        <inkml:channelProperties>
+          <inkml:channelProperty channel="X" name="resolution" value="1000" units="1/cm"/>
+          <inkml:channelProperty channel="Y" name="resolution" value="1000" units="1/cm"/>
+          <inkml:channelProperty channel="F" name="resolution" value="0" units="1/dev"/>
+        </inkml:channelProperties>
+      </inkml:inkSource>
+      <inkml:timestamp xml:id="ts0" timeString="2023-11-06T15:08:06.628"/>
+    </inkml:context>
+    <inkml:brush xml:id="br0">
+      <inkml:brushProperty name="width" value="0.1" units="cm"/>
+      <inkml:brushProperty name="height" value="0.1" units="cm"/>
+      <inkml:brushProperty name="color" value="#FFFFFF"/>
+    </inkml:brush>
+  </inkml:definitions>
+  <inkml:trace contextRef="#ctx0" brushRef="#br0">1 0 128,'0'6'0</inkml:trace>
+</inkml:ink>
+</file>
+
+<file path=ppt/ink/ink22.xml><?xml version="1.0" encoding="utf-8"?>
+<inkml:ink xmlns:inkml="http://www.w3.org/2003/InkML">
+  <inkml:definitions>
+    <inkml:context xml:id="ctx0">
+      <inkml:inkSource xml:id="inkSrc0">
+        <inkml:traceFormat>
+          <inkml:channel name="X" type="integer" min="-2.14748E9" max="2.14748E9" units="cm"/>
+          <inkml:channel name="Y" type="integer" min="-2.14748E9" max="2.14748E9" units="cm"/>
+          <inkml:channel name="F" type="integer" max="32767" units="dev"/>
+        </inkml:traceFormat>
+        <inkml:channelProperties>
+          <inkml:channelProperty channel="X" name="resolution" value="1000" units="1/cm"/>
+          <inkml:channelProperty channel="Y" name="resolution" value="1000" units="1/cm"/>
+          <inkml:channelProperty channel="F" name="resolution" value="0" units="1/dev"/>
+        </inkml:channelProperties>
+      </inkml:inkSource>
+      <inkml:timestamp xml:id="ts0" timeString="2023-11-06T15:08:06.628"/>
     </inkml:context>
     <inkml:brush xml:id="br0">
       <inkml:brushProperty name="width" value="0.1" units="cm"/>
@@ -11802,7 +12092,7 @@
           <a:p>
             <a:fld id="{72345051-2045-45DA-935E-2E3CA1A69ADC}" type="datetimeFigureOut">
               <a:rPr lang="en-US" smtClean="0"/>
-              <a:t>2023-11-06</a:t>
+              <a:t>2023-11-08</a:t>
             </a:fld>
             <a:endParaRPr lang="en-US" dirty="0"/>
           </a:p>
@@ -12000,7 +12290,7 @@
           <a:p>
             <a:fld id="{72345051-2045-45DA-935E-2E3CA1A69ADC}" type="datetimeFigureOut">
               <a:rPr lang="en-US" smtClean="0"/>
-              <a:t>2023-11-06</a:t>
+              <a:t>2023-11-08</a:t>
             </a:fld>
             <a:endParaRPr lang="en-US"/>
           </a:p>
@@ -12208,7 +12498,7 @@
           <a:p>
             <a:fld id="{72345051-2045-45DA-935E-2E3CA1A69ADC}" type="datetimeFigureOut">
               <a:rPr lang="en-US" smtClean="0"/>
-              <a:t>2023-11-06</a:t>
+              <a:t>2023-11-08</a:t>
             </a:fld>
             <a:endParaRPr lang="en-US"/>
           </a:p>
@@ -12430,7 +12720,7 @@
           <a:p>
             <a:fld id="{72345051-2045-45DA-935E-2E3CA1A69ADC}" type="datetimeFigureOut">
               <a:rPr lang="en-US" smtClean="0"/>
-              <a:t>2023-11-06</a:t>
+              <a:t>2023-11-08</a:t>
             </a:fld>
             <a:endParaRPr lang="en-US"/>
           </a:p>
@@ -13341,7 +13631,7 @@
           <a:p>
             <a:fld id="{72345051-2045-45DA-935E-2E3CA1A69ADC}" type="datetimeFigureOut">
               <a:rPr lang="en-US" smtClean="0"/>
-              <a:t>2023-11-06</a:t>
+              <a:t>2023-11-08</a:t>
             </a:fld>
             <a:endParaRPr lang="en-US"/>
           </a:p>
@@ -13944,7 +14234,7 @@
           <a:p>
             <a:fld id="{72345051-2045-45DA-935E-2E3CA1A69ADC}" type="datetimeFigureOut">
               <a:rPr lang="en-US" smtClean="0"/>
-              <a:t>2023-11-06</a:t>
+              <a:t>2023-11-08</a:t>
             </a:fld>
             <a:endParaRPr lang="en-US"/>
           </a:p>
@@ -14992,7 +15282,7 @@
           <a:p>
             <a:fld id="{72345051-2045-45DA-935E-2E3CA1A69ADC}" type="datetimeFigureOut">
               <a:rPr lang="en-US" smtClean="0"/>
-              <a:t>2023-11-06</a:t>
+              <a:t>2023-11-08</a:t>
             </a:fld>
             <a:endParaRPr lang="en-US"/>
           </a:p>
@@ -15776,7 +16066,7 @@
           <a:p>
             <a:fld id="{72345051-2045-45DA-935E-2E3CA1A69ADC}" type="datetimeFigureOut">
               <a:rPr lang="en-US" smtClean="0"/>
-              <a:t>2023-11-06</a:t>
+              <a:t>2023-11-08</a:t>
             </a:fld>
             <a:endParaRPr lang="en-US"/>
           </a:p>
@@ -16225,7 +16515,7 @@
           <a:p>
             <a:fld id="{72345051-2045-45DA-935E-2E3CA1A69ADC}" type="datetimeFigureOut">
               <a:rPr lang="en-US" smtClean="0"/>
-              <a:t>2023-11-06</a:t>
+              <a:t>2023-11-08</a:t>
             </a:fld>
             <a:endParaRPr lang="en-US"/>
           </a:p>
@@ -16542,7 +16832,7 @@
           <a:p>
             <a:fld id="{72345051-2045-45DA-935E-2E3CA1A69ADC}" type="datetimeFigureOut">
               <a:rPr lang="en-US" smtClean="0"/>
-              <a:t>2023-11-06</a:t>
+              <a:t>2023-11-08</a:t>
             </a:fld>
             <a:endParaRPr lang="en-US"/>
           </a:p>
@@ -17170,7 +17460,7 @@
           <a:p>
             <a:fld id="{72345051-2045-45DA-935E-2E3CA1A69ADC}" type="datetimeFigureOut">
               <a:rPr lang="en-US" smtClean="0"/>
-              <a:t>2023-11-06</a:t>
+              <a:t>2023-11-08</a:t>
             </a:fld>
             <a:endParaRPr lang="en-US"/>
           </a:p>
@@ -17743,7 +18033,7 @@
           <a:p>
             <a:fld id="{72345051-2045-45DA-935E-2E3CA1A69ADC}" type="datetimeFigureOut">
               <a:rPr lang="en-US" smtClean="0"/>
-              <a:t>2023-11-06</a:t>
+              <a:t>2023-11-08</a:t>
             </a:fld>
             <a:endParaRPr lang="en-US" dirty="0"/>
           </a:p>
@@ -24174,6 +24464,636 @@
 </p:sld>
 </file>
 
+<file path=ppt/slides/slide19.xml><?xml version="1.0" encoding="utf-8"?>
+<p:sld xmlns:a="http://schemas.openxmlformats.org/drawingml/2006/main" xmlns:r="http://schemas.openxmlformats.org/officeDocument/2006/relationships" xmlns:p="http://schemas.openxmlformats.org/presentationml/2006/main">
+  <p:cSld>
+    <p:bg>
+      <p:bgPr>
+        <a:solidFill>
+          <a:schemeClr val="bg1"/>
+        </a:solidFill>
+        <a:effectLst/>
+      </p:bgPr>
+    </p:bg>
+    <p:spTree>
+      <p:nvGrpSpPr>
+        <p:cNvPr id="1" name=""/>
+        <p:cNvGrpSpPr/>
+        <p:nvPr/>
+      </p:nvGrpSpPr>
+      <p:grpSpPr>
+        <a:xfrm>
+          <a:off x="0" y="0"/>
+          <a:ext cx="0" cy="0"/>
+          <a:chOff x="0" y="0"/>
+          <a:chExt cx="0" cy="0"/>
+        </a:xfrm>
+      </p:grpSpPr>
+      <p:sp useBgFill="1">
+        <p:nvSpPr>
+          <p:cNvPr id="20" name="Rectangle 19">
+            <a:extLst>
+              <a:ext uri="{FF2B5EF4-FFF2-40B4-BE49-F238E27FC236}">
+                <a16:creationId xmlns:a16="http://schemas.microsoft.com/office/drawing/2014/main" id="{2B97F24A-32CE-4C1C-A50D-3016B394DCFB}"/>
+              </a:ext>
+              <a:ext uri="{C183D7F6-B498-43B3-948B-1728B52AA6E4}">
+                <adec:decorative xmlns:adec="http://schemas.microsoft.com/office/drawing/2017/decorative" val="1"/>
+              </a:ext>
+            </a:extLst>
+          </p:cNvPr>
+          <p:cNvSpPr>
+            <a:spLocks noGrp="1" noRot="1" noChangeAspect="1" noMove="1" noResize="1" noEditPoints="1" noAdjustHandles="1" noChangeArrowheads="1" noChangeShapeType="1" noTextEdit="1"/>
+          </p:cNvSpPr>
+          <p:nvPr>
+            <p:extLst>
+              <p:ext uri="{386F3935-93C4-4BCD-93E2-E3B085C9AB24}">
+                <p16:designElem xmlns:p16="http://schemas.microsoft.com/office/powerpoint/2015/main" val="1"/>
+              </p:ext>
+            </p:extLst>
+          </p:nvPr>
+        </p:nvSpPr>
+        <p:spPr>
+          <a:xfrm>
+            <a:off x="0" y="0"/>
+            <a:ext cx="12192000" cy="6858000"/>
+          </a:xfrm>
+          <a:prstGeom prst="rect">
+            <a:avLst/>
+          </a:prstGeom>
+          <a:ln>
+            <a:noFill/>
+          </a:ln>
+        </p:spPr>
+        <p:style>
+          <a:lnRef idx="2">
+            <a:schemeClr val="accent1">
+              <a:shade val="50000"/>
+            </a:schemeClr>
+          </a:lnRef>
+          <a:fillRef idx="1">
+            <a:schemeClr val="accent1"/>
+          </a:fillRef>
+          <a:effectRef idx="0">
+            <a:schemeClr val="accent1"/>
+          </a:effectRef>
+          <a:fontRef idx="minor">
+            <a:schemeClr val="lt1"/>
+          </a:fontRef>
+        </p:style>
+        <p:txBody>
+          <a:bodyPr rtlCol="0" anchor="ctr"/>
+          <a:lstStyle/>
+          <a:p>
+            <a:pPr algn="ctr"/>
+            <a:endParaRPr lang="en-US"/>
+          </a:p>
+        </p:txBody>
+      </p:sp>
+      <p:sp>
+        <p:nvSpPr>
+          <p:cNvPr id="2" name="Title 1">
+            <a:extLst>
+              <a:ext uri="{FF2B5EF4-FFF2-40B4-BE49-F238E27FC236}">
+                <a16:creationId xmlns:a16="http://schemas.microsoft.com/office/drawing/2014/main" id="{4B6ADD11-C6F6-251B-EFB7-8D75B9F7BB57}"/>
+              </a:ext>
+            </a:extLst>
+          </p:cNvPr>
+          <p:cNvSpPr>
+            <a:spLocks noGrp="1"/>
+          </p:cNvSpPr>
+          <p:nvPr>
+            <p:ph type="title"/>
+          </p:nvPr>
+        </p:nvSpPr>
+        <p:spPr>
+          <a:xfrm>
+            <a:off x="630936" y="639520"/>
+            <a:ext cx="3429000" cy="1719072"/>
+          </a:xfrm>
+        </p:spPr>
+        <p:txBody>
+          <a:bodyPr vert="horz" lIns="91440" tIns="45720" rIns="91440" bIns="45720" rtlCol="0" anchor="b">
+            <a:noAutofit/>
+          </a:bodyPr>
+          <a:lstStyle/>
+          <a:p>
+            <a:pPr>
+              <a:lnSpc>
+                <a:spcPct val="90000"/>
+              </a:lnSpc>
+            </a:pPr>
+            <a:r>
+              <a:rPr lang="en-US" sz="3200" b="1" dirty="0">
+                <a:latin typeface="Arial Hebrew" pitchFamily="2" charset="-79"/>
+                <a:cs typeface="Arial Hebrew" pitchFamily="2" charset="-79"/>
+              </a:rPr>
+              <a:t>Correlation between purpose and </a:t>
+            </a:r>
+            <a:r>
+              <a:rPr lang="en-US" sz="3200" b="1" dirty="0" err="1">
+                <a:latin typeface="Arial Hebrew" pitchFamily="2" charset="-79"/>
+                <a:cs typeface="Arial Hebrew" pitchFamily="2" charset="-79"/>
+              </a:rPr>
+              <a:t>loan_amnt</a:t>
+            </a:r>
+            <a:endParaRPr lang="en-US" sz="3200" b="1" dirty="0">
+              <a:latin typeface="Arial Hebrew" pitchFamily="2" charset="-79"/>
+              <a:cs typeface="Arial Hebrew" pitchFamily="2" charset="-79"/>
+            </a:endParaRPr>
+          </a:p>
+        </p:txBody>
+      </p:sp>
+      <p:sp>
+        <p:nvSpPr>
+          <p:cNvPr id="22" name="Rectangle 6">
+            <a:extLst>
+              <a:ext uri="{FF2B5EF4-FFF2-40B4-BE49-F238E27FC236}">
+                <a16:creationId xmlns:a16="http://schemas.microsoft.com/office/drawing/2014/main" id="{3CE8AF5E-D374-4CF1-90CC-35CF73B81C3E}"/>
+              </a:ext>
+              <a:ext uri="{C183D7F6-B498-43B3-948B-1728B52AA6E4}">
+                <adec:decorative xmlns:adec="http://schemas.microsoft.com/office/drawing/2017/decorative" val="1"/>
+              </a:ext>
+            </a:extLst>
+          </p:cNvPr>
+          <p:cNvSpPr>
+            <a:spLocks noGrp="1" noRot="1" noChangeAspect="1" noMove="1" noResize="1" noEditPoints="1" noAdjustHandles="1" noChangeArrowheads="1" noChangeShapeType="1" noTextEdit="1"/>
+          </p:cNvSpPr>
+          <p:nvPr>
+            <p:extLst>
+              <p:ext uri="{386F3935-93C4-4BCD-93E2-E3B085C9AB24}">
+                <p16:designElem xmlns:p16="http://schemas.microsoft.com/office/powerpoint/2015/main" val="1"/>
+              </p:ext>
+            </p:extLst>
+          </p:nvPr>
+        </p:nvSpPr>
+        <p:spPr>
+          <a:xfrm>
+            <a:off x="679084" y="2532888"/>
+            <a:ext cx="3291840" cy="18288"/>
+          </a:xfrm>
+          <a:custGeom>
+            <a:avLst/>
+            <a:gdLst>
+              <a:gd name="connsiteX0" fmla="*/ 0 w 3291840"/>
+              <a:gd name="connsiteY0" fmla="*/ 0 h 18288"/>
+              <a:gd name="connsiteX1" fmla="*/ 625450 w 3291840"/>
+              <a:gd name="connsiteY1" fmla="*/ 0 h 18288"/>
+              <a:gd name="connsiteX2" fmla="*/ 1283818 w 3291840"/>
+              <a:gd name="connsiteY2" fmla="*/ 0 h 18288"/>
+              <a:gd name="connsiteX3" fmla="*/ 1975104 w 3291840"/>
+              <a:gd name="connsiteY3" fmla="*/ 0 h 18288"/>
+              <a:gd name="connsiteX4" fmla="*/ 2666390 w 3291840"/>
+              <a:gd name="connsiteY4" fmla="*/ 0 h 18288"/>
+              <a:gd name="connsiteX5" fmla="*/ 3291840 w 3291840"/>
+              <a:gd name="connsiteY5" fmla="*/ 0 h 18288"/>
+              <a:gd name="connsiteX6" fmla="*/ 3291840 w 3291840"/>
+              <a:gd name="connsiteY6" fmla="*/ 18288 h 18288"/>
+              <a:gd name="connsiteX7" fmla="*/ 2567635 w 3291840"/>
+              <a:gd name="connsiteY7" fmla="*/ 18288 h 18288"/>
+              <a:gd name="connsiteX8" fmla="*/ 1843430 w 3291840"/>
+              <a:gd name="connsiteY8" fmla="*/ 18288 h 18288"/>
+              <a:gd name="connsiteX9" fmla="*/ 1185062 w 3291840"/>
+              <a:gd name="connsiteY9" fmla="*/ 18288 h 18288"/>
+              <a:gd name="connsiteX10" fmla="*/ 0 w 3291840"/>
+              <a:gd name="connsiteY10" fmla="*/ 18288 h 18288"/>
+              <a:gd name="connsiteX11" fmla="*/ 0 w 3291840"/>
+              <a:gd name="connsiteY11" fmla="*/ 0 h 18288"/>
+            </a:gdLst>
+            <a:ahLst/>
+            <a:cxnLst>
+              <a:cxn ang="0">
+                <a:pos x="connsiteX0" y="connsiteY0"/>
+              </a:cxn>
+              <a:cxn ang="0">
+                <a:pos x="connsiteX1" y="connsiteY1"/>
+              </a:cxn>
+              <a:cxn ang="0">
+                <a:pos x="connsiteX2" y="connsiteY2"/>
+              </a:cxn>
+              <a:cxn ang="0">
+                <a:pos x="connsiteX3" y="connsiteY3"/>
+              </a:cxn>
+              <a:cxn ang="0">
+                <a:pos x="connsiteX4" y="connsiteY4"/>
+              </a:cxn>
+              <a:cxn ang="0">
+                <a:pos x="connsiteX5" y="connsiteY5"/>
+              </a:cxn>
+              <a:cxn ang="0">
+                <a:pos x="connsiteX6" y="connsiteY6"/>
+              </a:cxn>
+              <a:cxn ang="0">
+                <a:pos x="connsiteX7" y="connsiteY7"/>
+              </a:cxn>
+              <a:cxn ang="0">
+                <a:pos x="connsiteX8" y="connsiteY8"/>
+              </a:cxn>
+              <a:cxn ang="0">
+                <a:pos x="connsiteX9" y="connsiteY9"/>
+              </a:cxn>
+              <a:cxn ang="0">
+                <a:pos x="connsiteX10" y="connsiteY10"/>
+              </a:cxn>
+              <a:cxn ang="0">
+                <a:pos x="connsiteX11" y="connsiteY11"/>
+              </a:cxn>
+            </a:cxnLst>
+            <a:rect l="l" t="t" r="r" b="b"/>
+            <a:pathLst>
+              <a:path w="3291840" h="18288" fill="none" extrusionOk="0">
+                <a:moveTo>
+                  <a:pt x="0" y="0"/>
+                </a:moveTo>
+                <a:cubicBezTo>
+                  <a:pt x="173613" y="5552"/>
+                  <a:pt x="489242" y="1770"/>
+                  <a:pt x="625450" y="0"/>
+                </a:cubicBezTo>
+                <a:cubicBezTo>
+                  <a:pt x="761658" y="-1770"/>
+                  <a:pt x="1015131" y="32079"/>
+                  <a:pt x="1283818" y="0"/>
+                </a:cubicBezTo>
+                <a:cubicBezTo>
+                  <a:pt x="1552505" y="-32079"/>
+                  <a:pt x="1752773" y="10771"/>
+                  <a:pt x="1975104" y="0"/>
+                </a:cubicBezTo>
+                <a:cubicBezTo>
+                  <a:pt x="2197435" y="-10771"/>
+                  <a:pt x="2433070" y="21341"/>
+                  <a:pt x="2666390" y="0"/>
+                </a:cubicBezTo>
+                <a:cubicBezTo>
+                  <a:pt x="2899710" y="-21341"/>
+                  <a:pt x="3028437" y="16612"/>
+                  <a:pt x="3291840" y="0"/>
+                </a:cubicBezTo>
+                <a:cubicBezTo>
+                  <a:pt x="3291131" y="8157"/>
+                  <a:pt x="3291427" y="12125"/>
+                  <a:pt x="3291840" y="18288"/>
+                </a:cubicBezTo>
+                <a:cubicBezTo>
+                  <a:pt x="3043276" y="37868"/>
+                  <a:pt x="2921041" y="-12908"/>
+                  <a:pt x="2567635" y="18288"/>
+                </a:cubicBezTo>
+                <a:cubicBezTo>
+                  <a:pt x="2214230" y="49484"/>
+                  <a:pt x="2189623" y="-13019"/>
+                  <a:pt x="1843430" y="18288"/>
+                </a:cubicBezTo>
+                <a:cubicBezTo>
+                  <a:pt x="1497237" y="49595"/>
+                  <a:pt x="1492584" y="29180"/>
+                  <a:pt x="1185062" y="18288"/>
+                </a:cubicBezTo>
+                <a:cubicBezTo>
+                  <a:pt x="877540" y="7396"/>
+                  <a:pt x="313238" y="46443"/>
+                  <a:pt x="0" y="18288"/>
+                </a:cubicBezTo>
+                <a:cubicBezTo>
+                  <a:pt x="-46" y="12483"/>
+                  <a:pt x="-203" y="6491"/>
+                  <a:pt x="0" y="0"/>
+                </a:cubicBezTo>
+                <a:close/>
+              </a:path>
+              <a:path w="3291840" h="18288" stroke="0" extrusionOk="0">
+                <a:moveTo>
+                  <a:pt x="0" y="0"/>
+                </a:moveTo>
+                <a:cubicBezTo>
+                  <a:pt x="281971" y="23935"/>
+                  <a:pt x="485873" y="-14021"/>
+                  <a:pt x="625450" y="0"/>
+                </a:cubicBezTo>
+                <a:cubicBezTo>
+                  <a:pt x="765027" y="14021"/>
+                  <a:pt x="1048900" y="27914"/>
+                  <a:pt x="1185062" y="0"/>
+                </a:cubicBezTo>
+                <a:cubicBezTo>
+                  <a:pt x="1321224" y="-27914"/>
+                  <a:pt x="1648252" y="-3988"/>
+                  <a:pt x="1909267" y="0"/>
+                </a:cubicBezTo>
+                <a:cubicBezTo>
+                  <a:pt x="2170282" y="3988"/>
+                  <a:pt x="2301957" y="25891"/>
+                  <a:pt x="2534717" y="0"/>
+                </a:cubicBezTo>
+                <a:cubicBezTo>
+                  <a:pt x="2767477" y="-25891"/>
+                  <a:pt x="3078800" y="21500"/>
+                  <a:pt x="3291840" y="0"/>
+                </a:cubicBezTo>
+                <a:cubicBezTo>
+                  <a:pt x="3291576" y="4493"/>
+                  <a:pt x="3292224" y="9472"/>
+                  <a:pt x="3291840" y="18288"/>
+                </a:cubicBezTo>
+                <a:cubicBezTo>
+                  <a:pt x="3120474" y="15714"/>
+                  <a:pt x="2816568" y="4633"/>
+                  <a:pt x="2633472" y="18288"/>
+                </a:cubicBezTo>
+                <a:cubicBezTo>
+                  <a:pt x="2450376" y="31943"/>
+                  <a:pt x="2160769" y="37350"/>
+                  <a:pt x="1909267" y="18288"/>
+                </a:cubicBezTo>
+                <a:cubicBezTo>
+                  <a:pt x="1657765" y="-774"/>
+                  <a:pt x="1623992" y="9648"/>
+                  <a:pt x="1349654" y="18288"/>
+                </a:cubicBezTo>
+                <a:cubicBezTo>
+                  <a:pt x="1075316" y="26928"/>
+                  <a:pt x="833426" y="34181"/>
+                  <a:pt x="691286" y="18288"/>
+                </a:cubicBezTo>
+                <a:cubicBezTo>
+                  <a:pt x="549146" y="2395"/>
+                  <a:pt x="342011" y="24201"/>
+                  <a:pt x="0" y="18288"/>
+                </a:cubicBezTo>
+                <a:cubicBezTo>
+                  <a:pt x="843" y="9577"/>
+                  <a:pt x="371" y="6900"/>
+                  <a:pt x="0" y="0"/>
+                </a:cubicBezTo>
+                <a:close/>
+              </a:path>
+            </a:pathLst>
+          </a:custGeom>
+          <a:solidFill>
+            <a:srgbClr val="3B9EB1"/>
+          </a:solidFill>
+          <a:ln w="38100" cap="rnd">
+            <a:solidFill>
+              <a:srgbClr val="3B9EB1"/>
+            </a:solidFill>
+            <a:round/>
+            <a:extLst>
+              <a:ext uri="{C807C97D-BFC1-408E-A445-0C87EB9F89A2}">
+                <ask:lineSketchStyleProps xmlns:ask="http://schemas.microsoft.com/office/drawing/2018/sketchyshapes" sd="1219033472">
+                  <a:prstGeom prst="rect">
+                    <a:avLst/>
+                  </a:prstGeom>
+                  <ask:type>
+                    <ask:lineSketchFreehand/>
+                  </ask:type>
+                </ask:lineSketchStyleProps>
+              </a:ext>
+            </a:extLst>
+          </a:ln>
+        </p:spPr>
+        <p:style>
+          <a:lnRef idx="2">
+            <a:schemeClr val="accent1">
+              <a:shade val="50000"/>
+            </a:schemeClr>
+          </a:lnRef>
+          <a:fillRef idx="1">
+            <a:schemeClr val="accent1"/>
+          </a:fillRef>
+          <a:effectRef idx="0">
+            <a:schemeClr val="accent1"/>
+          </a:effectRef>
+          <a:fontRef idx="minor">
+            <a:schemeClr val="lt1"/>
+          </a:fontRef>
+        </p:style>
+        <p:txBody>
+          <a:bodyPr rtlCol="0" anchor="ctr"/>
+          <a:lstStyle/>
+          <a:p>
+            <a:pPr algn="ctr"/>
+            <a:endParaRPr lang="en-US"/>
+          </a:p>
+        </p:txBody>
+      </p:sp>
+      <p:sp>
+        <p:nvSpPr>
+          <p:cNvPr id="6" name="TextBox 5">
+            <a:extLst>
+              <a:ext uri="{FF2B5EF4-FFF2-40B4-BE49-F238E27FC236}">
+                <a16:creationId xmlns:a16="http://schemas.microsoft.com/office/drawing/2014/main" id="{E56E028B-C171-445F-BB61-CF093784BBDF}"/>
+              </a:ext>
+            </a:extLst>
+          </p:cNvPr>
+          <p:cNvSpPr txBox="1"/>
+          <p:nvPr/>
+        </p:nvSpPr>
+        <p:spPr>
+          <a:xfrm>
+            <a:off x="630936" y="2807208"/>
+            <a:ext cx="3429000" cy="3410712"/>
+          </a:xfrm>
+          <a:prstGeom prst="rect">
+            <a:avLst/>
+          </a:prstGeom>
+        </p:spPr>
+        <p:txBody>
+          <a:bodyPr vert="horz" lIns="91440" tIns="45720" rIns="91440" bIns="45720" rtlCol="0" anchor="t">
+            <a:normAutofit fontScale="92500" lnSpcReduction="10000"/>
+          </a:bodyPr>
+          <a:lstStyle/>
+          <a:p>
+            <a:pPr indent="-228600">
+              <a:lnSpc>
+                <a:spcPct val="110000"/>
+              </a:lnSpc>
+              <a:spcAft>
+                <a:spcPts val="600"/>
+              </a:spcAft>
+              <a:buFont typeface="Arial" panose="020B0604020202020204" pitchFamily="34" charset="0"/>
+              <a:buChar char="•"/>
+            </a:pPr>
+            <a:r>
+              <a:rPr lang="en-US" sz="2400" dirty="0">
+                <a:latin typeface="Arial Hebrew" pitchFamily="2" charset="-79"/>
+                <a:cs typeface="Arial Hebrew" pitchFamily="2" charset="-79"/>
+              </a:rPr>
+              <a:t>Except house purpose for all other purpose after a certain </a:t>
+            </a:r>
+            <a:r>
+              <a:rPr lang="en-US" sz="2400" dirty="0" err="1">
+                <a:latin typeface="Arial Hebrew" pitchFamily="2" charset="-79"/>
+                <a:cs typeface="Arial Hebrew" pitchFamily="2" charset="-79"/>
+              </a:rPr>
+              <a:t>loan_amount</a:t>
+            </a:r>
+            <a:r>
+              <a:rPr lang="en-US" sz="2400" dirty="0">
+                <a:latin typeface="Arial Hebrew" pitchFamily="2" charset="-79"/>
+                <a:cs typeface="Arial Hebrew" pitchFamily="2" charset="-79"/>
+              </a:rPr>
+              <a:t> limit all loan amounts are less likely to be repaid. </a:t>
+            </a:r>
+          </a:p>
+          <a:p>
+            <a:pPr indent="-228600">
+              <a:lnSpc>
+                <a:spcPct val="110000"/>
+              </a:lnSpc>
+              <a:spcAft>
+                <a:spcPts val="600"/>
+              </a:spcAft>
+              <a:buFont typeface="Arial" panose="020B0604020202020204" pitchFamily="34" charset="0"/>
+              <a:buChar char="•"/>
+            </a:pPr>
+            <a:r>
+              <a:rPr lang="en-US" sz="2400" dirty="0">
+                <a:latin typeface="Arial Hebrew" pitchFamily="2" charset="-79"/>
+                <a:cs typeface="Arial Hebrew" pitchFamily="2" charset="-79"/>
+              </a:rPr>
+              <a:t>E.g. A loan amount above 13000 for small business has a risk of being </a:t>
+            </a:r>
+            <a:r>
+              <a:rPr lang="en-US" sz="2400" dirty="0" err="1">
+                <a:latin typeface="Arial Hebrew" pitchFamily="2" charset="-79"/>
+                <a:cs typeface="Arial Hebrew" pitchFamily="2" charset="-79"/>
+              </a:rPr>
+              <a:t>repayed</a:t>
+            </a:r>
+            <a:r>
+              <a:rPr lang="en-US" sz="2400" dirty="0">
+                <a:latin typeface="Arial Hebrew" pitchFamily="2" charset="-79"/>
+                <a:cs typeface="Arial Hebrew" pitchFamily="2" charset="-79"/>
+              </a:rPr>
+              <a:t>.</a:t>
+            </a:r>
+          </a:p>
+          <a:p>
+            <a:pPr>
+              <a:lnSpc>
+                <a:spcPct val="110000"/>
+              </a:lnSpc>
+              <a:spcAft>
+                <a:spcPts val="600"/>
+              </a:spcAft>
+            </a:pPr>
+            <a:endParaRPr lang="en-US" sz="2400" dirty="0">
+              <a:latin typeface="Arial Hebrew" pitchFamily="2" charset="-79"/>
+              <a:cs typeface="Arial Hebrew" pitchFamily="2" charset="-79"/>
+            </a:endParaRPr>
+          </a:p>
+        </p:txBody>
+      </p:sp>
+      <mc:AlternateContent xmlns:mc="http://schemas.openxmlformats.org/markup-compatibility/2006">
+        <mc:Choice xmlns:p14="http://schemas.microsoft.com/office/powerpoint/2010/main" Requires="p14">
+          <p:contentPart p14:bwMode="auto" r:id="rId2">
+            <p14:nvContentPartPr>
+              <p14:cNvPr id="24" name="Ink 23">
+                <a:extLst>
+                  <a:ext uri="{FF2B5EF4-FFF2-40B4-BE49-F238E27FC236}">
+                    <a16:creationId xmlns:a16="http://schemas.microsoft.com/office/drawing/2014/main" id="{070477C5-0410-4E4F-97A1-F84C2465C187}"/>
+                  </a:ext>
+                  <a:ext uri="{C183D7F6-B498-43B3-948B-1728B52AA6E4}">
+                    <adec:decorative xmlns:adec="http://schemas.microsoft.com/office/drawing/2017/decorative" val="1"/>
+                  </a:ext>
+                </a:extLst>
+              </p14:cNvPr>
+              <p14:cNvContentPartPr>
+                <a14:cpLocks xmlns:a14="http://schemas.microsoft.com/office/drawing/2010/main" noGrp="1" noRot="1" noChangeAspect="1" noMove="1" noResize="1" noEditPoints="1" noAdjustHandles="1" noChangeArrowheads="1" noChangeShapeType="1"/>
+              </p14:cNvContentPartPr>
+              <p14:nvPr>
+                <p:extLst>
+                  <p:ext uri="{386F3935-93C4-4BCD-93E2-E3B085C9AB24}">
+                    <p16:designElem xmlns:p16="http://schemas.microsoft.com/office/powerpoint/2015/main" val="1"/>
+                  </p:ext>
+                </p:extLst>
+              </p14:nvPr>
+            </p14:nvContentPartPr>
+            <p14:xfrm>
+              <a:off x="5755403" y="1971579"/>
+              <a:ext cx="360" cy="2160"/>
+            </p14:xfrm>
+          </p:contentPart>
+        </mc:Choice>
+        <mc:Fallback>
+          <p:pic>
+            <p:nvPicPr>
+              <p:cNvPr id="24" name="Ink 23">
+                <a:extLst>
+                  <a:ext uri="{FF2B5EF4-FFF2-40B4-BE49-F238E27FC236}">
+                    <a16:creationId xmlns:a16="http://schemas.microsoft.com/office/drawing/2014/main" id="{070477C5-0410-4E4F-97A1-F84C2465C187}"/>
+                  </a:ext>
+                  <a:ext uri="{C183D7F6-B498-43B3-948B-1728B52AA6E4}">
+                    <adec:decorative xmlns:adec="http://schemas.microsoft.com/office/drawing/2017/decorative" val="1"/>
+                  </a:ext>
+                </a:extLst>
+              </p:cNvPr>
+              <p:cNvPicPr>
+                <a:picLocks noGrp="1" noRot="1" noChangeAspect="1" noMove="1" noResize="1" noEditPoints="1" noAdjustHandles="1" noChangeArrowheads="1" noChangeShapeType="1"/>
+              </p:cNvPicPr>
+              <p:nvPr/>
+            </p:nvPicPr>
+            <p:blipFill>
+              <a:blip r:embed="rId3"/>
+              <a:stretch>
+                <a:fillRect/>
+              </a:stretch>
+            </p:blipFill>
+            <p:spPr>
+              <a:xfrm>
+                <a:off x="5737403" y="1956150"/>
+                <a:ext cx="36000" cy="32709"/>
+              </a:xfrm>
+              <a:prstGeom prst="rect">
+                <a:avLst/>
+              </a:prstGeom>
+            </p:spPr>
+          </p:pic>
+        </mc:Fallback>
+      </mc:AlternateContent>
+      <p:pic>
+        <p:nvPicPr>
+          <p:cNvPr id="4" name="Picture 3">
+            <a:extLst>
+              <a:ext uri="{FF2B5EF4-FFF2-40B4-BE49-F238E27FC236}">
+                <a16:creationId xmlns:a16="http://schemas.microsoft.com/office/drawing/2014/main" id="{F431E648-85DD-2764-9110-54F4C4176AFE}"/>
+              </a:ext>
+            </a:extLst>
+          </p:cNvPr>
+          <p:cNvPicPr>
+            <a:picLocks noChangeAspect="1"/>
+          </p:cNvPicPr>
+          <p:nvPr/>
+        </p:nvPicPr>
+        <p:blipFill>
+          <a:blip r:embed="rId4"/>
+          <a:stretch>
+            <a:fillRect/>
+          </a:stretch>
+        </p:blipFill>
+        <p:spPr>
+          <a:xfrm>
+            <a:off x="4389815" y="349122"/>
+            <a:ext cx="7662526" cy="5868798"/>
+          </a:xfrm>
+          <a:prstGeom prst="rect">
+            <a:avLst/>
+          </a:prstGeom>
+        </p:spPr>
+      </p:pic>
+    </p:spTree>
+    <p:extLst>
+      <p:ext uri="{BB962C8B-B14F-4D97-AF65-F5344CB8AC3E}">
+        <p14:creationId xmlns:p14="http://schemas.microsoft.com/office/powerpoint/2010/main" val="1555523481"/>
+      </p:ext>
+    </p:extLst>
+  </p:cSld>
+  <p:clrMapOvr>
+    <a:masterClrMapping/>
+  </p:clrMapOvr>
+</p:sld>
+</file>
+
 <file path=ppt/slides/slide2.xml><?xml version="1.0" encoding="utf-8"?>
 <p:sld xmlns:a="http://schemas.openxmlformats.org/drawingml/2006/main" xmlns:r="http://schemas.openxmlformats.org/officeDocument/2006/relationships" xmlns:p="http://schemas.openxmlformats.org/presentationml/2006/main">
   <p:cSld>
@@ -24984,6 +25904,5489 @@
     <p:extLst>
       <p:ext uri="{BB962C8B-B14F-4D97-AF65-F5344CB8AC3E}">
         <p14:creationId xmlns:p14="http://schemas.microsoft.com/office/powerpoint/2010/main" val="1388234469"/>
+      </p:ext>
+    </p:extLst>
+  </p:cSld>
+  <p:clrMapOvr>
+    <a:masterClrMapping/>
+  </p:clrMapOvr>
+</p:sld>
+</file>
+
+<file path=ppt/slides/slide20.xml><?xml version="1.0" encoding="utf-8"?>
+<p:sld xmlns:a="http://schemas.openxmlformats.org/drawingml/2006/main" xmlns:r="http://schemas.openxmlformats.org/officeDocument/2006/relationships" xmlns:p="http://schemas.openxmlformats.org/presentationml/2006/main">
+  <p:cSld>
+    <p:bg>
+      <p:bgPr>
+        <a:solidFill>
+          <a:schemeClr val="bg1"/>
+        </a:solidFill>
+        <a:effectLst/>
+      </p:bgPr>
+    </p:bg>
+    <p:spTree>
+      <p:nvGrpSpPr>
+        <p:cNvPr id="1" name=""/>
+        <p:cNvGrpSpPr/>
+        <p:nvPr/>
+      </p:nvGrpSpPr>
+      <p:grpSpPr>
+        <a:xfrm>
+          <a:off x="0" y="0"/>
+          <a:ext cx="0" cy="0"/>
+          <a:chOff x="0" y="0"/>
+          <a:chExt cx="0" cy="0"/>
+        </a:xfrm>
+      </p:grpSpPr>
+      <p:sp useBgFill="1">
+        <p:nvSpPr>
+          <p:cNvPr id="20" name="Rectangle 19">
+            <a:extLst>
+              <a:ext uri="{FF2B5EF4-FFF2-40B4-BE49-F238E27FC236}">
+                <a16:creationId xmlns:a16="http://schemas.microsoft.com/office/drawing/2014/main" id="{2B97F24A-32CE-4C1C-A50D-3016B394DCFB}"/>
+              </a:ext>
+              <a:ext uri="{C183D7F6-B498-43B3-948B-1728B52AA6E4}">
+                <adec:decorative xmlns:adec="http://schemas.microsoft.com/office/drawing/2017/decorative" val="1"/>
+              </a:ext>
+            </a:extLst>
+          </p:cNvPr>
+          <p:cNvSpPr>
+            <a:spLocks noGrp="1" noRot="1" noChangeAspect="1" noMove="1" noResize="1" noEditPoints="1" noAdjustHandles="1" noChangeArrowheads="1" noChangeShapeType="1" noTextEdit="1"/>
+          </p:cNvSpPr>
+          <p:nvPr>
+            <p:extLst>
+              <p:ext uri="{386F3935-93C4-4BCD-93E2-E3B085C9AB24}">
+                <p16:designElem xmlns:p16="http://schemas.microsoft.com/office/powerpoint/2015/main" val="1"/>
+              </p:ext>
+            </p:extLst>
+          </p:nvPr>
+        </p:nvSpPr>
+        <p:spPr>
+          <a:xfrm>
+            <a:off x="0" y="0"/>
+            <a:ext cx="12192000" cy="6858000"/>
+          </a:xfrm>
+          <a:prstGeom prst="rect">
+            <a:avLst/>
+          </a:prstGeom>
+          <a:ln>
+            <a:noFill/>
+          </a:ln>
+        </p:spPr>
+        <p:style>
+          <a:lnRef idx="2">
+            <a:schemeClr val="accent1">
+              <a:shade val="50000"/>
+            </a:schemeClr>
+          </a:lnRef>
+          <a:fillRef idx="1">
+            <a:schemeClr val="accent1"/>
+          </a:fillRef>
+          <a:effectRef idx="0">
+            <a:schemeClr val="accent1"/>
+          </a:effectRef>
+          <a:fontRef idx="minor">
+            <a:schemeClr val="lt1"/>
+          </a:fontRef>
+        </p:style>
+        <p:txBody>
+          <a:bodyPr rtlCol="0" anchor="ctr"/>
+          <a:lstStyle/>
+          <a:p>
+            <a:pPr algn="ctr"/>
+            <a:endParaRPr lang="en-US"/>
+          </a:p>
+        </p:txBody>
+      </p:sp>
+      <p:sp>
+        <p:nvSpPr>
+          <p:cNvPr id="2" name="Title 1">
+            <a:extLst>
+              <a:ext uri="{FF2B5EF4-FFF2-40B4-BE49-F238E27FC236}">
+                <a16:creationId xmlns:a16="http://schemas.microsoft.com/office/drawing/2014/main" id="{4B6ADD11-C6F6-251B-EFB7-8D75B9F7BB57}"/>
+              </a:ext>
+            </a:extLst>
+          </p:cNvPr>
+          <p:cNvSpPr>
+            <a:spLocks noGrp="1"/>
+          </p:cNvSpPr>
+          <p:nvPr>
+            <p:ph type="title"/>
+          </p:nvPr>
+        </p:nvSpPr>
+        <p:spPr>
+          <a:xfrm>
+            <a:off x="630936" y="639520"/>
+            <a:ext cx="3429000" cy="1719072"/>
+          </a:xfrm>
+        </p:spPr>
+        <p:txBody>
+          <a:bodyPr vert="horz" lIns="91440" tIns="45720" rIns="91440" bIns="45720" rtlCol="0" anchor="b">
+            <a:noAutofit/>
+          </a:bodyPr>
+          <a:lstStyle/>
+          <a:p>
+            <a:pPr>
+              <a:lnSpc>
+                <a:spcPct val="90000"/>
+              </a:lnSpc>
+            </a:pPr>
+            <a:r>
+              <a:rPr lang="en-US" sz="2800" b="1" dirty="0">
+                <a:latin typeface="Arial Hebrew" pitchFamily="2" charset="-79"/>
+                <a:cs typeface="Arial Hebrew" pitchFamily="2" charset="-79"/>
+              </a:rPr>
+              <a:t>Correlation between </a:t>
+            </a:r>
+            <a:r>
+              <a:rPr lang="en-US" sz="2800" b="1" dirty="0" err="1">
+                <a:latin typeface="Arial Hebrew" pitchFamily="2" charset="-79"/>
+                <a:cs typeface="Arial Hebrew" pitchFamily="2" charset="-79"/>
+              </a:rPr>
+              <a:t>loan_amount</a:t>
+            </a:r>
+            <a:r>
+              <a:rPr lang="en-US" sz="2800" b="1" dirty="0">
+                <a:latin typeface="Arial Hebrew" pitchFamily="2" charset="-79"/>
+                <a:cs typeface="Arial Hebrew" pitchFamily="2" charset="-79"/>
+              </a:rPr>
+              <a:t> and </a:t>
+            </a:r>
+            <a:r>
+              <a:rPr lang="en-US" sz="2800" b="1" dirty="0" err="1">
+                <a:latin typeface="Arial Hebrew" pitchFamily="2" charset="-79"/>
+                <a:cs typeface="Arial Hebrew" pitchFamily="2" charset="-79"/>
+              </a:rPr>
+              <a:t>home_ownership</a:t>
+            </a:r>
+            <a:endParaRPr lang="en-US" sz="2800" b="1" dirty="0">
+              <a:latin typeface="Arial Hebrew" pitchFamily="2" charset="-79"/>
+              <a:cs typeface="Arial Hebrew" pitchFamily="2" charset="-79"/>
+            </a:endParaRPr>
+          </a:p>
+        </p:txBody>
+      </p:sp>
+      <p:sp>
+        <p:nvSpPr>
+          <p:cNvPr id="22" name="Rectangle 6">
+            <a:extLst>
+              <a:ext uri="{FF2B5EF4-FFF2-40B4-BE49-F238E27FC236}">
+                <a16:creationId xmlns:a16="http://schemas.microsoft.com/office/drawing/2014/main" id="{3CE8AF5E-D374-4CF1-90CC-35CF73B81C3E}"/>
+              </a:ext>
+              <a:ext uri="{C183D7F6-B498-43B3-948B-1728B52AA6E4}">
+                <adec:decorative xmlns:adec="http://schemas.microsoft.com/office/drawing/2017/decorative" val="1"/>
+              </a:ext>
+            </a:extLst>
+          </p:cNvPr>
+          <p:cNvSpPr>
+            <a:spLocks noGrp="1" noRot="1" noChangeAspect="1" noMove="1" noResize="1" noEditPoints="1" noAdjustHandles="1" noChangeArrowheads="1" noChangeShapeType="1" noTextEdit="1"/>
+          </p:cNvSpPr>
+          <p:nvPr>
+            <p:extLst>
+              <p:ext uri="{386F3935-93C4-4BCD-93E2-E3B085C9AB24}">
+                <p16:designElem xmlns:p16="http://schemas.microsoft.com/office/powerpoint/2015/main" val="1"/>
+              </p:ext>
+            </p:extLst>
+          </p:nvPr>
+        </p:nvSpPr>
+        <p:spPr>
+          <a:xfrm>
+            <a:off x="679084" y="2532888"/>
+            <a:ext cx="3291840" cy="18288"/>
+          </a:xfrm>
+          <a:custGeom>
+            <a:avLst/>
+            <a:gdLst>
+              <a:gd name="connsiteX0" fmla="*/ 0 w 3291840"/>
+              <a:gd name="connsiteY0" fmla="*/ 0 h 18288"/>
+              <a:gd name="connsiteX1" fmla="*/ 625450 w 3291840"/>
+              <a:gd name="connsiteY1" fmla="*/ 0 h 18288"/>
+              <a:gd name="connsiteX2" fmla="*/ 1283818 w 3291840"/>
+              <a:gd name="connsiteY2" fmla="*/ 0 h 18288"/>
+              <a:gd name="connsiteX3" fmla="*/ 1975104 w 3291840"/>
+              <a:gd name="connsiteY3" fmla="*/ 0 h 18288"/>
+              <a:gd name="connsiteX4" fmla="*/ 2666390 w 3291840"/>
+              <a:gd name="connsiteY4" fmla="*/ 0 h 18288"/>
+              <a:gd name="connsiteX5" fmla="*/ 3291840 w 3291840"/>
+              <a:gd name="connsiteY5" fmla="*/ 0 h 18288"/>
+              <a:gd name="connsiteX6" fmla="*/ 3291840 w 3291840"/>
+              <a:gd name="connsiteY6" fmla="*/ 18288 h 18288"/>
+              <a:gd name="connsiteX7" fmla="*/ 2567635 w 3291840"/>
+              <a:gd name="connsiteY7" fmla="*/ 18288 h 18288"/>
+              <a:gd name="connsiteX8" fmla="*/ 1843430 w 3291840"/>
+              <a:gd name="connsiteY8" fmla="*/ 18288 h 18288"/>
+              <a:gd name="connsiteX9" fmla="*/ 1185062 w 3291840"/>
+              <a:gd name="connsiteY9" fmla="*/ 18288 h 18288"/>
+              <a:gd name="connsiteX10" fmla="*/ 0 w 3291840"/>
+              <a:gd name="connsiteY10" fmla="*/ 18288 h 18288"/>
+              <a:gd name="connsiteX11" fmla="*/ 0 w 3291840"/>
+              <a:gd name="connsiteY11" fmla="*/ 0 h 18288"/>
+            </a:gdLst>
+            <a:ahLst/>
+            <a:cxnLst>
+              <a:cxn ang="0">
+                <a:pos x="connsiteX0" y="connsiteY0"/>
+              </a:cxn>
+              <a:cxn ang="0">
+                <a:pos x="connsiteX1" y="connsiteY1"/>
+              </a:cxn>
+              <a:cxn ang="0">
+                <a:pos x="connsiteX2" y="connsiteY2"/>
+              </a:cxn>
+              <a:cxn ang="0">
+                <a:pos x="connsiteX3" y="connsiteY3"/>
+              </a:cxn>
+              <a:cxn ang="0">
+                <a:pos x="connsiteX4" y="connsiteY4"/>
+              </a:cxn>
+              <a:cxn ang="0">
+                <a:pos x="connsiteX5" y="connsiteY5"/>
+              </a:cxn>
+              <a:cxn ang="0">
+                <a:pos x="connsiteX6" y="connsiteY6"/>
+              </a:cxn>
+              <a:cxn ang="0">
+                <a:pos x="connsiteX7" y="connsiteY7"/>
+              </a:cxn>
+              <a:cxn ang="0">
+                <a:pos x="connsiteX8" y="connsiteY8"/>
+              </a:cxn>
+              <a:cxn ang="0">
+                <a:pos x="connsiteX9" y="connsiteY9"/>
+              </a:cxn>
+              <a:cxn ang="0">
+                <a:pos x="connsiteX10" y="connsiteY10"/>
+              </a:cxn>
+              <a:cxn ang="0">
+                <a:pos x="connsiteX11" y="connsiteY11"/>
+              </a:cxn>
+            </a:cxnLst>
+            <a:rect l="l" t="t" r="r" b="b"/>
+            <a:pathLst>
+              <a:path w="3291840" h="18288" fill="none" extrusionOk="0">
+                <a:moveTo>
+                  <a:pt x="0" y="0"/>
+                </a:moveTo>
+                <a:cubicBezTo>
+                  <a:pt x="173613" y="5552"/>
+                  <a:pt x="489242" y="1770"/>
+                  <a:pt x="625450" y="0"/>
+                </a:cubicBezTo>
+                <a:cubicBezTo>
+                  <a:pt x="761658" y="-1770"/>
+                  <a:pt x="1015131" y="32079"/>
+                  <a:pt x="1283818" y="0"/>
+                </a:cubicBezTo>
+                <a:cubicBezTo>
+                  <a:pt x="1552505" y="-32079"/>
+                  <a:pt x="1752773" y="10771"/>
+                  <a:pt x="1975104" y="0"/>
+                </a:cubicBezTo>
+                <a:cubicBezTo>
+                  <a:pt x="2197435" y="-10771"/>
+                  <a:pt x="2433070" y="21341"/>
+                  <a:pt x="2666390" y="0"/>
+                </a:cubicBezTo>
+                <a:cubicBezTo>
+                  <a:pt x="2899710" y="-21341"/>
+                  <a:pt x="3028437" y="16612"/>
+                  <a:pt x="3291840" y="0"/>
+                </a:cubicBezTo>
+                <a:cubicBezTo>
+                  <a:pt x="3291131" y="8157"/>
+                  <a:pt x="3291427" y="12125"/>
+                  <a:pt x="3291840" y="18288"/>
+                </a:cubicBezTo>
+                <a:cubicBezTo>
+                  <a:pt x="3043276" y="37868"/>
+                  <a:pt x="2921041" y="-12908"/>
+                  <a:pt x="2567635" y="18288"/>
+                </a:cubicBezTo>
+                <a:cubicBezTo>
+                  <a:pt x="2214230" y="49484"/>
+                  <a:pt x="2189623" y="-13019"/>
+                  <a:pt x="1843430" y="18288"/>
+                </a:cubicBezTo>
+                <a:cubicBezTo>
+                  <a:pt x="1497237" y="49595"/>
+                  <a:pt x="1492584" y="29180"/>
+                  <a:pt x="1185062" y="18288"/>
+                </a:cubicBezTo>
+                <a:cubicBezTo>
+                  <a:pt x="877540" y="7396"/>
+                  <a:pt x="313238" y="46443"/>
+                  <a:pt x="0" y="18288"/>
+                </a:cubicBezTo>
+                <a:cubicBezTo>
+                  <a:pt x="-46" y="12483"/>
+                  <a:pt x="-203" y="6491"/>
+                  <a:pt x="0" y="0"/>
+                </a:cubicBezTo>
+                <a:close/>
+              </a:path>
+              <a:path w="3291840" h="18288" stroke="0" extrusionOk="0">
+                <a:moveTo>
+                  <a:pt x="0" y="0"/>
+                </a:moveTo>
+                <a:cubicBezTo>
+                  <a:pt x="281971" y="23935"/>
+                  <a:pt x="485873" y="-14021"/>
+                  <a:pt x="625450" y="0"/>
+                </a:cubicBezTo>
+                <a:cubicBezTo>
+                  <a:pt x="765027" y="14021"/>
+                  <a:pt x="1048900" y="27914"/>
+                  <a:pt x="1185062" y="0"/>
+                </a:cubicBezTo>
+                <a:cubicBezTo>
+                  <a:pt x="1321224" y="-27914"/>
+                  <a:pt x="1648252" y="-3988"/>
+                  <a:pt x="1909267" y="0"/>
+                </a:cubicBezTo>
+                <a:cubicBezTo>
+                  <a:pt x="2170282" y="3988"/>
+                  <a:pt x="2301957" y="25891"/>
+                  <a:pt x="2534717" y="0"/>
+                </a:cubicBezTo>
+                <a:cubicBezTo>
+                  <a:pt x="2767477" y="-25891"/>
+                  <a:pt x="3078800" y="21500"/>
+                  <a:pt x="3291840" y="0"/>
+                </a:cubicBezTo>
+                <a:cubicBezTo>
+                  <a:pt x="3291576" y="4493"/>
+                  <a:pt x="3292224" y="9472"/>
+                  <a:pt x="3291840" y="18288"/>
+                </a:cubicBezTo>
+                <a:cubicBezTo>
+                  <a:pt x="3120474" y="15714"/>
+                  <a:pt x="2816568" y="4633"/>
+                  <a:pt x="2633472" y="18288"/>
+                </a:cubicBezTo>
+                <a:cubicBezTo>
+                  <a:pt x="2450376" y="31943"/>
+                  <a:pt x="2160769" y="37350"/>
+                  <a:pt x="1909267" y="18288"/>
+                </a:cubicBezTo>
+                <a:cubicBezTo>
+                  <a:pt x="1657765" y="-774"/>
+                  <a:pt x="1623992" y="9648"/>
+                  <a:pt x="1349654" y="18288"/>
+                </a:cubicBezTo>
+                <a:cubicBezTo>
+                  <a:pt x="1075316" y="26928"/>
+                  <a:pt x="833426" y="34181"/>
+                  <a:pt x="691286" y="18288"/>
+                </a:cubicBezTo>
+                <a:cubicBezTo>
+                  <a:pt x="549146" y="2395"/>
+                  <a:pt x="342011" y="24201"/>
+                  <a:pt x="0" y="18288"/>
+                </a:cubicBezTo>
+                <a:cubicBezTo>
+                  <a:pt x="843" y="9577"/>
+                  <a:pt x="371" y="6900"/>
+                  <a:pt x="0" y="0"/>
+                </a:cubicBezTo>
+                <a:close/>
+              </a:path>
+            </a:pathLst>
+          </a:custGeom>
+          <a:solidFill>
+            <a:srgbClr val="3B9EB1"/>
+          </a:solidFill>
+          <a:ln w="38100" cap="rnd">
+            <a:solidFill>
+              <a:srgbClr val="3B9EB1"/>
+            </a:solidFill>
+            <a:round/>
+            <a:extLst>
+              <a:ext uri="{C807C97D-BFC1-408E-A445-0C87EB9F89A2}">
+                <ask:lineSketchStyleProps xmlns:ask="http://schemas.microsoft.com/office/drawing/2018/sketchyshapes" sd="1219033472">
+                  <a:prstGeom prst="rect">
+                    <a:avLst/>
+                  </a:prstGeom>
+                  <ask:type>
+                    <ask:lineSketchFreehand/>
+                  </ask:type>
+                </ask:lineSketchStyleProps>
+              </a:ext>
+            </a:extLst>
+          </a:ln>
+        </p:spPr>
+        <p:style>
+          <a:lnRef idx="2">
+            <a:schemeClr val="accent1">
+              <a:shade val="50000"/>
+            </a:schemeClr>
+          </a:lnRef>
+          <a:fillRef idx="1">
+            <a:schemeClr val="accent1"/>
+          </a:fillRef>
+          <a:effectRef idx="0">
+            <a:schemeClr val="accent1"/>
+          </a:effectRef>
+          <a:fontRef idx="minor">
+            <a:schemeClr val="lt1"/>
+          </a:fontRef>
+        </p:style>
+        <p:txBody>
+          <a:bodyPr rtlCol="0" anchor="ctr"/>
+          <a:lstStyle/>
+          <a:p>
+            <a:pPr algn="ctr"/>
+            <a:endParaRPr lang="en-US"/>
+          </a:p>
+        </p:txBody>
+      </p:sp>
+      <p:sp>
+        <p:nvSpPr>
+          <p:cNvPr id="6" name="TextBox 5">
+            <a:extLst>
+              <a:ext uri="{FF2B5EF4-FFF2-40B4-BE49-F238E27FC236}">
+                <a16:creationId xmlns:a16="http://schemas.microsoft.com/office/drawing/2014/main" id="{E56E028B-C171-445F-BB61-CF093784BBDF}"/>
+              </a:ext>
+            </a:extLst>
+          </p:cNvPr>
+          <p:cNvSpPr txBox="1"/>
+          <p:nvPr/>
+        </p:nvSpPr>
+        <p:spPr>
+          <a:xfrm>
+            <a:off x="630936" y="2807208"/>
+            <a:ext cx="3429000" cy="3410712"/>
+          </a:xfrm>
+          <a:prstGeom prst="rect">
+            <a:avLst/>
+          </a:prstGeom>
+        </p:spPr>
+        <p:txBody>
+          <a:bodyPr vert="horz" lIns="91440" tIns="45720" rIns="91440" bIns="45720" rtlCol="0" anchor="t">
+            <a:normAutofit fontScale="85000" lnSpcReduction="20000"/>
+          </a:bodyPr>
+          <a:lstStyle/>
+          <a:p>
+            <a:pPr indent="-228600">
+              <a:lnSpc>
+                <a:spcPct val="110000"/>
+              </a:lnSpc>
+              <a:spcAft>
+                <a:spcPts val="600"/>
+              </a:spcAft>
+              <a:buFont typeface="Arial" panose="020B0604020202020204" pitchFamily="34" charset="0"/>
+              <a:buChar char="•"/>
+            </a:pPr>
+            <a:r>
+              <a:rPr lang="en-US" sz="2400" dirty="0">
+                <a:latin typeface="Arial Hebrew" pitchFamily="2" charset="-79"/>
+                <a:cs typeface="Arial Hebrew" pitchFamily="2" charset="-79"/>
+              </a:rPr>
+              <a:t>Under home ownership category there are different types , and each type except none has a risk post a certain </a:t>
+            </a:r>
+            <a:r>
+              <a:rPr lang="en-US" sz="2400" dirty="0" err="1">
+                <a:latin typeface="Arial Hebrew" pitchFamily="2" charset="-79"/>
+                <a:cs typeface="Arial Hebrew" pitchFamily="2" charset="-79"/>
+              </a:rPr>
+              <a:t>loan_amount</a:t>
+            </a:r>
+            <a:r>
+              <a:rPr lang="en-US" sz="2400" dirty="0">
+                <a:latin typeface="Arial Hebrew" pitchFamily="2" charset="-79"/>
+                <a:cs typeface="Arial Hebrew" pitchFamily="2" charset="-79"/>
+              </a:rPr>
+              <a:t>. </a:t>
+            </a:r>
+          </a:p>
+          <a:p>
+            <a:pPr indent="-228600">
+              <a:lnSpc>
+                <a:spcPct val="110000"/>
+              </a:lnSpc>
+              <a:spcAft>
+                <a:spcPts val="600"/>
+              </a:spcAft>
+              <a:buFont typeface="Arial" panose="020B0604020202020204" pitchFamily="34" charset="0"/>
+              <a:buChar char="•"/>
+            </a:pPr>
+            <a:r>
+              <a:rPr lang="en-US" sz="2400" dirty="0">
+                <a:latin typeface="Arial Hebrew" pitchFamily="2" charset="-79"/>
+                <a:cs typeface="Arial Hebrew" pitchFamily="2" charset="-79"/>
+              </a:rPr>
+              <a:t>E.g. It may not be safe to approve loan above 12000 for mortgage.</a:t>
+            </a:r>
+          </a:p>
+          <a:p>
+            <a:pPr indent="-228600">
+              <a:lnSpc>
+                <a:spcPct val="110000"/>
+              </a:lnSpc>
+              <a:spcAft>
+                <a:spcPts val="600"/>
+              </a:spcAft>
+              <a:buFont typeface="Arial" panose="020B0604020202020204" pitchFamily="34" charset="0"/>
+              <a:buChar char="•"/>
+            </a:pPr>
+            <a:r>
+              <a:rPr lang="en-US" sz="2400" dirty="0">
+                <a:latin typeface="Arial Hebrew" pitchFamily="2" charset="-79"/>
+                <a:cs typeface="Arial Hebrew" pitchFamily="2" charset="-79"/>
+              </a:rPr>
+              <a:t>For none </a:t>
+            </a:r>
+            <a:r>
+              <a:rPr lang="en-US" sz="2400" dirty="0" err="1">
+                <a:latin typeface="Arial Hebrew" pitchFamily="2" charset="-79"/>
+                <a:cs typeface="Arial Hebrew" pitchFamily="2" charset="-79"/>
+              </a:rPr>
+              <a:t>home_ownership</a:t>
+            </a:r>
+            <a:r>
+              <a:rPr lang="en-US" sz="2400" dirty="0">
+                <a:latin typeface="Arial Hebrew" pitchFamily="2" charset="-79"/>
+                <a:cs typeface="Arial Hebrew" pitchFamily="2" charset="-79"/>
+              </a:rPr>
+              <a:t> there is no risk at all.</a:t>
+            </a:r>
+          </a:p>
+        </p:txBody>
+      </p:sp>
+      <mc:AlternateContent xmlns:mc="http://schemas.openxmlformats.org/markup-compatibility/2006">
+        <mc:Choice xmlns:p14="http://schemas.microsoft.com/office/powerpoint/2010/main" Requires="p14">
+          <p:contentPart p14:bwMode="auto" r:id="rId2">
+            <p14:nvContentPartPr>
+              <p14:cNvPr id="24" name="Ink 23">
+                <a:extLst>
+                  <a:ext uri="{FF2B5EF4-FFF2-40B4-BE49-F238E27FC236}">
+                    <a16:creationId xmlns:a16="http://schemas.microsoft.com/office/drawing/2014/main" id="{070477C5-0410-4E4F-97A1-F84C2465C187}"/>
+                  </a:ext>
+                  <a:ext uri="{C183D7F6-B498-43B3-948B-1728B52AA6E4}">
+                    <adec:decorative xmlns:adec="http://schemas.microsoft.com/office/drawing/2017/decorative" val="1"/>
+                  </a:ext>
+                </a:extLst>
+              </p14:cNvPr>
+              <p14:cNvContentPartPr>
+                <a14:cpLocks xmlns:a14="http://schemas.microsoft.com/office/drawing/2010/main" noGrp="1" noRot="1" noChangeAspect="1" noMove="1" noResize="1" noEditPoints="1" noAdjustHandles="1" noChangeArrowheads="1" noChangeShapeType="1"/>
+              </p14:cNvContentPartPr>
+              <p14:nvPr>
+                <p:extLst>
+                  <p:ext uri="{386F3935-93C4-4BCD-93E2-E3B085C9AB24}">
+                    <p16:designElem xmlns:p16="http://schemas.microsoft.com/office/powerpoint/2015/main" val="1"/>
+                  </p:ext>
+                </p:extLst>
+              </p14:nvPr>
+            </p14:nvContentPartPr>
+            <p14:xfrm>
+              <a:off x="5755403" y="1971579"/>
+              <a:ext cx="360" cy="2160"/>
+            </p14:xfrm>
+          </p:contentPart>
+        </mc:Choice>
+        <mc:Fallback>
+          <p:pic>
+            <p:nvPicPr>
+              <p:cNvPr id="24" name="Ink 23">
+                <a:extLst>
+                  <a:ext uri="{FF2B5EF4-FFF2-40B4-BE49-F238E27FC236}">
+                    <a16:creationId xmlns:a16="http://schemas.microsoft.com/office/drawing/2014/main" id="{070477C5-0410-4E4F-97A1-F84C2465C187}"/>
+                  </a:ext>
+                  <a:ext uri="{C183D7F6-B498-43B3-948B-1728B52AA6E4}">
+                    <adec:decorative xmlns:adec="http://schemas.microsoft.com/office/drawing/2017/decorative" val="1"/>
+                  </a:ext>
+                </a:extLst>
+              </p:cNvPr>
+              <p:cNvPicPr>
+                <a:picLocks noGrp="1" noRot="1" noChangeAspect="1" noMove="1" noResize="1" noEditPoints="1" noAdjustHandles="1" noChangeArrowheads="1" noChangeShapeType="1"/>
+              </p:cNvPicPr>
+              <p:nvPr/>
+            </p:nvPicPr>
+            <p:blipFill>
+              <a:blip r:embed="rId3"/>
+              <a:stretch>
+                <a:fillRect/>
+              </a:stretch>
+            </p:blipFill>
+            <p:spPr>
+              <a:xfrm>
+                <a:off x="5737403" y="1956150"/>
+                <a:ext cx="36000" cy="32709"/>
+              </a:xfrm>
+              <a:prstGeom prst="rect">
+                <a:avLst/>
+              </a:prstGeom>
+            </p:spPr>
+          </p:pic>
+        </mc:Fallback>
+      </mc:AlternateContent>
+      <p:pic>
+        <p:nvPicPr>
+          <p:cNvPr id="4" name="Picture 3">
+            <a:extLst>
+              <a:ext uri="{FF2B5EF4-FFF2-40B4-BE49-F238E27FC236}">
+                <a16:creationId xmlns:a16="http://schemas.microsoft.com/office/drawing/2014/main" id="{CC55B1D3-2B37-F7A2-B6AD-8BA45FBF5EE1}"/>
+              </a:ext>
+            </a:extLst>
+          </p:cNvPr>
+          <p:cNvPicPr>
+            <a:picLocks noChangeAspect="1"/>
+          </p:cNvPicPr>
+          <p:nvPr/>
+        </p:nvPicPr>
+        <p:blipFill>
+          <a:blip r:embed="rId4"/>
+          <a:stretch>
+            <a:fillRect/>
+          </a:stretch>
+        </p:blipFill>
+        <p:spPr>
+          <a:xfrm>
+            <a:off x="4285749" y="242887"/>
+            <a:ext cx="7591425" cy="6372225"/>
+          </a:xfrm>
+          <a:prstGeom prst="rect">
+            <a:avLst/>
+          </a:prstGeom>
+        </p:spPr>
+      </p:pic>
+    </p:spTree>
+    <p:extLst>
+      <p:ext uri="{BB962C8B-B14F-4D97-AF65-F5344CB8AC3E}">
+        <p14:creationId xmlns:p14="http://schemas.microsoft.com/office/powerpoint/2010/main" val="2531544422"/>
+      </p:ext>
+    </p:extLst>
+  </p:cSld>
+  <p:clrMapOvr>
+    <a:masterClrMapping/>
+  </p:clrMapOvr>
+</p:sld>
+</file>
+
+<file path=ppt/slides/slide21.xml><?xml version="1.0" encoding="utf-8"?>
+<p:sld xmlns:a="http://schemas.openxmlformats.org/drawingml/2006/main" xmlns:r="http://schemas.openxmlformats.org/officeDocument/2006/relationships" xmlns:p="http://schemas.openxmlformats.org/presentationml/2006/main">
+  <p:cSld>
+    <p:bg>
+      <p:bgPr>
+        <a:solidFill>
+          <a:schemeClr val="bg1"/>
+        </a:solidFill>
+        <a:effectLst/>
+      </p:bgPr>
+    </p:bg>
+    <p:spTree>
+      <p:nvGrpSpPr>
+        <p:cNvPr id="1" name=""/>
+        <p:cNvGrpSpPr/>
+        <p:nvPr/>
+      </p:nvGrpSpPr>
+      <p:grpSpPr>
+        <a:xfrm>
+          <a:off x="0" y="0"/>
+          <a:ext cx="0" cy="0"/>
+          <a:chOff x="0" y="0"/>
+          <a:chExt cx="0" cy="0"/>
+        </a:xfrm>
+      </p:grpSpPr>
+      <p:sp useBgFill="1">
+        <p:nvSpPr>
+          <p:cNvPr id="20" name="Rectangle 19">
+            <a:extLst>
+              <a:ext uri="{FF2B5EF4-FFF2-40B4-BE49-F238E27FC236}">
+                <a16:creationId xmlns:a16="http://schemas.microsoft.com/office/drawing/2014/main" id="{2B97F24A-32CE-4C1C-A50D-3016B394DCFB}"/>
+              </a:ext>
+              <a:ext uri="{C183D7F6-B498-43B3-948B-1728B52AA6E4}">
+                <adec:decorative xmlns:adec="http://schemas.microsoft.com/office/drawing/2017/decorative" val="1"/>
+              </a:ext>
+            </a:extLst>
+          </p:cNvPr>
+          <p:cNvSpPr>
+            <a:spLocks noGrp="1" noRot="1" noChangeAspect="1" noMove="1" noResize="1" noEditPoints="1" noAdjustHandles="1" noChangeArrowheads="1" noChangeShapeType="1" noTextEdit="1"/>
+          </p:cNvSpPr>
+          <p:nvPr>
+            <p:extLst>
+              <p:ext uri="{386F3935-93C4-4BCD-93E2-E3B085C9AB24}">
+                <p16:designElem xmlns:p16="http://schemas.microsoft.com/office/powerpoint/2015/main" val="1"/>
+              </p:ext>
+            </p:extLst>
+          </p:nvPr>
+        </p:nvSpPr>
+        <p:spPr>
+          <a:xfrm>
+            <a:off x="0" y="0"/>
+            <a:ext cx="12192000" cy="6858000"/>
+          </a:xfrm>
+          <a:prstGeom prst="rect">
+            <a:avLst/>
+          </a:prstGeom>
+          <a:ln>
+            <a:noFill/>
+          </a:ln>
+        </p:spPr>
+        <p:style>
+          <a:lnRef idx="2">
+            <a:schemeClr val="accent1">
+              <a:shade val="50000"/>
+            </a:schemeClr>
+          </a:lnRef>
+          <a:fillRef idx="1">
+            <a:schemeClr val="accent1"/>
+          </a:fillRef>
+          <a:effectRef idx="0">
+            <a:schemeClr val="accent1"/>
+          </a:effectRef>
+          <a:fontRef idx="minor">
+            <a:schemeClr val="lt1"/>
+          </a:fontRef>
+        </p:style>
+        <p:txBody>
+          <a:bodyPr rtlCol="0" anchor="ctr"/>
+          <a:lstStyle/>
+          <a:p>
+            <a:pPr algn="ctr"/>
+            <a:endParaRPr lang="en-US"/>
+          </a:p>
+        </p:txBody>
+      </p:sp>
+      <p:sp>
+        <p:nvSpPr>
+          <p:cNvPr id="2" name="Title 1">
+            <a:extLst>
+              <a:ext uri="{FF2B5EF4-FFF2-40B4-BE49-F238E27FC236}">
+                <a16:creationId xmlns:a16="http://schemas.microsoft.com/office/drawing/2014/main" id="{4B6ADD11-C6F6-251B-EFB7-8D75B9F7BB57}"/>
+              </a:ext>
+            </a:extLst>
+          </p:cNvPr>
+          <p:cNvSpPr>
+            <a:spLocks noGrp="1"/>
+          </p:cNvSpPr>
+          <p:nvPr>
+            <p:ph type="title"/>
+          </p:nvPr>
+        </p:nvSpPr>
+        <p:spPr>
+          <a:xfrm>
+            <a:off x="630936" y="639520"/>
+            <a:ext cx="3429000" cy="1719072"/>
+          </a:xfrm>
+        </p:spPr>
+        <p:txBody>
+          <a:bodyPr vert="horz" lIns="91440" tIns="45720" rIns="91440" bIns="45720" rtlCol="0" anchor="b">
+            <a:noAutofit/>
+          </a:bodyPr>
+          <a:lstStyle/>
+          <a:p>
+            <a:pPr>
+              <a:lnSpc>
+                <a:spcPct val="90000"/>
+              </a:lnSpc>
+            </a:pPr>
+            <a:r>
+              <a:rPr lang="en-US" sz="3200" b="1" dirty="0">
+                <a:latin typeface="Arial Hebrew" pitchFamily="2" charset="-79"/>
+                <a:cs typeface="Arial Hebrew" pitchFamily="2" charset="-79"/>
+              </a:rPr>
+              <a:t>Correlation between grade and </a:t>
+            </a:r>
+            <a:r>
+              <a:rPr lang="en-US" sz="3200" b="1" dirty="0" err="1">
+                <a:latin typeface="Arial Hebrew" pitchFamily="2" charset="-79"/>
+                <a:cs typeface="Arial Hebrew" pitchFamily="2" charset="-79"/>
+              </a:rPr>
+              <a:t>loan_amnt</a:t>
+            </a:r>
+            <a:endParaRPr lang="en-US" sz="3200" b="1" dirty="0">
+              <a:latin typeface="Arial Hebrew" pitchFamily="2" charset="-79"/>
+              <a:cs typeface="Arial Hebrew" pitchFamily="2" charset="-79"/>
+            </a:endParaRPr>
+          </a:p>
+        </p:txBody>
+      </p:sp>
+      <p:sp>
+        <p:nvSpPr>
+          <p:cNvPr id="22" name="Rectangle 6">
+            <a:extLst>
+              <a:ext uri="{FF2B5EF4-FFF2-40B4-BE49-F238E27FC236}">
+                <a16:creationId xmlns:a16="http://schemas.microsoft.com/office/drawing/2014/main" id="{3CE8AF5E-D374-4CF1-90CC-35CF73B81C3E}"/>
+              </a:ext>
+              <a:ext uri="{C183D7F6-B498-43B3-948B-1728B52AA6E4}">
+                <adec:decorative xmlns:adec="http://schemas.microsoft.com/office/drawing/2017/decorative" val="1"/>
+              </a:ext>
+            </a:extLst>
+          </p:cNvPr>
+          <p:cNvSpPr>
+            <a:spLocks noGrp="1" noRot="1" noChangeAspect="1" noMove="1" noResize="1" noEditPoints="1" noAdjustHandles="1" noChangeArrowheads="1" noChangeShapeType="1" noTextEdit="1"/>
+          </p:cNvSpPr>
+          <p:nvPr>
+            <p:extLst>
+              <p:ext uri="{386F3935-93C4-4BCD-93E2-E3B085C9AB24}">
+                <p16:designElem xmlns:p16="http://schemas.microsoft.com/office/powerpoint/2015/main" val="1"/>
+              </p:ext>
+            </p:extLst>
+          </p:nvPr>
+        </p:nvSpPr>
+        <p:spPr>
+          <a:xfrm>
+            <a:off x="679084" y="2532888"/>
+            <a:ext cx="3291840" cy="18288"/>
+          </a:xfrm>
+          <a:custGeom>
+            <a:avLst/>
+            <a:gdLst>
+              <a:gd name="connsiteX0" fmla="*/ 0 w 3291840"/>
+              <a:gd name="connsiteY0" fmla="*/ 0 h 18288"/>
+              <a:gd name="connsiteX1" fmla="*/ 625450 w 3291840"/>
+              <a:gd name="connsiteY1" fmla="*/ 0 h 18288"/>
+              <a:gd name="connsiteX2" fmla="*/ 1283818 w 3291840"/>
+              <a:gd name="connsiteY2" fmla="*/ 0 h 18288"/>
+              <a:gd name="connsiteX3" fmla="*/ 1975104 w 3291840"/>
+              <a:gd name="connsiteY3" fmla="*/ 0 h 18288"/>
+              <a:gd name="connsiteX4" fmla="*/ 2666390 w 3291840"/>
+              <a:gd name="connsiteY4" fmla="*/ 0 h 18288"/>
+              <a:gd name="connsiteX5" fmla="*/ 3291840 w 3291840"/>
+              <a:gd name="connsiteY5" fmla="*/ 0 h 18288"/>
+              <a:gd name="connsiteX6" fmla="*/ 3291840 w 3291840"/>
+              <a:gd name="connsiteY6" fmla="*/ 18288 h 18288"/>
+              <a:gd name="connsiteX7" fmla="*/ 2567635 w 3291840"/>
+              <a:gd name="connsiteY7" fmla="*/ 18288 h 18288"/>
+              <a:gd name="connsiteX8" fmla="*/ 1843430 w 3291840"/>
+              <a:gd name="connsiteY8" fmla="*/ 18288 h 18288"/>
+              <a:gd name="connsiteX9" fmla="*/ 1185062 w 3291840"/>
+              <a:gd name="connsiteY9" fmla="*/ 18288 h 18288"/>
+              <a:gd name="connsiteX10" fmla="*/ 0 w 3291840"/>
+              <a:gd name="connsiteY10" fmla="*/ 18288 h 18288"/>
+              <a:gd name="connsiteX11" fmla="*/ 0 w 3291840"/>
+              <a:gd name="connsiteY11" fmla="*/ 0 h 18288"/>
+            </a:gdLst>
+            <a:ahLst/>
+            <a:cxnLst>
+              <a:cxn ang="0">
+                <a:pos x="connsiteX0" y="connsiteY0"/>
+              </a:cxn>
+              <a:cxn ang="0">
+                <a:pos x="connsiteX1" y="connsiteY1"/>
+              </a:cxn>
+              <a:cxn ang="0">
+                <a:pos x="connsiteX2" y="connsiteY2"/>
+              </a:cxn>
+              <a:cxn ang="0">
+                <a:pos x="connsiteX3" y="connsiteY3"/>
+              </a:cxn>
+              <a:cxn ang="0">
+                <a:pos x="connsiteX4" y="connsiteY4"/>
+              </a:cxn>
+              <a:cxn ang="0">
+                <a:pos x="connsiteX5" y="connsiteY5"/>
+              </a:cxn>
+              <a:cxn ang="0">
+                <a:pos x="connsiteX6" y="connsiteY6"/>
+              </a:cxn>
+              <a:cxn ang="0">
+                <a:pos x="connsiteX7" y="connsiteY7"/>
+              </a:cxn>
+              <a:cxn ang="0">
+                <a:pos x="connsiteX8" y="connsiteY8"/>
+              </a:cxn>
+              <a:cxn ang="0">
+                <a:pos x="connsiteX9" y="connsiteY9"/>
+              </a:cxn>
+              <a:cxn ang="0">
+                <a:pos x="connsiteX10" y="connsiteY10"/>
+              </a:cxn>
+              <a:cxn ang="0">
+                <a:pos x="connsiteX11" y="connsiteY11"/>
+              </a:cxn>
+            </a:cxnLst>
+            <a:rect l="l" t="t" r="r" b="b"/>
+            <a:pathLst>
+              <a:path w="3291840" h="18288" fill="none" extrusionOk="0">
+                <a:moveTo>
+                  <a:pt x="0" y="0"/>
+                </a:moveTo>
+                <a:cubicBezTo>
+                  <a:pt x="173613" y="5552"/>
+                  <a:pt x="489242" y="1770"/>
+                  <a:pt x="625450" y="0"/>
+                </a:cubicBezTo>
+                <a:cubicBezTo>
+                  <a:pt x="761658" y="-1770"/>
+                  <a:pt x="1015131" y="32079"/>
+                  <a:pt x="1283818" y="0"/>
+                </a:cubicBezTo>
+                <a:cubicBezTo>
+                  <a:pt x="1552505" y="-32079"/>
+                  <a:pt x="1752773" y="10771"/>
+                  <a:pt x="1975104" y="0"/>
+                </a:cubicBezTo>
+                <a:cubicBezTo>
+                  <a:pt x="2197435" y="-10771"/>
+                  <a:pt x="2433070" y="21341"/>
+                  <a:pt x="2666390" y="0"/>
+                </a:cubicBezTo>
+                <a:cubicBezTo>
+                  <a:pt x="2899710" y="-21341"/>
+                  <a:pt x="3028437" y="16612"/>
+                  <a:pt x="3291840" y="0"/>
+                </a:cubicBezTo>
+                <a:cubicBezTo>
+                  <a:pt x="3291131" y="8157"/>
+                  <a:pt x="3291427" y="12125"/>
+                  <a:pt x="3291840" y="18288"/>
+                </a:cubicBezTo>
+                <a:cubicBezTo>
+                  <a:pt x="3043276" y="37868"/>
+                  <a:pt x="2921041" y="-12908"/>
+                  <a:pt x="2567635" y="18288"/>
+                </a:cubicBezTo>
+                <a:cubicBezTo>
+                  <a:pt x="2214230" y="49484"/>
+                  <a:pt x="2189623" y="-13019"/>
+                  <a:pt x="1843430" y="18288"/>
+                </a:cubicBezTo>
+                <a:cubicBezTo>
+                  <a:pt x="1497237" y="49595"/>
+                  <a:pt x="1492584" y="29180"/>
+                  <a:pt x="1185062" y="18288"/>
+                </a:cubicBezTo>
+                <a:cubicBezTo>
+                  <a:pt x="877540" y="7396"/>
+                  <a:pt x="313238" y="46443"/>
+                  <a:pt x="0" y="18288"/>
+                </a:cubicBezTo>
+                <a:cubicBezTo>
+                  <a:pt x="-46" y="12483"/>
+                  <a:pt x="-203" y="6491"/>
+                  <a:pt x="0" y="0"/>
+                </a:cubicBezTo>
+                <a:close/>
+              </a:path>
+              <a:path w="3291840" h="18288" stroke="0" extrusionOk="0">
+                <a:moveTo>
+                  <a:pt x="0" y="0"/>
+                </a:moveTo>
+                <a:cubicBezTo>
+                  <a:pt x="281971" y="23935"/>
+                  <a:pt x="485873" y="-14021"/>
+                  <a:pt x="625450" y="0"/>
+                </a:cubicBezTo>
+                <a:cubicBezTo>
+                  <a:pt x="765027" y="14021"/>
+                  <a:pt x="1048900" y="27914"/>
+                  <a:pt x="1185062" y="0"/>
+                </a:cubicBezTo>
+                <a:cubicBezTo>
+                  <a:pt x="1321224" y="-27914"/>
+                  <a:pt x="1648252" y="-3988"/>
+                  <a:pt x="1909267" y="0"/>
+                </a:cubicBezTo>
+                <a:cubicBezTo>
+                  <a:pt x="2170282" y="3988"/>
+                  <a:pt x="2301957" y="25891"/>
+                  <a:pt x="2534717" y="0"/>
+                </a:cubicBezTo>
+                <a:cubicBezTo>
+                  <a:pt x="2767477" y="-25891"/>
+                  <a:pt x="3078800" y="21500"/>
+                  <a:pt x="3291840" y="0"/>
+                </a:cubicBezTo>
+                <a:cubicBezTo>
+                  <a:pt x="3291576" y="4493"/>
+                  <a:pt x="3292224" y="9472"/>
+                  <a:pt x="3291840" y="18288"/>
+                </a:cubicBezTo>
+                <a:cubicBezTo>
+                  <a:pt x="3120474" y="15714"/>
+                  <a:pt x="2816568" y="4633"/>
+                  <a:pt x="2633472" y="18288"/>
+                </a:cubicBezTo>
+                <a:cubicBezTo>
+                  <a:pt x="2450376" y="31943"/>
+                  <a:pt x="2160769" y="37350"/>
+                  <a:pt x="1909267" y="18288"/>
+                </a:cubicBezTo>
+                <a:cubicBezTo>
+                  <a:pt x="1657765" y="-774"/>
+                  <a:pt x="1623992" y="9648"/>
+                  <a:pt x="1349654" y="18288"/>
+                </a:cubicBezTo>
+                <a:cubicBezTo>
+                  <a:pt x="1075316" y="26928"/>
+                  <a:pt x="833426" y="34181"/>
+                  <a:pt x="691286" y="18288"/>
+                </a:cubicBezTo>
+                <a:cubicBezTo>
+                  <a:pt x="549146" y="2395"/>
+                  <a:pt x="342011" y="24201"/>
+                  <a:pt x="0" y="18288"/>
+                </a:cubicBezTo>
+                <a:cubicBezTo>
+                  <a:pt x="843" y="9577"/>
+                  <a:pt x="371" y="6900"/>
+                  <a:pt x="0" y="0"/>
+                </a:cubicBezTo>
+                <a:close/>
+              </a:path>
+            </a:pathLst>
+          </a:custGeom>
+          <a:solidFill>
+            <a:srgbClr val="3B9EB1"/>
+          </a:solidFill>
+          <a:ln w="38100" cap="rnd">
+            <a:solidFill>
+              <a:srgbClr val="3B9EB1"/>
+            </a:solidFill>
+            <a:round/>
+            <a:extLst>
+              <a:ext uri="{C807C97D-BFC1-408E-A445-0C87EB9F89A2}">
+                <ask:lineSketchStyleProps xmlns:ask="http://schemas.microsoft.com/office/drawing/2018/sketchyshapes" sd="1219033472">
+                  <a:prstGeom prst="rect">
+                    <a:avLst/>
+                  </a:prstGeom>
+                  <ask:type>
+                    <ask:lineSketchFreehand/>
+                  </ask:type>
+                </ask:lineSketchStyleProps>
+              </a:ext>
+            </a:extLst>
+          </a:ln>
+        </p:spPr>
+        <p:style>
+          <a:lnRef idx="2">
+            <a:schemeClr val="accent1">
+              <a:shade val="50000"/>
+            </a:schemeClr>
+          </a:lnRef>
+          <a:fillRef idx="1">
+            <a:schemeClr val="accent1"/>
+          </a:fillRef>
+          <a:effectRef idx="0">
+            <a:schemeClr val="accent1"/>
+          </a:effectRef>
+          <a:fontRef idx="minor">
+            <a:schemeClr val="lt1"/>
+          </a:fontRef>
+        </p:style>
+        <p:txBody>
+          <a:bodyPr rtlCol="0" anchor="ctr"/>
+          <a:lstStyle/>
+          <a:p>
+            <a:pPr algn="ctr"/>
+            <a:endParaRPr lang="en-US"/>
+          </a:p>
+        </p:txBody>
+      </p:sp>
+      <p:sp>
+        <p:nvSpPr>
+          <p:cNvPr id="6" name="TextBox 5">
+            <a:extLst>
+              <a:ext uri="{FF2B5EF4-FFF2-40B4-BE49-F238E27FC236}">
+                <a16:creationId xmlns:a16="http://schemas.microsoft.com/office/drawing/2014/main" id="{E56E028B-C171-445F-BB61-CF093784BBDF}"/>
+              </a:ext>
+            </a:extLst>
+          </p:cNvPr>
+          <p:cNvSpPr txBox="1"/>
+          <p:nvPr/>
+        </p:nvSpPr>
+        <p:spPr>
+          <a:xfrm>
+            <a:off x="630936" y="2807208"/>
+            <a:ext cx="3429000" cy="3410712"/>
+          </a:xfrm>
+          <a:prstGeom prst="rect">
+            <a:avLst/>
+          </a:prstGeom>
+        </p:spPr>
+        <p:txBody>
+          <a:bodyPr vert="horz" lIns="91440" tIns="45720" rIns="91440" bIns="45720" rtlCol="0" anchor="t">
+            <a:normAutofit/>
+          </a:bodyPr>
+          <a:lstStyle/>
+          <a:p>
+            <a:pPr indent="-228600">
+              <a:lnSpc>
+                <a:spcPct val="110000"/>
+              </a:lnSpc>
+              <a:spcAft>
+                <a:spcPts val="600"/>
+              </a:spcAft>
+              <a:buFont typeface="Arial" panose="020B0604020202020204" pitchFamily="34" charset="0"/>
+              <a:buChar char="•"/>
+            </a:pPr>
+            <a:r>
+              <a:rPr lang="en-US" sz="2400" dirty="0">
+                <a:latin typeface="Arial Hebrew" pitchFamily="2" charset="-79"/>
+                <a:cs typeface="Arial Hebrew" pitchFamily="2" charset="-79"/>
+              </a:rPr>
+              <a:t>We saw earlier that Grade G has higher risk of defaulters , however there is still a bracket of </a:t>
+            </a:r>
+            <a:r>
+              <a:rPr lang="en-US" sz="2400" dirty="0" err="1">
+                <a:latin typeface="Arial Hebrew" pitchFamily="2" charset="-79"/>
+                <a:cs typeface="Arial Hebrew" pitchFamily="2" charset="-79"/>
+              </a:rPr>
+              <a:t>loan_amount</a:t>
+            </a:r>
+            <a:r>
+              <a:rPr lang="en-US" sz="2400" dirty="0">
+                <a:latin typeface="Arial Hebrew" pitchFamily="2" charset="-79"/>
+                <a:cs typeface="Arial Hebrew" pitchFamily="2" charset="-79"/>
+              </a:rPr>
+              <a:t> that can be approved for grade G (18000 to 22000) </a:t>
+            </a:r>
+          </a:p>
+        </p:txBody>
+      </p:sp>
+      <mc:AlternateContent xmlns:mc="http://schemas.openxmlformats.org/markup-compatibility/2006">
+        <mc:Choice xmlns:p14="http://schemas.microsoft.com/office/powerpoint/2010/main" Requires="p14">
+          <p:contentPart p14:bwMode="auto" r:id="rId2">
+            <p14:nvContentPartPr>
+              <p14:cNvPr id="24" name="Ink 23">
+                <a:extLst>
+                  <a:ext uri="{FF2B5EF4-FFF2-40B4-BE49-F238E27FC236}">
+                    <a16:creationId xmlns:a16="http://schemas.microsoft.com/office/drawing/2014/main" id="{070477C5-0410-4E4F-97A1-F84C2465C187}"/>
+                  </a:ext>
+                  <a:ext uri="{C183D7F6-B498-43B3-948B-1728B52AA6E4}">
+                    <adec:decorative xmlns:adec="http://schemas.microsoft.com/office/drawing/2017/decorative" val="1"/>
+                  </a:ext>
+                </a:extLst>
+              </p14:cNvPr>
+              <p14:cNvContentPartPr>
+                <a14:cpLocks xmlns:a14="http://schemas.microsoft.com/office/drawing/2010/main" noGrp="1" noRot="1" noChangeAspect="1" noMove="1" noResize="1" noEditPoints="1" noAdjustHandles="1" noChangeArrowheads="1" noChangeShapeType="1"/>
+              </p14:cNvContentPartPr>
+              <p14:nvPr>
+                <p:extLst>
+                  <p:ext uri="{386F3935-93C4-4BCD-93E2-E3B085C9AB24}">
+                    <p16:designElem xmlns:p16="http://schemas.microsoft.com/office/powerpoint/2015/main" val="1"/>
+                  </p:ext>
+                </p:extLst>
+              </p14:nvPr>
+            </p14:nvContentPartPr>
+            <p14:xfrm>
+              <a:off x="5755403" y="1971579"/>
+              <a:ext cx="360" cy="2160"/>
+            </p14:xfrm>
+          </p:contentPart>
+        </mc:Choice>
+        <mc:Fallback>
+          <p:pic>
+            <p:nvPicPr>
+              <p:cNvPr id="24" name="Ink 23">
+                <a:extLst>
+                  <a:ext uri="{FF2B5EF4-FFF2-40B4-BE49-F238E27FC236}">
+                    <a16:creationId xmlns:a16="http://schemas.microsoft.com/office/drawing/2014/main" id="{070477C5-0410-4E4F-97A1-F84C2465C187}"/>
+                  </a:ext>
+                  <a:ext uri="{C183D7F6-B498-43B3-948B-1728B52AA6E4}">
+                    <adec:decorative xmlns:adec="http://schemas.microsoft.com/office/drawing/2017/decorative" val="1"/>
+                  </a:ext>
+                </a:extLst>
+              </p:cNvPr>
+              <p:cNvPicPr>
+                <a:picLocks noGrp="1" noRot="1" noChangeAspect="1" noMove="1" noResize="1" noEditPoints="1" noAdjustHandles="1" noChangeArrowheads="1" noChangeShapeType="1"/>
+              </p:cNvPicPr>
+              <p:nvPr/>
+            </p:nvPicPr>
+            <p:blipFill>
+              <a:blip r:embed="rId3"/>
+              <a:stretch>
+                <a:fillRect/>
+              </a:stretch>
+            </p:blipFill>
+            <p:spPr>
+              <a:xfrm>
+                <a:off x="5737403" y="1956150"/>
+                <a:ext cx="36000" cy="32709"/>
+              </a:xfrm>
+              <a:prstGeom prst="rect">
+                <a:avLst/>
+              </a:prstGeom>
+            </p:spPr>
+          </p:pic>
+        </mc:Fallback>
+      </mc:AlternateContent>
+      <p:pic>
+        <p:nvPicPr>
+          <p:cNvPr id="5" name="Picture 4">
+            <a:extLst>
+              <a:ext uri="{FF2B5EF4-FFF2-40B4-BE49-F238E27FC236}">
+                <a16:creationId xmlns:a16="http://schemas.microsoft.com/office/drawing/2014/main" id="{7D460CB2-ED12-0B1A-E7BA-0C0F527E8991}"/>
+              </a:ext>
+            </a:extLst>
+          </p:cNvPr>
+          <p:cNvPicPr>
+            <a:picLocks noChangeAspect="1"/>
+          </p:cNvPicPr>
+          <p:nvPr/>
+        </p:nvPicPr>
+        <p:blipFill>
+          <a:blip r:embed="rId4"/>
+          <a:stretch>
+            <a:fillRect/>
+          </a:stretch>
+        </p:blipFill>
+        <p:spPr>
+          <a:xfrm>
+            <a:off x="5318125" y="214312"/>
+            <a:ext cx="6534150" cy="6429375"/>
+          </a:xfrm>
+          <a:prstGeom prst="rect">
+            <a:avLst/>
+          </a:prstGeom>
+        </p:spPr>
+      </p:pic>
+    </p:spTree>
+    <p:extLst>
+      <p:ext uri="{BB962C8B-B14F-4D97-AF65-F5344CB8AC3E}">
+        <p14:creationId xmlns:p14="http://schemas.microsoft.com/office/powerpoint/2010/main" val="563664404"/>
+      </p:ext>
+    </p:extLst>
+  </p:cSld>
+  <p:clrMapOvr>
+    <a:masterClrMapping/>
+  </p:clrMapOvr>
+</p:sld>
+</file>
+
+<file path=ppt/slides/slide22.xml><?xml version="1.0" encoding="utf-8"?>
+<p:sld xmlns:a="http://schemas.openxmlformats.org/drawingml/2006/main" xmlns:r="http://schemas.openxmlformats.org/officeDocument/2006/relationships" xmlns:p="http://schemas.openxmlformats.org/presentationml/2006/main">
+  <p:cSld>
+    <p:bg>
+      <p:bgPr>
+        <a:solidFill>
+          <a:schemeClr val="bg1"/>
+        </a:solidFill>
+        <a:effectLst/>
+      </p:bgPr>
+    </p:bg>
+    <p:spTree>
+      <p:nvGrpSpPr>
+        <p:cNvPr id="1" name=""/>
+        <p:cNvGrpSpPr/>
+        <p:nvPr/>
+      </p:nvGrpSpPr>
+      <p:grpSpPr>
+        <a:xfrm>
+          <a:off x="0" y="0"/>
+          <a:ext cx="0" cy="0"/>
+          <a:chOff x="0" y="0"/>
+          <a:chExt cx="0" cy="0"/>
+        </a:xfrm>
+      </p:grpSpPr>
+      <p:sp useBgFill="1">
+        <p:nvSpPr>
+          <p:cNvPr id="20" name="Rectangle 19">
+            <a:extLst>
+              <a:ext uri="{FF2B5EF4-FFF2-40B4-BE49-F238E27FC236}">
+                <a16:creationId xmlns:a16="http://schemas.microsoft.com/office/drawing/2014/main" id="{2B97F24A-32CE-4C1C-A50D-3016B394DCFB}"/>
+              </a:ext>
+              <a:ext uri="{C183D7F6-B498-43B3-948B-1728B52AA6E4}">
+                <adec:decorative xmlns:adec="http://schemas.microsoft.com/office/drawing/2017/decorative" val="1"/>
+              </a:ext>
+            </a:extLst>
+          </p:cNvPr>
+          <p:cNvSpPr>
+            <a:spLocks noGrp="1" noRot="1" noChangeAspect="1" noMove="1" noResize="1" noEditPoints="1" noAdjustHandles="1" noChangeArrowheads="1" noChangeShapeType="1" noTextEdit="1"/>
+          </p:cNvSpPr>
+          <p:nvPr>
+            <p:extLst>
+              <p:ext uri="{386F3935-93C4-4BCD-93E2-E3B085C9AB24}">
+                <p16:designElem xmlns:p16="http://schemas.microsoft.com/office/powerpoint/2015/main" val="1"/>
+              </p:ext>
+            </p:extLst>
+          </p:nvPr>
+        </p:nvSpPr>
+        <p:spPr>
+          <a:xfrm>
+            <a:off x="0" y="0"/>
+            <a:ext cx="12192000" cy="6858000"/>
+          </a:xfrm>
+          <a:prstGeom prst="rect">
+            <a:avLst/>
+          </a:prstGeom>
+          <a:ln>
+            <a:noFill/>
+          </a:ln>
+        </p:spPr>
+        <p:style>
+          <a:lnRef idx="2">
+            <a:schemeClr val="accent1">
+              <a:shade val="50000"/>
+            </a:schemeClr>
+          </a:lnRef>
+          <a:fillRef idx="1">
+            <a:schemeClr val="accent1"/>
+          </a:fillRef>
+          <a:effectRef idx="0">
+            <a:schemeClr val="accent1"/>
+          </a:effectRef>
+          <a:fontRef idx="minor">
+            <a:schemeClr val="lt1"/>
+          </a:fontRef>
+        </p:style>
+        <p:txBody>
+          <a:bodyPr rtlCol="0" anchor="ctr"/>
+          <a:lstStyle/>
+          <a:p>
+            <a:pPr algn="ctr"/>
+            <a:endParaRPr lang="en-US"/>
+          </a:p>
+        </p:txBody>
+      </p:sp>
+      <p:sp>
+        <p:nvSpPr>
+          <p:cNvPr id="2" name="Title 1">
+            <a:extLst>
+              <a:ext uri="{FF2B5EF4-FFF2-40B4-BE49-F238E27FC236}">
+                <a16:creationId xmlns:a16="http://schemas.microsoft.com/office/drawing/2014/main" id="{4B6ADD11-C6F6-251B-EFB7-8D75B9F7BB57}"/>
+              </a:ext>
+            </a:extLst>
+          </p:cNvPr>
+          <p:cNvSpPr>
+            <a:spLocks noGrp="1"/>
+          </p:cNvSpPr>
+          <p:nvPr>
+            <p:ph type="title"/>
+          </p:nvPr>
+        </p:nvSpPr>
+        <p:spPr>
+          <a:xfrm>
+            <a:off x="630936" y="639520"/>
+            <a:ext cx="3429000" cy="1719072"/>
+          </a:xfrm>
+        </p:spPr>
+        <p:txBody>
+          <a:bodyPr vert="horz" lIns="91440" tIns="45720" rIns="91440" bIns="45720" rtlCol="0" anchor="b">
+            <a:noAutofit/>
+          </a:bodyPr>
+          <a:lstStyle/>
+          <a:p>
+            <a:pPr>
+              <a:lnSpc>
+                <a:spcPct val="90000"/>
+              </a:lnSpc>
+            </a:pPr>
+            <a:r>
+              <a:rPr lang="en-US" sz="2800" b="1" dirty="0">
+                <a:latin typeface="Arial Hebrew" pitchFamily="2" charset="-79"/>
+                <a:cs typeface="Arial Hebrew" pitchFamily="2" charset="-79"/>
+              </a:rPr>
+              <a:t>Correlation between </a:t>
+            </a:r>
+            <a:r>
+              <a:rPr lang="en-US" sz="2800" b="1" dirty="0" err="1">
+                <a:latin typeface="Arial Hebrew" pitchFamily="2" charset="-79"/>
+                <a:cs typeface="Arial Hebrew" pitchFamily="2" charset="-79"/>
+              </a:rPr>
+              <a:t>int_rate</a:t>
+            </a:r>
+            <a:r>
+              <a:rPr lang="en-US" sz="2800" b="1" dirty="0">
+                <a:latin typeface="Arial Hebrew" pitchFamily="2" charset="-79"/>
+                <a:cs typeface="Arial Hebrew" pitchFamily="2" charset="-79"/>
+              </a:rPr>
+              <a:t> and </a:t>
+            </a:r>
+            <a:r>
+              <a:rPr lang="en-US" sz="2800" b="1" dirty="0" err="1">
+                <a:latin typeface="Arial Hebrew" pitchFamily="2" charset="-79"/>
+                <a:cs typeface="Arial Hebrew" pitchFamily="2" charset="-79"/>
+              </a:rPr>
+              <a:t>loan_amount_bin</a:t>
+            </a:r>
+            <a:endParaRPr lang="en-US" sz="2800" b="1" dirty="0">
+              <a:latin typeface="Arial Hebrew" pitchFamily="2" charset="-79"/>
+              <a:cs typeface="Arial Hebrew" pitchFamily="2" charset="-79"/>
+            </a:endParaRPr>
+          </a:p>
+        </p:txBody>
+      </p:sp>
+      <p:sp>
+        <p:nvSpPr>
+          <p:cNvPr id="22" name="Rectangle 6">
+            <a:extLst>
+              <a:ext uri="{FF2B5EF4-FFF2-40B4-BE49-F238E27FC236}">
+                <a16:creationId xmlns:a16="http://schemas.microsoft.com/office/drawing/2014/main" id="{3CE8AF5E-D374-4CF1-90CC-35CF73B81C3E}"/>
+              </a:ext>
+              <a:ext uri="{C183D7F6-B498-43B3-948B-1728B52AA6E4}">
+                <adec:decorative xmlns:adec="http://schemas.microsoft.com/office/drawing/2017/decorative" val="1"/>
+              </a:ext>
+            </a:extLst>
+          </p:cNvPr>
+          <p:cNvSpPr>
+            <a:spLocks noGrp="1" noRot="1" noChangeAspect="1" noMove="1" noResize="1" noEditPoints="1" noAdjustHandles="1" noChangeArrowheads="1" noChangeShapeType="1" noTextEdit="1"/>
+          </p:cNvSpPr>
+          <p:nvPr>
+            <p:extLst>
+              <p:ext uri="{386F3935-93C4-4BCD-93E2-E3B085C9AB24}">
+                <p16:designElem xmlns:p16="http://schemas.microsoft.com/office/powerpoint/2015/main" val="1"/>
+              </p:ext>
+            </p:extLst>
+          </p:nvPr>
+        </p:nvSpPr>
+        <p:spPr>
+          <a:xfrm>
+            <a:off x="679084" y="2532888"/>
+            <a:ext cx="3291840" cy="18288"/>
+          </a:xfrm>
+          <a:custGeom>
+            <a:avLst/>
+            <a:gdLst>
+              <a:gd name="connsiteX0" fmla="*/ 0 w 3291840"/>
+              <a:gd name="connsiteY0" fmla="*/ 0 h 18288"/>
+              <a:gd name="connsiteX1" fmla="*/ 625450 w 3291840"/>
+              <a:gd name="connsiteY1" fmla="*/ 0 h 18288"/>
+              <a:gd name="connsiteX2" fmla="*/ 1283818 w 3291840"/>
+              <a:gd name="connsiteY2" fmla="*/ 0 h 18288"/>
+              <a:gd name="connsiteX3" fmla="*/ 1975104 w 3291840"/>
+              <a:gd name="connsiteY3" fmla="*/ 0 h 18288"/>
+              <a:gd name="connsiteX4" fmla="*/ 2666390 w 3291840"/>
+              <a:gd name="connsiteY4" fmla="*/ 0 h 18288"/>
+              <a:gd name="connsiteX5" fmla="*/ 3291840 w 3291840"/>
+              <a:gd name="connsiteY5" fmla="*/ 0 h 18288"/>
+              <a:gd name="connsiteX6" fmla="*/ 3291840 w 3291840"/>
+              <a:gd name="connsiteY6" fmla="*/ 18288 h 18288"/>
+              <a:gd name="connsiteX7" fmla="*/ 2567635 w 3291840"/>
+              <a:gd name="connsiteY7" fmla="*/ 18288 h 18288"/>
+              <a:gd name="connsiteX8" fmla="*/ 1843430 w 3291840"/>
+              <a:gd name="connsiteY8" fmla="*/ 18288 h 18288"/>
+              <a:gd name="connsiteX9" fmla="*/ 1185062 w 3291840"/>
+              <a:gd name="connsiteY9" fmla="*/ 18288 h 18288"/>
+              <a:gd name="connsiteX10" fmla="*/ 0 w 3291840"/>
+              <a:gd name="connsiteY10" fmla="*/ 18288 h 18288"/>
+              <a:gd name="connsiteX11" fmla="*/ 0 w 3291840"/>
+              <a:gd name="connsiteY11" fmla="*/ 0 h 18288"/>
+            </a:gdLst>
+            <a:ahLst/>
+            <a:cxnLst>
+              <a:cxn ang="0">
+                <a:pos x="connsiteX0" y="connsiteY0"/>
+              </a:cxn>
+              <a:cxn ang="0">
+                <a:pos x="connsiteX1" y="connsiteY1"/>
+              </a:cxn>
+              <a:cxn ang="0">
+                <a:pos x="connsiteX2" y="connsiteY2"/>
+              </a:cxn>
+              <a:cxn ang="0">
+                <a:pos x="connsiteX3" y="connsiteY3"/>
+              </a:cxn>
+              <a:cxn ang="0">
+                <a:pos x="connsiteX4" y="connsiteY4"/>
+              </a:cxn>
+              <a:cxn ang="0">
+                <a:pos x="connsiteX5" y="connsiteY5"/>
+              </a:cxn>
+              <a:cxn ang="0">
+                <a:pos x="connsiteX6" y="connsiteY6"/>
+              </a:cxn>
+              <a:cxn ang="0">
+                <a:pos x="connsiteX7" y="connsiteY7"/>
+              </a:cxn>
+              <a:cxn ang="0">
+                <a:pos x="connsiteX8" y="connsiteY8"/>
+              </a:cxn>
+              <a:cxn ang="0">
+                <a:pos x="connsiteX9" y="connsiteY9"/>
+              </a:cxn>
+              <a:cxn ang="0">
+                <a:pos x="connsiteX10" y="connsiteY10"/>
+              </a:cxn>
+              <a:cxn ang="0">
+                <a:pos x="connsiteX11" y="connsiteY11"/>
+              </a:cxn>
+            </a:cxnLst>
+            <a:rect l="l" t="t" r="r" b="b"/>
+            <a:pathLst>
+              <a:path w="3291840" h="18288" fill="none" extrusionOk="0">
+                <a:moveTo>
+                  <a:pt x="0" y="0"/>
+                </a:moveTo>
+                <a:cubicBezTo>
+                  <a:pt x="173613" y="5552"/>
+                  <a:pt x="489242" y="1770"/>
+                  <a:pt x="625450" y="0"/>
+                </a:cubicBezTo>
+                <a:cubicBezTo>
+                  <a:pt x="761658" y="-1770"/>
+                  <a:pt x="1015131" y="32079"/>
+                  <a:pt x="1283818" y="0"/>
+                </a:cubicBezTo>
+                <a:cubicBezTo>
+                  <a:pt x="1552505" y="-32079"/>
+                  <a:pt x="1752773" y="10771"/>
+                  <a:pt x="1975104" y="0"/>
+                </a:cubicBezTo>
+                <a:cubicBezTo>
+                  <a:pt x="2197435" y="-10771"/>
+                  <a:pt x="2433070" y="21341"/>
+                  <a:pt x="2666390" y="0"/>
+                </a:cubicBezTo>
+                <a:cubicBezTo>
+                  <a:pt x="2899710" y="-21341"/>
+                  <a:pt x="3028437" y="16612"/>
+                  <a:pt x="3291840" y="0"/>
+                </a:cubicBezTo>
+                <a:cubicBezTo>
+                  <a:pt x="3291131" y="8157"/>
+                  <a:pt x="3291427" y="12125"/>
+                  <a:pt x="3291840" y="18288"/>
+                </a:cubicBezTo>
+                <a:cubicBezTo>
+                  <a:pt x="3043276" y="37868"/>
+                  <a:pt x="2921041" y="-12908"/>
+                  <a:pt x="2567635" y="18288"/>
+                </a:cubicBezTo>
+                <a:cubicBezTo>
+                  <a:pt x="2214230" y="49484"/>
+                  <a:pt x="2189623" y="-13019"/>
+                  <a:pt x="1843430" y="18288"/>
+                </a:cubicBezTo>
+                <a:cubicBezTo>
+                  <a:pt x="1497237" y="49595"/>
+                  <a:pt x="1492584" y="29180"/>
+                  <a:pt x="1185062" y="18288"/>
+                </a:cubicBezTo>
+                <a:cubicBezTo>
+                  <a:pt x="877540" y="7396"/>
+                  <a:pt x="313238" y="46443"/>
+                  <a:pt x="0" y="18288"/>
+                </a:cubicBezTo>
+                <a:cubicBezTo>
+                  <a:pt x="-46" y="12483"/>
+                  <a:pt x="-203" y="6491"/>
+                  <a:pt x="0" y="0"/>
+                </a:cubicBezTo>
+                <a:close/>
+              </a:path>
+              <a:path w="3291840" h="18288" stroke="0" extrusionOk="0">
+                <a:moveTo>
+                  <a:pt x="0" y="0"/>
+                </a:moveTo>
+                <a:cubicBezTo>
+                  <a:pt x="281971" y="23935"/>
+                  <a:pt x="485873" y="-14021"/>
+                  <a:pt x="625450" y="0"/>
+                </a:cubicBezTo>
+                <a:cubicBezTo>
+                  <a:pt x="765027" y="14021"/>
+                  <a:pt x="1048900" y="27914"/>
+                  <a:pt x="1185062" y="0"/>
+                </a:cubicBezTo>
+                <a:cubicBezTo>
+                  <a:pt x="1321224" y="-27914"/>
+                  <a:pt x="1648252" y="-3988"/>
+                  <a:pt x="1909267" y="0"/>
+                </a:cubicBezTo>
+                <a:cubicBezTo>
+                  <a:pt x="2170282" y="3988"/>
+                  <a:pt x="2301957" y="25891"/>
+                  <a:pt x="2534717" y="0"/>
+                </a:cubicBezTo>
+                <a:cubicBezTo>
+                  <a:pt x="2767477" y="-25891"/>
+                  <a:pt x="3078800" y="21500"/>
+                  <a:pt x="3291840" y="0"/>
+                </a:cubicBezTo>
+                <a:cubicBezTo>
+                  <a:pt x="3291576" y="4493"/>
+                  <a:pt x="3292224" y="9472"/>
+                  <a:pt x="3291840" y="18288"/>
+                </a:cubicBezTo>
+                <a:cubicBezTo>
+                  <a:pt x="3120474" y="15714"/>
+                  <a:pt x="2816568" y="4633"/>
+                  <a:pt x="2633472" y="18288"/>
+                </a:cubicBezTo>
+                <a:cubicBezTo>
+                  <a:pt x="2450376" y="31943"/>
+                  <a:pt x="2160769" y="37350"/>
+                  <a:pt x="1909267" y="18288"/>
+                </a:cubicBezTo>
+                <a:cubicBezTo>
+                  <a:pt x="1657765" y="-774"/>
+                  <a:pt x="1623992" y="9648"/>
+                  <a:pt x="1349654" y="18288"/>
+                </a:cubicBezTo>
+                <a:cubicBezTo>
+                  <a:pt x="1075316" y="26928"/>
+                  <a:pt x="833426" y="34181"/>
+                  <a:pt x="691286" y="18288"/>
+                </a:cubicBezTo>
+                <a:cubicBezTo>
+                  <a:pt x="549146" y="2395"/>
+                  <a:pt x="342011" y="24201"/>
+                  <a:pt x="0" y="18288"/>
+                </a:cubicBezTo>
+                <a:cubicBezTo>
+                  <a:pt x="843" y="9577"/>
+                  <a:pt x="371" y="6900"/>
+                  <a:pt x="0" y="0"/>
+                </a:cubicBezTo>
+                <a:close/>
+              </a:path>
+            </a:pathLst>
+          </a:custGeom>
+          <a:solidFill>
+            <a:srgbClr val="3B9EB1"/>
+          </a:solidFill>
+          <a:ln w="38100" cap="rnd">
+            <a:solidFill>
+              <a:srgbClr val="3B9EB1"/>
+            </a:solidFill>
+            <a:round/>
+            <a:extLst>
+              <a:ext uri="{C807C97D-BFC1-408E-A445-0C87EB9F89A2}">
+                <ask:lineSketchStyleProps xmlns:ask="http://schemas.microsoft.com/office/drawing/2018/sketchyshapes" sd="1219033472">
+                  <a:prstGeom prst="rect">
+                    <a:avLst/>
+                  </a:prstGeom>
+                  <ask:type>
+                    <ask:lineSketchFreehand/>
+                  </ask:type>
+                </ask:lineSketchStyleProps>
+              </a:ext>
+            </a:extLst>
+          </a:ln>
+        </p:spPr>
+        <p:style>
+          <a:lnRef idx="2">
+            <a:schemeClr val="accent1">
+              <a:shade val="50000"/>
+            </a:schemeClr>
+          </a:lnRef>
+          <a:fillRef idx="1">
+            <a:schemeClr val="accent1"/>
+          </a:fillRef>
+          <a:effectRef idx="0">
+            <a:schemeClr val="accent1"/>
+          </a:effectRef>
+          <a:fontRef idx="minor">
+            <a:schemeClr val="lt1"/>
+          </a:fontRef>
+        </p:style>
+        <p:txBody>
+          <a:bodyPr rtlCol="0" anchor="ctr"/>
+          <a:lstStyle/>
+          <a:p>
+            <a:pPr algn="ctr"/>
+            <a:endParaRPr lang="en-US"/>
+          </a:p>
+        </p:txBody>
+      </p:sp>
+      <p:sp>
+        <p:nvSpPr>
+          <p:cNvPr id="6" name="TextBox 5">
+            <a:extLst>
+              <a:ext uri="{FF2B5EF4-FFF2-40B4-BE49-F238E27FC236}">
+                <a16:creationId xmlns:a16="http://schemas.microsoft.com/office/drawing/2014/main" id="{E56E028B-C171-445F-BB61-CF093784BBDF}"/>
+              </a:ext>
+            </a:extLst>
+          </p:cNvPr>
+          <p:cNvSpPr txBox="1"/>
+          <p:nvPr/>
+        </p:nvSpPr>
+        <p:spPr>
+          <a:xfrm>
+            <a:off x="630936" y="2807208"/>
+            <a:ext cx="3429000" cy="3410712"/>
+          </a:xfrm>
+          <a:prstGeom prst="rect">
+            <a:avLst/>
+          </a:prstGeom>
+        </p:spPr>
+        <p:txBody>
+          <a:bodyPr vert="horz" lIns="91440" tIns="45720" rIns="91440" bIns="45720" rtlCol="0" anchor="t">
+            <a:normAutofit/>
+          </a:bodyPr>
+          <a:lstStyle/>
+          <a:p>
+            <a:pPr indent="-228600">
+              <a:lnSpc>
+                <a:spcPct val="110000"/>
+              </a:lnSpc>
+              <a:spcAft>
+                <a:spcPts val="600"/>
+              </a:spcAft>
+              <a:buFont typeface="Arial" panose="020B0604020202020204" pitchFamily="34" charset="0"/>
+              <a:buChar char="•"/>
+            </a:pPr>
+            <a:r>
+              <a:rPr lang="en-US" sz="2400" dirty="0">
+                <a:latin typeface="Arial Hebrew" pitchFamily="2" charset="-79"/>
+                <a:cs typeface="Arial Hebrew" pitchFamily="2" charset="-79"/>
+              </a:rPr>
+              <a:t>For every segment of loan amount , higher interest rate has less deflaters.</a:t>
+            </a:r>
+          </a:p>
+          <a:p>
+            <a:pPr indent="-228600">
+              <a:lnSpc>
+                <a:spcPct val="110000"/>
+              </a:lnSpc>
+              <a:spcAft>
+                <a:spcPts val="600"/>
+              </a:spcAft>
+              <a:buFont typeface="Arial" panose="020B0604020202020204" pitchFamily="34" charset="0"/>
+              <a:buChar char="•"/>
+            </a:pPr>
+            <a:r>
+              <a:rPr lang="en-US" sz="2400" dirty="0">
+                <a:latin typeface="Arial Hebrew" pitchFamily="2" charset="-79"/>
+                <a:cs typeface="Arial Hebrew" pitchFamily="2" charset="-79"/>
+              </a:rPr>
+              <a:t>E.g. interest rate above 11% for groups 0-5k and 5k to 10k can be considered safe.</a:t>
+            </a:r>
+          </a:p>
+        </p:txBody>
+      </p:sp>
+      <mc:AlternateContent xmlns:mc="http://schemas.openxmlformats.org/markup-compatibility/2006">
+        <mc:Choice xmlns:p14="http://schemas.microsoft.com/office/powerpoint/2010/main" Requires="p14">
+          <p:contentPart p14:bwMode="auto" r:id="rId2">
+            <p14:nvContentPartPr>
+              <p14:cNvPr id="24" name="Ink 23">
+                <a:extLst>
+                  <a:ext uri="{FF2B5EF4-FFF2-40B4-BE49-F238E27FC236}">
+                    <a16:creationId xmlns:a16="http://schemas.microsoft.com/office/drawing/2014/main" id="{070477C5-0410-4E4F-97A1-F84C2465C187}"/>
+                  </a:ext>
+                  <a:ext uri="{C183D7F6-B498-43B3-948B-1728B52AA6E4}">
+                    <adec:decorative xmlns:adec="http://schemas.microsoft.com/office/drawing/2017/decorative" val="1"/>
+                  </a:ext>
+                </a:extLst>
+              </p14:cNvPr>
+              <p14:cNvContentPartPr>
+                <a14:cpLocks xmlns:a14="http://schemas.microsoft.com/office/drawing/2010/main" noGrp="1" noRot="1" noChangeAspect="1" noMove="1" noResize="1" noEditPoints="1" noAdjustHandles="1" noChangeArrowheads="1" noChangeShapeType="1"/>
+              </p14:cNvContentPartPr>
+              <p14:nvPr>
+                <p:extLst>
+                  <p:ext uri="{386F3935-93C4-4BCD-93E2-E3B085C9AB24}">
+                    <p16:designElem xmlns:p16="http://schemas.microsoft.com/office/powerpoint/2015/main" val="1"/>
+                  </p:ext>
+                </p:extLst>
+              </p14:nvPr>
+            </p14:nvContentPartPr>
+            <p14:xfrm>
+              <a:off x="5755403" y="1971579"/>
+              <a:ext cx="360" cy="2160"/>
+            </p14:xfrm>
+          </p:contentPart>
+        </mc:Choice>
+        <mc:Fallback>
+          <p:pic>
+            <p:nvPicPr>
+              <p:cNvPr id="24" name="Ink 23">
+                <a:extLst>
+                  <a:ext uri="{FF2B5EF4-FFF2-40B4-BE49-F238E27FC236}">
+                    <a16:creationId xmlns:a16="http://schemas.microsoft.com/office/drawing/2014/main" id="{070477C5-0410-4E4F-97A1-F84C2465C187}"/>
+                  </a:ext>
+                  <a:ext uri="{C183D7F6-B498-43B3-948B-1728B52AA6E4}">
+                    <adec:decorative xmlns:adec="http://schemas.microsoft.com/office/drawing/2017/decorative" val="1"/>
+                  </a:ext>
+                </a:extLst>
+              </p:cNvPr>
+              <p:cNvPicPr>
+                <a:picLocks noGrp="1" noRot="1" noChangeAspect="1" noMove="1" noResize="1" noEditPoints="1" noAdjustHandles="1" noChangeArrowheads="1" noChangeShapeType="1"/>
+              </p:cNvPicPr>
+              <p:nvPr/>
+            </p:nvPicPr>
+            <p:blipFill>
+              <a:blip r:embed="rId3"/>
+              <a:stretch>
+                <a:fillRect/>
+              </a:stretch>
+            </p:blipFill>
+            <p:spPr>
+              <a:xfrm>
+                <a:off x="5737403" y="1956150"/>
+                <a:ext cx="36000" cy="32709"/>
+              </a:xfrm>
+              <a:prstGeom prst="rect">
+                <a:avLst/>
+              </a:prstGeom>
+            </p:spPr>
+          </p:pic>
+        </mc:Fallback>
+      </mc:AlternateContent>
+      <p:pic>
+        <p:nvPicPr>
+          <p:cNvPr id="4" name="Picture 3">
+            <a:extLst>
+              <a:ext uri="{FF2B5EF4-FFF2-40B4-BE49-F238E27FC236}">
+                <a16:creationId xmlns:a16="http://schemas.microsoft.com/office/drawing/2014/main" id="{F4829908-815D-28D4-91E9-DAF67453C400}"/>
+              </a:ext>
+            </a:extLst>
+          </p:cNvPr>
+          <p:cNvPicPr>
+            <a:picLocks noChangeAspect="1"/>
+          </p:cNvPicPr>
+          <p:nvPr/>
+        </p:nvPicPr>
+        <p:blipFill>
+          <a:blip r:embed="rId4"/>
+          <a:stretch>
+            <a:fillRect/>
+          </a:stretch>
+        </p:blipFill>
+        <p:spPr>
+          <a:xfrm>
+            <a:off x="5114925" y="223837"/>
+            <a:ext cx="7077075" cy="6410325"/>
+          </a:xfrm>
+          <a:prstGeom prst="rect">
+            <a:avLst/>
+          </a:prstGeom>
+        </p:spPr>
+      </p:pic>
+    </p:spTree>
+    <p:extLst>
+      <p:ext uri="{BB962C8B-B14F-4D97-AF65-F5344CB8AC3E}">
+        <p14:creationId xmlns:p14="http://schemas.microsoft.com/office/powerpoint/2010/main" val="3741610873"/>
+      </p:ext>
+    </p:extLst>
+  </p:cSld>
+  <p:clrMapOvr>
+    <a:masterClrMapping/>
+  </p:clrMapOvr>
+</p:sld>
+</file>
+
+<file path=ppt/slides/slide23.xml><?xml version="1.0" encoding="utf-8"?>
+<p:sld xmlns:a="http://schemas.openxmlformats.org/drawingml/2006/main" xmlns:r="http://schemas.openxmlformats.org/officeDocument/2006/relationships" xmlns:p="http://schemas.openxmlformats.org/presentationml/2006/main">
+  <p:cSld>
+    <p:bg>
+      <p:bgPr>
+        <a:solidFill>
+          <a:schemeClr val="bg1"/>
+        </a:solidFill>
+        <a:effectLst/>
+      </p:bgPr>
+    </p:bg>
+    <p:spTree>
+      <p:nvGrpSpPr>
+        <p:cNvPr id="1" name=""/>
+        <p:cNvGrpSpPr/>
+        <p:nvPr/>
+      </p:nvGrpSpPr>
+      <p:grpSpPr>
+        <a:xfrm>
+          <a:off x="0" y="0"/>
+          <a:ext cx="0" cy="0"/>
+          <a:chOff x="0" y="0"/>
+          <a:chExt cx="0" cy="0"/>
+        </a:xfrm>
+      </p:grpSpPr>
+      <p:sp useBgFill="1">
+        <p:nvSpPr>
+          <p:cNvPr id="20" name="Rectangle 19">
+            <a:extLst>
+              <a:ext uri="{FF2B5EF4-FFF2-40B4-BE49-F238E27FC236}">
+                <a16:creationId xmlns:a16="http://schemas.microsoft.com/office/drawing/2014/main" id="{2B97F24A-32CE-4C1C-A50D-3016B394DCFB}"/>
+              </a:ext>
+              <a:ext uri="{C183D7F6-B498-43B3-948B-1728B52AA6E4}">
+                <adec:decorative xmlns:adec="http://schemas.microsoft.com/office/drawing/2017/decorative" val="1"/>
+              </a:ext>
+            </a:extLst>
+          </p:cNvPr>
+          <p:cNvSpPr>
+            <a:spLocks noGrp="1" noRot="1" noChangeAspect="1" noMove="1" noResize="1" noEditPoints="1" noAdjustHandles="1" noChangeArrowheads="1" noChangeShapeType="1" noTextEdit="1"/>
+          </p:cNvSpPr>
+          <p:nvPr>
+            <p:extLst>
+              <p:ext uri="{386F3935-93C4-4BCD-93E2-E3B085C9AB24}">
+                <p16:designElem xmlns:p16="http://schemas.microsoft.com/office/powerpoint/2015/main" val="1"/>
+              </p:ext>
+            </p:extLst>
+          </p:nvPr>
+        </p:nvSpPr>
+        <p:spPr>
+          <a:xfrm>
+            <a:off x="0" y="0"/>
+            <a:ext cx="12192000" cy="6858000"/>
+          </a:xfrm>
+          <a:prstGeom prst="rect">
+            <a:avLst/>
+          </a:prstGeom>
+          <a:ln>
+            <a:noFill/>
+          </a:ln>
+        </p:spPr>
+        <p:style>
+          <a:lnRef idx="2">
+            <a:schemeClr val="accent1">
+              <a:shade val="50000"/>
+            </a:schemeClr>
+          </a:lnRef>
+          <a:fillRef idx="1">
+            <a:schemeClr val="accent1"/>
+          </a:fillRef>
+          <a:effectRef idx="0">
+            <a:schemeClr val="accent1"/>
+          </a:effectRef>
+          <a:fontRef idx="minor">
+            <a:schemeClr val="lt1"/>
+          </a:fontRef>
+        </p:style>
+        <p:txBody>
+          <a:bodyPr rtlCol="0" anchor="ctr"/>
+          <a:lstStyle/>
+          <a:p>
+            <a:pPr algn="ctr"/>
+            <a:endParaRPr lang="en-US"/>
+          </a:p>
+        </p:txBody>
+      </p:sp>
+      <p:sp>
+        <p:nvSpPr>
+          <p:cNvPr id="2" name="Title 1">
+            <a:extLst>
+              <a:ext uri="{FF2B5EF4-FFF2-40B4-BE49-F238E27FC236}">
+                <a16:creationId xmlns:a16="http://schemas.microsoft.com/office/drawing/2014/main" id="{4B6ADD11-C6F6-251B-EFB7-8D75B9F7BB57}"/>
+              </a:ext>
+            </a:extLst>
+          </p:cNvPr>
+          <p:cNvSpPr>
+            <a:spLocks noGrp="1"/>
+          </p:cNvSpPr>
+          <p:nvPr>
+            <p:ph type="title"/>
+          </p:nvPr>
+        </p:nvSpPr>
+        <p:spPr>
+          <a:xfrm>
+            <a:off x="630936" y="639520"/>
+            <a:ext cx="3429000" cy="1719072"/>
+          </a:xfrm>
+        </p:spPr>
+        <p:txBody>
+          <a:bodyPr vert="horz" lIns="91440" tIns="45720" rIns="91440" bIns="45720" rtlCol="0" anchor="b">
+            <a:noAutofit/>
+          </a:bodyPr>
+          <a:lstStyle/>
+          <a:p>
+            <a:pPr>
+              <a:lnSpc>
+                <a:spcPct val="90000"/>
+              </a:lnSpc>
+            </a:pPr>
+            <a:r>
+              <a:rPr lang="en-US" sz="2800" b="1" dirty="0">
+                <a:latin typeface="Arial Hebrew" pitchFamily="2" charset="-79"/>
+                <a:cs typeface="Arial Hebrew" pitchFamily="2" charset="-79"/>
+              </a:rPr>
+              <a:t>Correlation between </a:t>
+            </a:r>
+            <a:r>
+              <a:rPr lang="en-US" sz="2800" b="1" dirty="0" err="1">
+                <a:latin typeface="Arial Hebrew" pitchFamily="2" charset="-79"/>
+                <a:cs typeface="Arial Hebrew" pitchFamily="2" charset="-79"/>
+              </a:rPr>
+              <a:t>loan_amnt</a:t>
+            </a:r>
+            <a:r>
+              <a:rPr lang="en-US" sz="2800" b="1" dirty="0">
+                <a:latin typeface="Arial Hebrew" pitchFamily="2" charset="-79"/>
+                <a:cs typeface="Arial Hebrew" pitchFamily="2" charset="-79"/>
+              </a:rPr>
+              <a:t> and </a:t>
+            </a:r>
+            <a:r>
+              <a:rPr lang="en-US" sz="2800" b="1" dirty="0" err="1">
+                <a:latin typeface="Arial Hebrew" pitchFamily="2" charset="-79"/>
+                <a:cs typeface="Arial Hebrew" pitchFamily="2" charset="-79"/>
+              </a:rPr>
+              <a:t>emp_length</a:t>
+            </a:r>
+            <a:endParaRPr lang="en-US" sz="2800" b="1" dirty="0">
+              <a:latin typeface="Arial Hebrew" pitchFamily="2" charset="-79"/>
+              <a:cs typeface="Arial Hebrew" pitchFamily="2" charset="-79"/>
+            </a:endParaRPr>
+          </a:p>
+        </p:txBody>
+      </p:sp>
+      <p:sp>
+        <p:nvSpPr>
+          <p:cNvPr id="22" name="Rectangle 6">
+            <a:extLst>
+              <a:ext uri="{FF2B5EF4-FFF2-40B4-BE49-F238E27FC236}">
+                <a16:creationId xmlns:a16="http://schemas.microsoft.com/office/drawing/2014/main" id="{3CE8AF5E-D374-4CF1-90CC-35CF73B81C3E}"/>
+              </a:ext>
+              <a:ext uri="{C183D7F6-B498-43B3-948B-1728B52AA6E4}">
+                <adec:decorative xmlns:adec="http://schemas.microsoft.com/office/drawing/2017/decorative" val="1"/>
+              </a:ext>
+            </a:extLst>
+          </p:cNvPr>
+          <p:cNvSpPr>
+            <a:spLocks noGrp="1" noRot="1" noChangeAspect="1" noMove="1" noResize="1" noEditPoints="1" noAdjustHandles="1" noChangeArrowheads="1" noChangeShapeType="1" noTextEdit="1"/>
+          </p:cNvSpPr>
+          <p:nvPr>
+            <p:extLst>
+              <p:ext uri="{386F3935-93C4-4BCD-93E2-E3B085C9AB24}">
+                <p16:designElem xmlns:p16="http://schemas.microsoft.com/office/powerpoint/2015/main" val="1"/>
+              </p:ext>
+            </p:extLst>
+          </p:nvPr>
+        </p:nvSpPr>
+        <p:spPr>
+          <a:xfrm>
+            <a:off x="679084" y="2532888"/>
+            <a:ext cx="3291840" cy="18288"/>
+          </a:xfrm>
+          <a:custGeom>
+            <a:avLst/>
+            <a:gdLst>
+              <a:gd name="connsiteX0" fmla="*/ 0 w 3291840"/>
+              <a:gd name="connsiteY0" fmla="*/ 0 h 18288"/>
+              <a:gd name="connsiteX1" fmla="*/ 625450 w 3291840"/>
+              <a:gd name="connsiteY1" fmla="*/ 0 h 18288"/>
+              <a:gd name="connsiteX2" fmla="*/ 1283818 w 3291840"/>
+              <a:gd name="connsiteY2" fmla="*/ 0 h 18288"/>
+              <a:gd name="connsiteX3" fmla="*/ 1975104 w 3291840"/>
+              <a:gd name="connsiteY3" fmla="*/ 0 h 18288"/>
+              <a:gd name="connsiteX4" fmla="*/ 2666390 w 3291840"/>
+              <a:gd name="connsiteY4" fmla="*/ 0 h 18288"/>
+              <a:gd name="connsiteX5" fmla="*/ 3291840 w 3291840"/>
+              <a:gd name="connsiteY5" fmla="*/ 0 h 18288"/>
+              <a:gd name="connsiteX6" fmla="*/ 3291840 w 3291840"/>
+              <a:gd name="connsiteY6" fmla="*/ 18288 h 18288"/>
+              <a:gd name="connsiteX7" fmla="*/ 2567635 w 3291840"/>
+              <a:gd name="connsiteY7" fmla="*/ 18288 h 18288"/>
+              <a:gd name="connsiteX8" fmla="*/ 1843430 w 3291840"/>
+              <a:gd name="connsiteY8" fmla="*/ 18288 h 18288"/>
+              <a:gd name="connsiteX9" fmla="*/ 1185062 w 3291840"/>
+              <a:gd name="connsiteY9" fmla="*/ 18288 h 18288"/>
+              <a:gd name="connsiteX10" fmla="*/ 0 w 3291840"/>
+              <a:gd name="connsiteY10" fmla="*/ 18288 h 18288"/>
+              <a:gd name="connsiteX11" fmla="*/ 0 w 3291840"/>
+              <a:gd name="connsiteY11" fmla="*/ 0 h 18288"/>
+            </a:gdLst>
+            <a:ahLst/>
+            <a:cxnLst>
+              <a:cxn ang="0">
+                <a:pos x="connsiteX0" y="connsiteY0"/>
+              </a:cxn>
+              <a:cxn ang="0">
+                <a:pos x="connsiteX1" y="connsiteY1"/>
+              </a:cxn>
+              <a:cxn ang="0">
+                <a:pos x="connsiteX2" y="connsiteY2"/>
+              </a:cxn>
+              <a:cxn ang="0">
+                <a:pos x="connsiteX3" y="connsiteY3"/>
+              </a:cxn>
+              <a:cxn ang="0">
+                <a:pos x="connsiteX4" y="connsiteY4"/>
+              </a:cxn>
+              <a:cxn ang="0">
+                <a:pos x="connsiteX5" y="connsiteY5"/>
+              </a:cxn>
+              <a:cxn ang="0">
+                <a:pos x="connsiteX6" y="connsiteY6"/>
+              </a:cxn>
+              <a:cxn ang="0">
+                <a:pos x="connsiteX7" y="connsiteY7"/>
+              </a:cxn>
+              <a:cxn ang="0">
+                <a:pos x="connsiteX8" y="connsiteY8"/>
+              </a:cxn>
+              <a:cxn ang="0">
+                <a:pos x="connsiteX9" y="connsiteY9"/>
+              </a:cxn>
+              <a:cxn ang="0">
+                <a:pos x="connsiteX10" y="connsiteY10"/>
+              </a:cxn>
+              <a:cxn ang="0">
+                <a:pos x="connsiteX11" y="connsiteY11"/>
+              </a:cxn>
+            </a:cxnLst>
+            <a:rect l="l" t="t" r="r" b="b"/>
+            <a:pathLst>
+              <a:path w="3291840" h="18288" fill="none" extrusionOk="0">
+                <a:moveTo>
+                  <a:pt x="0" y="0"/>
+                </a:moveTo>
+                <a:cubicBezTo>
+                  <a:pt x="173613" y="5552"/>
+                  <a:pt x="489242" y="1770"/>
+                  <a:pt x="625450" y="0"/>
+                </a:cubicBezTo>
+                <a:cubicBezTo>
+                  <a:pt x="761658" y="-1770"/>
+                  <a:pt x="1015131" y="32079"/>
+                  <a:pt x="1283818" y="0"/>
+                </a:cubicBezTo>
+                <a:cubicBezTo>
+                  <a:pt x="1552505" y="-32079"/>
+                  <a:pt x="1752773" y="10771"/>
+                  <a:pt x="1975104" y="0"/>
+                </a:cubicBezTo>
+                <a:cubicBezTo>
+                  <a:pt x="2197435" y="-10771"/>
+                  <a:pt x="2433070" y="21341"/>
+                  <a:pt x="2666390" y="0"/>
+                </a:cubicBezTo>
+                <a:cubicBezTo>
+                  <a:pt x="2899710" y="-21341"/>
+                  <a:pt x="3028437" y="16612"/>
+                  <a:pt x="3291840" y="0"/>
+                </a:cubicBezTo>
+                <a:cubicBezTo>
+                  <a:pt x="3291131" y="8157"/>
+                  <a:pt x="3291427" y="12125"/>
+                  <a:pt x="3291840" y="18288"/>
+                </a:cubicBezTo>
+                <a:cubicBezTo>
+                  <a:pt x="3043276" y="37868"/>
+                  <a:pt x="2921041" y="-12908"/>
+                  <a:pt x="2567635" y="18288"/>
+                </a:cubicBezTo>
+                <a:cubicBezTo>
+                  <a:pt x="2214230" y="49484"/>
+                  <a:pt x="2189623" y="-13019"/>
+                  <a:pt x="1843430" y="18288"/>
+                </a:cubicBezTo>
+                <a:cubicBezTo>
+                  <a:pt x="1497237" y="49595"/>
+                  <a:pt x="1492584" y="29180"/>
+                  <a:pt x="1185062" y="18288"/>
+                </a:cubicBezTo>
+                <a:cubicBezTo>
+                  <a:pt x="877540" y="7396"/>
+                  <a:pt x="313238" y="46443"/>
+                  <a:pt x="0" y="18288"/>
+                </a:cubicBezTo>
+                <a:cubicBezTo>
+                  <a:pt x="-46" y="12483"/>
+                  <a:pt x="-203" y="6491"/>
+                  <a:pt x="0" y="0"/>
+                </a:cubicBezTo>
+                <a:close/>
+              </a:path>
+              <a:path w="3291840" h="18288" stroke="0" extrusionOk="0">
+                <a:moveTo>
+                  <a:pt x="0" y="0"/>
+                </a:moveTo>
+                <a:cubicBezTo>
+                  <a:pt x="281971" y="23935"/>
+                  <a:pt x="485873" y="-14021"/>
+                  <a:pt x="625450" y="0"/>
+                </a:cubicBezTo>
+                <a:cubicBezTo>
+                  <a:pt x="765027" y="14021"/>
+                  <a:pt x="1048900" y="27914"/>
+                  <a:pt x="1185062" y="0"/>
+                </a:cubicBezTo>
+                <a:cubicBezTo>
+                  <a:pt x="1321224" y="-27914"/>
+                  <a:pt x="1648252" y="-3988"/>
+                  <a:pt x="1909267" y="0"/>
+                </a:cubicBezTo>
+                <a:cubicBezTo>
+                  <a:pt x="2170282" y="3988"/>
+                  <a:pt x="2301957" y="25891"/>
+                  <a:pt x="2534717" y="0"/>
+                </a:cubicBezTo>
+                <a:cubicBezTo>
+                  <a:pt x="2767477" y="-25891"/>
+                  <a:pt x="3078800" y="21500"/>
+                  <a:pt x="3291840" y="0"/>
+                </a:cubicBezTo>
+                <a:cubicBezTo>
+                  <a:pt x="3291576" y="4493"/>
+                  <a:pt x="3292224" y="9472"/>
+                  <a:pt x="3291840" y="18288"/>
+                </a:cubicBezTo>
+                <a:cubicBezTo>
+                  <a:pt x="3120474" y="15714"/>
+                  <a:pt x="2816568" y="4633"/>
+                  <a:pt x="2633472" y="18288"/>
+                </a:cubicBezTo>
+                <a:cubicBezTo>
+                  <a:pt x="2450376" y="31943"/>
+                  <a:pt x="2160769" y="37350"/>
+                  <a:pt x="1909267" y="18288"/>
+                </a:cubicBezTo>
+                <a:cubicBezTo>
+                  <a:pt x="1657765" y="-774"/>
+                  <a:pt x="1623992" y="9648"/>
+                  <a:pt x="1349654" y="18288"/>
+                </a:cubicBezTo>
+                <a:cubicBezTo>
+                  <a:pt x="1075316" y="26928"/>
+                  <a:pt x="833426" y="34181"/>
+                  <a:pt x="691286" y="18288"/>
+                </a:cubicBezTo>
+                <a:cubicBezTo>
+                  <a:pt x="549146" y="2395"/>
+                  <a:pt x="342011" y="24201"/>
+                  <a:pt x="0" y="18288"/>
+                </a:cubicBezTo>
+                <a:cubicBezTo>
+                  <a:pt x="843" y="9577"/>
+                  <a:pt x="371" y="6900"/>
+                  <a:pt x="0" y="0"/>
+                </a:cubicBezTo>
+                <a:close/>
+              </a:path>
+            </a:pathLst>
+          </a:custGeom>
+          <a:solidFill>
+            <a:srgbClr val="3B9EB1"/>
+          </a:solidFill>
+          <a:ln w="38100" cap="rnd">
+            <a:solidFill>
+              <a:srgbClr val="3B9EB1"/>
+            </a:solidFill>
+            <a:round/>
+            <a:extLst>
+              <a:ext uri="{C807C97D-BFC1-408E-A445-0C87EB9F89A2}">
+                <ask:lineSketchStyleProps xmlns:ask="http://schemas.microsoft.com/office/drawing/2018/sketchyshapes" sd="1219033472">
+                  <a:prstGeom prst="rect">
+                    <a:avLst/>
+                  </a:prstGeom>
+                  <ask:type>
+                    <ask:lineSketchFreehand/>
+                  </ask:type>
+                </ask:lineSketchStyleProps>
+              </a:ext>
+            </a:extLst>
+          </a:ln>
+        </p:spPr>
+        <p:style>
+          <a:lnRef idx="2">
+            <a:schemeClr val="accent1">
+              <a:shade val="50000"/>
+            </a:schemeClr>
+          </a:lnRef>
+          <a:fillRef idx="1">
+            <a:schemeClr val="accent1"/>
+          </a:fillRef>
+          <a:effectRef idx="0">
+            <a:schemeClr val="accent1"/>
+          </a:effectRef>
+          <a:fontRef idx="minor">
+            <a:schemeClr val="lt1"/>
+          </a:fontRef>
+        </p:style>
+        <p:txBody>
+          <a:bodyPr rtlCol="0" anchor="ctr"/>
+          <a:lstStyle/>
+          <a:p>
+            <a:pPr algn="ctr"/>
+            <a:endParaRPr lang="en-US"/>
+          </a:p>
+        </p:txBody>
+      </p:sp>
+      <p:sp>
+        <p:nvSpPr>
+          <p:cNvPr id="6" name="TextBox 5">
+            <a:extLst>
+              <a:ext uri="{FF2B5EF4-FFF2-40B4-BE49-F238E27FC236}">
+                <a16:creationId xmlns:a16="http://schemas.microsoft.com/office/drawing/2014/main" id="{E56E028B-C171-445F-BB61-CF093784BBDF}"/>
+              </a:ext>
+            </a:extLst>
+          </p:cNvPr>
+          <p:cNvSpPr txBox="1"/>
+          <p:nvPr/>
+        </p:nvSpPr>
+        <p:spPr>
+          <a:xfrm>
+            <a:off x="630936" y="2807208"/>
+            <a:ext cx="3429000" cy="3410712"/>
+          </a:xfrm>
+          <a:prstGeom prst="rect">
+            <a:avLst/>
+          </a:prstGeom>
+        </p:spPr>
+        <p:txBody>
+          <a:bodyPr vert="horz" lIns="91440" tIns="45720" rIns="91440" bIns="45720" rtlCol="0" anchor="t">
+            <a:normAutofit fontScale="92500" lnSpcReduction="10000"/>
+          </a:bodyPr>
+          <a:lstStyle/>
+          <a:p>
+            <a:pPr indent="-228600">
+              <a:lnSpc>
+                <a:spcPct val="110000"/>
+              </a:lnSpc>
+              <a:spcAft>
+                <a:spcPts val="600"/>
+              </a:spcAft>
+              <a:buFont typeface="Arial" panose="020B0604020202020204" pitchFamily="34" charset="0"/>
+              <a:buChar char="•"/>
+            </a:pPr>
+            <a:r>
+              <a:rPr lang="en-US" sz="2400" dirty="0">
+                <a:latin typeface="Arial Hebrew" pitchFamily="2" charset="-79"/>
+                <a:cs typeface="Arial Hebrew" pitchFamily="2" charset="-79"/>
+              </a:rPr>
+              <a:t>For each employment length , there is a loan amount above which the risk of defaulters increases. </a:t>
+            </a:r>
+          </a:p>
+          <a:p>
+            <a:pPr indent="-228600">
+              <a:lnSpc>
+                <a:spcPct val="110000"/>
+              </a:lnSpc>
+              <a:spcAft>
+                <a:spcPts val="600"/>
+              </a:spcAft>
+              <a:buFont typeface="Arial" panose="020B0604020202020204" pitchFamily="34" charset="0"/>
+              <a:buChar char="•"/>
+            </a:pPr>
+            <a:r>
+              <a:rPr lang="en-US" sz="2400" dirty="0">
+                <a:latin typeface="Arial Hebrew" pitchFamily="2" charset="-79"/>
+                <a:cs typeface="Arial Hebrew" pitchFamily="2" charset="-79"/>
+              </a:rPr>
+              <a:t>E.g. for </a:t>
+            </a:r>
+            <a:r>
+              <a:rPr lang="en-US" sz="2400" dirty="0" err="1">
+                <a:latin typeface="Arial Hebrew" pitchFamily="2" charset="-79"/>
+                <a:cs typeface="Arial Hebrew" pitchFamily="2" charset="-79"/>
+              </a:rPr>
+              <a:t>emp_length</a:t>
+            </a:r>
+            <a:r>
+              <a:rPr lang="en-US" sz="2400" dirty="0">
+                <a:latin typeface="Arial Hebrew" pitchFamily="2" charset="-79"/>
+                <a:cs typeface="Arial Hebrew" pitchFamily="2" charset="-79"/>
+              </a:rPr>
+              <a:t> 10 , above 12000 there is a risk of loan not being repaid on time.</a:t>
+            </a:r>
+          </a:p>
+        </p:txBody>
+      </p:sp>
+      <mc:AlternateContent xmlns:mc="http://schemas.openxmlformats.org/markup-compatibility/2006">
+        <mc:Choice xmlns:p14="http://schemas.microsoft.com/office/powerpoint/2010/main" Requires="p14">
+          <p:contentPart p14:bwMode="auto" r:id="rId2">
+            <p14:nvContentPartPr>
+              <p14:cNvPr id="24" name="Ink 23">
+                <a:extLst>
+                  <a:ext uri="{FF2B5EF4-FFF2-40B4-BE49-F238E27FC236}">
+                    <a16:creationId xmlns:a16="http://schemas.microsoft.com/office/drawing/2014/main" id="{070477C5-0410-4E4F-97A1-F84C2465C187}"/>
+                  </a:ext>
+                  <a:ext uri="{C183D7F6-B498-43B3-948B-1728B52AA6E4}">
+                    <adec:decorative xmlns:adec="http://schemas.microsoft.com/office/drawing/2017/decorative" val="1"/>
+                  </a:ext>
+                </a:extLst>
+              </p14:cNvPr>
+              <p14:cNvContentPartPr>
+                <a14:cpLocks xmlns:a14="http://schemas.microsoft.com/office/drawing/2010/main" noGrp="1" noRot="1" noChangeAspect="1" noMove="1" noResize="1" noEditPoints="1" noAdjustHandles="1" noChangeArrowheads="1" noChangeShapeType="1"/>
+              </p14:cNvContentPartPr>
+              <p14:nvPr>
+                <p:extLst>
+                  <p:ext uri="{386F3935-93C4-4BCD-93E2-E3B085C9AB24}">
+                    <p16:designElem xmlns:p16="http://schemas.microsoft.com/office/powerpoint/2015/main" val="1"/>
+                  </p:ext>
+                </p:extLst>
+              </p14:nvPr>
+            </p14:nvContentPartPr>
+            <p14:xfrm>
+              <a:off x="5755403" y="1971579"/>
+              <a:ext cx="360" cy="2160"/>
+            </p14:xfrm>
+          </p:contentPart>
+        </mc:Choice>
+        <mc:Fallback>
+          <p:pic>
+            <p:nvPicPr>
+              <p:cNvPr id="24" name="Ink 23">
+                <a:extLst>
+                  <a:ext uri="{FF2B5EF4-FFF2-40B4-BE49-F238E27FC236}">
+                    <a16:creationId xmlns:a16="http://schemas.microsoft.com/office/drawing/2014/main" id="{070477C5-0410-4E4F-97A1-F84C2465C187}"/>
+                  </a:ext>
+                  <a:ext uri="{C183D7F6-B498-43B3-948B-1728B52AA6E4}">
+                    <adec:decorative xmlns:adec="http://schemas.microsoft.com/office/drawing/2017/decorative" val="1"/>
+                  </a:ext>
+                </a:extLst>
+              </p:cNvPr>
+              <p:cNvPicPr>
+                <a:picLocks noGrp="1" noRot="1" noChangeAspect="1" noMove="1" noResize="1" noEditPoints="1" noAdjustHandles="1" noChangeArrowheads="1" noChangeShapeType="1"/>
+              </p:cNvPicPr>
+              <p:nvPr/>
+            </p:nvPicPr>
+            <p:blipFill>
+              <a:blip r:embed="rId3"/>
+              <a:stretch>
+                <a:fillRect/>
+              </a:stretch>
+            </p:blipFill>
+            <p:spPr>
+              <a:xfrm>
+                <a:off x="5737403" y="1956150"/>
+                <a:ext cx="36000" cy="32709"/>
+              </a:xfrm>
+              <a:prstGeom prst="rect">
+                <a:avLst/>
+              </a:prstGeom>
+            </p:spPr>
+          </p:pic>
+        </mc:Fallback>
+      </mc:AlternateContent>
+      <p:pic>
+        <p:nvPicPr>
+          <p:cNvPr id="5" name="Picture 4">
+            <a:extLst>
+              <a:ext uri="{FF2B5EF4-FFF2-40B4-BE49-F238E27FC236}">
+                <a16:creationId xmlns:a16="http://schemas.microsoft.com/office/drawing/2014/main" id="{0F772BE2-5247-A858-10AD-A0ED06D219C6}"/>
+              </a:ext>
+            </a:extLst>
+          </p:cNvPr>
+          <p:cNvPicPr>
+            <a:picLocks noChangeAspect="1"/>
+          </p:cNvPicPr>
+          <p:nvPr/>
+        </p:nvPicPr>
+        <p:blipFill>
+          <a:blip r:embed="rId4"/>
+          <a:stretch>
+            <a:fillRect/>
+          </a:stretch>
+        </p:blipFill>
+        <p:spPr>
+          <a:xfrm>
+            <a:off x="5431536" y="426720"/>
+            <a:ext cx="6331501" cy="6004560"/>
+          </a:xfrm>
+          <a:prstGeom prst="rect">
+            <a:avLst/>
+          </a:prstGeom>
+        </p:spPr>
+      </p:pic>
+    </p:spTree>
+    <p:extLst>
+      <p:ext uri="{BB962C8B-B14F-4D97-AF65-F5344CB8AC3E}">
+        <p14:creationId xmlns:p14="http://schemas.microsoft.com/office/powerpoint/2010/main" val="610918024"/>
+      </p:ext>
+    </p:extLst>
+  </p:cSld>
+  <p:clrMapOvr>
+    <a:masterClrMapping/>
+  </p:clrMapOvr>
+</p:sld>
+</file>
+
+<file path=ppt/slides/slide24.xml><?xml version="1.0" encoding="utf-8"?>
+<p:sld xmlns:a="http://schemas.openxmlformats.org/drawingml/2006/main" xmlns:r="http://schemas.openxmlformats.org/officeDocument/2006/relationships" xmlns:p="http://schemas.openxmlformats.org/presentationml/2006/main">
+  <p:cSld>
+    <p:bg>
+      <p:bgPr>
+        <a:solidFill>
+          <a:schemeClr val="bg1"/>
+        </a:solidFill>
+        <a:effectLst/>
+      </p:bgPr>
+    </p:bg>
+    <p:spTree>
+      <p:nvGrpSpPr>
+        <p:cNvPr id="1" name=""/>
+        <p:cNvGrpSpPr/>
+        <p:nvPr/>
+      </p:nvGrpSpPr>
+      <p:grpSpPr>
+        <a:xfrm>
+          <a:off x="0" y="0"/>
+          <a:ext cx="0" cy="0"/>
+          <a:chOff x="0" y="0"/>
+          <a:chExt cx="0" cy="0"/>
+        </a:xfrm>
+      </p:grpSpPr>
+      <p:sp useBgFill="1">
+        <p:nvSpPr>
+          <p:cNvPr id="20" name="Rectangle 19">
+            <a:extLst>
+              <a:ext uri="{FF2B5EF4-FFF2-40B4-BE49-F238E27FC236}">
+                <a16:creationId xmlns:a16="http://schemas.microsoft.com/office/drawing/2014/main" id="{2B97F24A-32CE-4C1C-A50D-3016B394DCFB}"/>
+              </a:ext>
+              <a:ext uri="{C183D7F6-B498-43B3-948B-1728B52AA6E4}">
+                <adec:decorative xmlns:adec="http://schemas.microsoft.com/office/drawing/2017/decorative" val="1"/>
+              </a:ext>
+            </a:extLst>
+          </p:cNvPr>
+          <p:cNvSpPr>
+            <a:spLocks noGrp="1" noRot="1" noChangeAspect="1" noMove="1" noResize="1" noEditPoints="1" noAdjustHandles="1" noChangeArrowheads="1" noChangeShapeType="1" noTextEdit="1"/>
+          </p:cNvSpPr>
+          <p:nvPr>
+            <p:extLst>
+              <p:ext uri="{386F3935-93C4-4BCD-93E2-E3B085C9AB24}">
+                <p16:designElem xmlns:p16="http://schemas.microsoft.com/office/powerpoint/2015/main" val="1"/>
+              </p:ext>
+            </p:extLst>
+          </p:nvPr>
+        </p:nvSpPr>
+        <p:spPr>
+          <a:xfrm>
+            <a:off x="0" y="0"/>
+            <a:ext cx="12192000" cy="6858000"/>
+          </a:xfrm>
+          <a:prstGeom prst="rect">
+            <a:avLst/>
+          </a:prstGeom>
+          <a:ln>
+            <a:noFill/>
+          </a:ln>
+        </p:spPr>
+        <p:style>
+          <a:lnRef idx="2">
+            <a:schemeClr val="accent1">
+              <a:shade val="50000"/>
+            </a:schemeClr>
+          </a:lnRef>
+          <a:fillRef idx="1">
+            <a:schemeClr val="accent1"/>
+          </a:fillRef>
+          <a:effectRef idx="0">
+            <a:schemeClr val="accent1"/>
+          </a:effectRef>
+          <a:fontRef idx="minor">
+            <a:schemeClr val="lt1"/>
+          </a:fontRef>
+        </p:style>
+        <p:txBody>
+          <a:bodyPr rtlCol="0" anchor="ctr"/>
+          <a:lstStyle/>
+          <a:p>
+            <a:pPr algn="ctr"/>
+            <a:endParaRPr lang="en-US"/>
+          </a:p>
+        </p:txBody>
+      </p:sp>
+      <p:sp>
+        <p:nvSpPr>
+          <p:cNvPr id="2" name="Title 1">
+            <a:extLst>
+              <a:ext uri="{FF2B5EF4-FFF2-40B4-BE49-F238E27FC236}">
+                <a16:creationId xmlns:a16="http://schemas.microsoft.com/office/drawing/2014/main" id="{4B6ADD11-C6F6-251B-EFB7-8D75B9F7BB57}"/>
+              </a:ext>
+            </a:extLst>
+          </p:cNvPr>
+          <p:cNvSpPr>
+            <a:spLocks noGrp="1"/>
+          </p:cNvSpPr>
+          <p:nvPr>
+            <p:ph type="title"/>
+          </p:nvPr>
+        </p:nvSpPr>
+        <p:spPr>
+          <a:xfrm>
+            <a:off x="630936" y="639520"/>
+            <a:ext cx="3429000" cy="1719072"/>
+          </a:xfrm>
+        </p:spPr>
+        <p:txBody>
+          <a:bodyPr vert="horz" lIns="91440" tIns="45720" rIns="91440" bIns="45720" rtlCol="0" anchor="b">
+            <a:noAutofit/>
+          </a:bodyPr>
+          <a:lstStyle/>
+          <a:p>
+            <a:pPr>
+              <a:lnSpc>
+                <a:spcPct val="90000"/>
+              </a:lnSpc>
+            </a:pPr>
+            <a:r>
+              <a:rPr lang="en-US" sz="3200" b="1" dirty="0">
+                <a:latin typeface="Arial Hebrew" pitchFamily="2" charset="-79"/>
+                <a:cs typeface="Arial Hebrew" pitchFamily="2" charset="-79"/>
+              </a:rPr>
+              <a:t>Correlation between purpose and </a:t>
+            </a:r>
+            <a:r>
+              <a:rPr lang="en-US" sz="3200" b="1" dirty="0" err="1">
+                <a:latin typeface="Arial Hebrew" pitchFamily="2" charset="-79"/>
+                <a:cs typeface="Arial Hebrew" pitchFamily="2" charset="-79"/>
+              </a:rPr>
+              <a:t>annual_inc</a:t>
+            </a:r>
+            <a:endParaRPr lang="en-US" sz="3200" b="1" dirty="0">
+              <a:latin typeface="Arial Hebrew" pitchFamily="2" charset="-79"/>
+              <a:cs typeface="Arial Hebrew" pitchFamily="2" charset="-79"/>
+            </a:endParaRPr>
+          </a:p>
+        </p:txBody>
+      </p:sp>
+      <p:sp>
+        <p:nvSpPr>
+          <p:cNvPr id="22" name="Rectangle 6">
+            <a:extLst>
+              <a:ext uri="{FF2B5EF4-FFF2-40B4-BE49-F238E27FC236}">
+                <a16:creationId xmlns:a16="http://schemas.microsoft.com/office/drawing/2014/main" id="{3CE8AF5E-D374-4CF1-90CC-35CF73B81C3E}"/>
+              </a:ext>
+              <a:ext uri="{C183D7F6-B498-43B3-948B-1728B52AA6E4}">
+                <adec:decorative xmlns:adec="http://schemas.microsoft.com/office/drawing/2017/decorative" val="1"/>
+              </a:ext>
+            </a:extLst>
+          </p:cNvPr>
+          <p:cNvSpPr>
+            <a:spLocks noGrp="1" noRot="1" noChangeAspect="1" noMove="1" noResize="1" noEditPoints="1" noAdjustHandles="1" noChangeArrowheads="1" noChangeShapeType="1" noTextEdit="1"/>
+          </p:cNvSpPr>
+          <p:nvPr>
+            <p:extLst>
+              <p:ext uri="{386F3935-93C4-4BCD-93E2-E3B085C9AB24}">
+                <p16:designElem xmlns:p16="http://schemas.microsoft.com/office/powerpoint/2015/main" val="1"/>
+              </p:ext>
+            </p:extLst>
+          </p:nvPr>
+        </p:nvSpPr>
+        <p:spPr>
+          <a:xfrm>
+            <a:off x="679084" y="2532888"/>
+            <a:ext cx="3291840" cy="18288"/>
+          </a:xfrm>
+          <a:custGeom>
+            <a:avLst/>
+            <a:gdLst>
+              <a:gd name="connsiteX0" fmla="*/ 0 w 3291840"/>
+              <a:gd name="connsiteY0" fmla="*/ 0 h 18288"/>
+              <a:gd name="connsiteX1" fmla="*/ 625450 w 3291840"/>
+              <a:gd name="connsiteY1" fmla="*/ 0 h 18288"/>
+              <a:gd name="connsiteX2" fmla="*/ 1283818 w 3291840"/>
+              <a:gd name="connsiteY2" fmla="*/ 0 h 18288"/>
+              <a:gd name="connsiteX3" fmla="*/ 1975104 w 3291840"/>
+              <a:gd name="connsiteY3" fmla="*/ 0 h 18288"/>
+              <a:gd name="connsiteX4" fmla="*/ 2666390 w 3291840"/>
+              <a:gd name="connsiteY4" fmla="*/ 0 h 18288"/>
+              <a:gd name="connsiteX5" fmla="*/ 3291840 w 3291840"/>
+              <a:gd name="connsiteY5" fmla="*/ 0 h 18288"/>
+              <a:gd name="connsiteX6" fmla="*/ 3291840 w 3291840"/>
+              <a:gd name="connsiteY6" fmla="*/ 18288 h 18288"/>
+              <a:gd name="connsiteX7" fmla="*/ 2567635 w 3291840"/>
+              <a:gd name="connsiteY7" fmla="*/ 18288 h 18288"/>
+              <a:gd name="connsiteX8" fmla="*/ 1843430 w 3291840"/>
+              <a:gd name="connsiteY8" fmla="*/ 18288 h 18288"/>
+              <a:gd name="connsiteX9" fmla="*/ 1185062 w 3291840"/>
+              <a:gd name="connsiteY9" fmla="*/ 18288 h 18288"/>
+              <a:gd name="connsiteX10" fmla="*/ 0 w 3291840"/>
+              <a:gd name="connsiteY10" fmla="*/ 18288 h 18288"/>
+              <a:gd name="connsiteX11" fmla="*/ 0 w 3291840"/>
+              <a:gd name="connsiteY11" fmla="*/ 0 h 18288"/>
+            </a:gdLst>
+            <a:ahLst/>
+            <a:cxnLst>
+              <a:cxn ang="0">
+                <a:pos x="connsiteX0" y="connsiteY0"/>
+              </a:cxn>
+              <a:cxn ang="0">
+                <a:pos x="connsiteX1" y="connsiteY1"/>
+              </a:cxn>
+              <a:cxn ang="0">
+                <a:pos x="connsiteX2" y="connsiteY2"/>
+              </a:cxn>
+              <a:cxn ang="0">
+                <a:pos x="connsiteX3" y="connsiteY3"/>
+              </a:cxn>
+              <a:cxn ang="0">
+                <a:pos x="connsiteX4" y="connsiteY4"/>
+              </a:cxn>
+              <a:cxn ang="0">
+                <a:pos x="connsiteX5" y="connsiteY5"/>
+              </a:cxn>
+              <a:cxn ang="0">
+                <a:pos x="connsiteX6" y="connsiteY6"/>
+              </a:cxn>
+              <a:cxn ang="0">
+                <a:pos x="connsiteX7" y="connsiteY7"/>
+              </a:cxn>
+              <a:cxn ang="0">
+                <a:pos x="connsiteX8" y="connsiteY8"/>
+              </a:cxn>
+              <a:cxn ang="0">
+                <a:pos x="connsiteX9" y="connsiteY9"/>
+              </a:cxn>
+              <a:cxn ang="0">
+                <a:pos x="connsiteX10" y="connsiteY10"/>
+              </a:cxn>
+              <a:cxn ang="0">
+                <a:pos x="connsiteX11" y="connsiteY11"/>
+              </a:cxn>
+            </a:cxnLst>
+            <a:rect l="l" t="t" r="r" b="b"/>
+            <a:pathLst>
+              <a:path w="3291840" h="18288" fill="none" extrusionOk="0">
+                <a:moveTo>
+                  <a:pt x="0" y="0"/>
+                </a:moveTo>
+                <a:cubicBezTo>
+                  <a:pt x="173613" y="5552"/>
+                  <a:pt x="489242" y="1770"/>
+                  <a:pt x="625450" y="0"/>
+                </a:cubicBezTo>
+                <a:cubicBezTo>
+                  <a:pt x="761658" y="-1770"/>
+                  <a:pt x="1015131" y="32079"/>
+                  <a:pt x="1283818" y="0"/>
+                </a:cubicBezTo>
+                <a:cubicBezTo>
+                  <a:pt x="1552505" y="-32079"/>
+                  <a:pt x="1752773" y="10771"/>
+                  <a:pt x="1975104" y="0"/>
+                </a:cubicBezTo>
+                <a:cubicBezTo>
+                  <a:pt x="2197435" y="-10771"/>
+                  <a:pt x="2433070" y="21341"/>
+                  <a:pt x="2666390" y="0"/>
+                </a:cubicBezTo>
+                <a:cubicBezTo>
+                  <a:pt x="2899710" y="-21341"/>
+                  <a:pt x="3028437" y="16612"/>
+                  <a:pt x="3291840" y="0"/>
+                </a:cubicBezTo>
+                <a:cubicBezTo>
+                  <a:pt x="3291131" y="8157"/>
+                  <a:pt x="3291427" y="12125"/>
+                  <a:pt x="3291840" y="18288"/>
+                </a:cubicBezTo>
+                <a:cubicBezTo>
+                  <a:pt x="3043276" y="37868"/>
+                  <a:pt x="2921041" y="-12908"/>
+                  <a:pt x="2567635" y="18288"/>
+                </a:cubicBezTo>
+                <a:cubicBezTo>
+                  <a:pt x="2214230" y="49484"/>
+                  <a:pt x="2189623" y="-13019"/>
+                  <a:pt x="1843430" y="18288"/>
+                </a:cubicBezTo>
+                <a:cubicBezTo>
+                  <a:pt x="1497237" y="49595"/>
+                  <a:pt x="1492584" y="29180"/>
+                  <a:pt x="1185062" y="18288"/>
+                </a:cubicBezTo>
+                <a:cubicBezTo>
+                  <a:pt x="877540" y="7396"/>
+                  <a:pt x="313238" y="46443"/>
+                  <a:pt x="0" y="18288"/>
+                </a:cubicBezTo>
+                <a:cubicBezTo>
+                  <a:pt x="-46" y="12483"/>
+                  <a:pt x="-203" y="6491"/>
+                  <a:pt x="0" y="0"/>
+                </a:cubicBezTo>
+                <a:close/>
+              </a:path>
+              <a:path w="3291840" h="18288" stroke="0" extrusionOk="0">
+                <a:moveTo>
+                  <a:pt x="0" y="0"/>
+                </a:moveTo>
+                <a:cubicBezTo>
+                  <a:pt x="281971" y="23935"/>
+                  <a:pt x="485873" y="-14021"/>
+                  <a:pt x="625450" y="0"/>
+                </a:cubicBezTo>
+                <a:cubicBezTo>
+                  <a:pt x="765027" y="14021"/>
+                  <a:pt x="1048900" y="27914"/>
+                  <a:pt x="1185062" y="0"/>
+                </a:cubicBezTo>
+                <a:cubicBezTo>
+                  <a:pt x="1321224" y="-27914"/>
+                  <a:pt x="1648252" y="-3988"/>
+                  <a:pt x="1909267" y="0"/>
+                </a:cubicBezTo>
+                <a:cubicBezTo>
+                  <a:pt x="2170282" y="3988"/>
+                  <a:pt x="2301957" y="25891"/>
+                  <a:pt x="2534717" y="0"/>
+                </a:cubicBezTo>
+                <a:cubicBezTo>
+                  <a:pt x="2767477" y="-25891"/>
+                  <a:pt x="3078800" y="21500"/>
+                  <a:pt x="3291840" y="0"/>
+                </a:cubicBezTo>
+                <a:cubicBezTo>
+                  <a:pt x="3291576" y="4493"/>
+                  <a:pt x="3292224" y="9472"/>
+                  <a:pt x="3291840" y="18288"/>
+                </a:cubicBezTo>
+                <a:cubicBezTo>
+                  <a:pt x="3120474" y="15714"/>
+                  <a:pt x="2816568" y="4633"/>
+                  <a:pt x="2633472" y="18288"/>
+                </a:cubicBezTo>
+                <a:cubicBezTo>
+                  <a:pt x="2450376" y="31943"/>
+                  <a:pt x="2160769" y="37350"/>
+                  <a:pt x="1909267" y="18288"/>
+                </a:cubicBezTo>
+                <a:cubicBezTo>
+                  <a:pt x="1657765" y="-774"/>
+                  <a:pt x="1623992" y="9648"/>
+                  <a:pt x="1349654" y="18288"/>
+                </a:cubicBezTo>
+                <a:cubicBezTo>
+                  <a:pt x="1075316" y="26928"/>
+                  <a:pt x="833426" y="34181"/>
+                  <a:pt x="691286" y="18288"/>
+                </a:cubicBezTo>
+                <a:cubicBezTo>
+                  <a:pt x="549146" y="2395"/>
+                  <a:pt x="342011" y="24201"/>
+                  <a:pt x="0" y="18288"/>
+                </a:cubicBezTo>
+                <a:cubicBezTo>
+                  <a:pt x="843" y="9577"/>
+                  <a:pt x="371" y="6900"/>
+                  <a:pt x="0" y="0"/>
+                </a:cubicBezTo>
+                <a:close/>
+              </a:path>
+            </a:pathLst>
+          </a:custGeom>
+          <a:solidFill>
+            <a:srgbClr val="3B9EB1"/>
+          </a:solidFill>
+          <a:ln w="38100" cap="rnd">
+            <a:solidFill>
+              <a:srgbClr val="3B9EB1"/>
+            </a:solidFill>
+            <a:round/>
+            <a:extLst>
+              <a:ext uri="{C807C97D-BFC1-408E-A445-0C87EB9F89A2}">
+                <ask:lineSketchStyleProps xmlns:ask="http://schemas.microsoft.com/office/drawing/2018/sketchyshapes" sd="1219033472">
+                  <a:prstGeom prst="rect">
+                    <a:avLst/>
+                  </a:prstGeom>
+                  <ask:type>
+                    <ask:lineSketchFreehand/>
+                  </ask:type>
+                </ask:lineSketchStyleProps>
+              </a:ext>
+            </a:extLst>
+          </a:ln>
+        </p:spPr>
+        <p:style>
+          <a:lnRef idx="2">
+            <a:schemeClr val="accent1">
+              <a:shade val="50000"/>
+            </a:schemeClr>
+          </a:lnRef>
+          <a:fillRef idx="1">
+            <a:schemeClr val="accent1"/>
+          </a:fillRef>
+          <a:effectRef idx="0">
+            <a:schemeClr val="accent1"/>
+          </a:effectRef>
+          <a:fontRef idx="minor">
+            <a:schemeClr val="lt1"/>
+          </a:fontRef>
+        </p:style>
+        <p:txBody>
+          <a:bodyPr rtlCol="0" anchor="ctr"/>
+          <a:lstStyle/>
+          <a:p>
+            <a:pPr algn="ctr"/>
+            <a:endParaRPr lang="en-US"/>
+          </a:p>
+        </p:txBody>
+      </p:sp>
+      <p:sp>
+        <p:nvSpPr>
+          <p:cNvPr id="6" name="TextBox 5">
+            <a:extLst>
+              <a:ext uri="{FF2B5EF4-FFF2-40B4-BE49-F238E27FC236}">
+                <a16:creationId xmlns:a16="http://schemas.microsoft.com/office/drawing/2014/main" id="{E56E028B-C171-445F-BB61-CF093784BBDF}"/>
+              </a:ext>
+            </a:extLst>
+          </p:cNvPr>
+          <p:cNvSpPr txBox="1"/>
+          <p:nvPr/>
+        </p:nvSpPr>
+        <p:spPr>
+          <a:xfrm>
+            <a:off x="630936" y="2807208"/>
+            <a:ext cx="3429000" cy="3410712"/>
+          </a:xfrm>
+          <a:prstGeom prst="rect">
+            <a:avLst/>
+          </a:prstGeom>
+        </p:spPr>
+        <p:txBody>
+          <a:bodyPr vert="horz" lIns="91440" tIns="45720" rIns="91440" bIns="45720" rtlCol="0" anchor="t">
+            <a:normAutofit/>
+          </a:bodyPr>
+          <a:lstStyle/>
+          <a:p>
+            <a:pPr indent="-228600">
+              <a:lnSpc>
+                <a:spcPct val="110000"/>
+              </a:lnSpc>
+              <a:spcAft>
+                <a:spcPts val="600"/>
+              </a:spcAft>
+              <a:buFont typeface="Arial" panose="020B0604020202020204" pitchFamily="34" charset="0"/>
+              <a:buChar char="•"/>
+            </a:pPr>
+            <a:r>
+              <a:rPr lang="en-US" sz="2400" dirty="0">
+                <a:latin typeface="Arial Hebrew" pitchFamily="2" charset="-79"/>
+                <a:cs typeface="Arial Hebrew" pitchFamily="2" charset="-79"/>
+              </a:rPr>
+              <a:t>For every purpose there a certain bracket for </a:t>
+            </a:r>
+            <a:r>
+              <a:rPr lang="en-US" sz="2400" dirty="0" err="1">
+                <a:latin typeface="Arial Hebrew" pitchFamily="2" charset="-79"/>
+                <a:cs typeface="Arial Hebrew" pitchFamily="2" charset="-79"/>
+              </a:rPr>
+              <a:t>annual_inc</a:t>
+            </a:r>
+            <a:r>
+              <a:rPr lang="en-US" sz="2400" dirty="0">
+                <a:latin typeface="Arial Hebrew" pitchFamily="2" charset="-79"/>
+                <a:cs typeface="Arial Hebrew" pitchFamily="2" charset="-79"/>
+              </a:rPr>
+              <a:t> where loan is getting repaid. </a:t>
+            </a:r>
+          </a:p>
+          <a:p>
+            <a:pPr indent="-228600">
+              <a:lnSpc>
+                <a:spcPct val="110000"/>
+              </a:lnSpc>
+              <a:spcAft>
+                <a:spcPts val="600"/>
+              </a:spcAft>
+              <a:buFont typeface="Arial" panose="020B0604020202020204" pitchFamily="34" charset="0"/>
+              <a:buChar char="•"/>
+            </a:pPr>
+            <a:r>
+              <a:rPr lang="en-US" sz="2400" dirty="0">
+                <a:latin typeface="Arial Hebrew" pitchFamily="2" charset="-79"/>
+                <a:cs typeface="Arial Hebrew" pitchFamily="2" charset="-79"/>
+              </a:rPr>
+              <a:t>E.g. for purpose </a:t>
+            </a:r>
+            <a:r>
+              <a:rPr lang="en-US" sz="2400" dirty="0" err="1">
+                <a:latin typeface="Arial Hebrew" pitchFamily="2" charset="-79"/>
+                <a:cs typeface="Arial Hebrew" pitchFamily="2" charset="-79"/>
+              </a:rPr>
+              <a:t>home_improvement</a:t>
+            </a:r>
+            <a:r>
+              <a:rPr lang="en-US" sz="2400" dirty="0">
+                <a:latin typeface="Arial Hebrew" pitchFamily="2" charset="-79"/>
+                <a:cs typeface="Arial Hebrew" pitchFamily="2" charset="-79"/>
+              </a:rPr>
+              <a:t> , anything above 80000 can be approved.</a:t>
+            </a:r>
+          </a:p>
+        </p:txBody>
+      </p:sp>
+      <mc:AlternateContent xmlns:mc="http://schemas.openxmlformats.org/markup-compatibility/2006">
+        <mc:Choice xmlns:p14="http://schemas.microsoft.com/office/powerpoint/2010/main" Requires="p14">
+          <p:contentPart p14:bwMode="auto" r:id="rId2">
+            <p14:nvContentPartPr>
+              <p14:cNvPr id="24" name="Ink 23">
+                <a:extLst>
+                  <a:ext uri="{FF2B5EF4-FFF2-40B4-BE49-F238E27FC236}">
+                    <a16:creationId xmlns:a16="http://schemas.microsoft.com/office/drawing/2014/main" id="{070477C5-0410-4E4F-97A1-F84C2465C187}"/>
+                  </a:ext>
+                  <a:ext uri="{C183D7F6-B498-43B3-948B-1728B52AA6E4}">
+                    <adec:decorative xmlns:adec="http://schemas.microsoft.com/office/drawing/2017/decorative" val="1"/>
+                  </a:ext>
+                </a:extLst>
+              </p14:cNvPr>
+              <p14:cNvContentPartPr>
+                <a14:cpLocks xmlns:a14="http://schemas.microsoft.com/office/drawing/2010/main" noGrp="1" noRot="1" noChangeAspect="1" noMove="1" noResize="1" noEditPoints="1" noAdjustHandles="1" noChangeArrowheads="1" noChangeShapeType="1"/>
+              </p14:cNvContentPartPr>
+              <p14:nvPr>
+                <p:extLst>
+                  <p:ext uri="{386F3935-93C4-4BCD-93E2-E3B085C9AB24}">
+                    <p16:designElem xmlns:p16="http://schemas.microsoft.com/office/powerpoint/2015/main" val="1"/>
+                  </p:ext>
+                </p:extLst>
+              </p14:nvPr>
+            </p14:nvContentPartPr>
+            <p14:xfrm>
+              <a:off x="5755403" y="1971579"/>
+              <a:ext cx="360" cy="2160"/>
+            </p14:xfrm>
+          </p:contentPart>
+        </mc:Choice>
+        <mc:Fallback>
+          <p:pic>
+            <p:nvPicPr>
+              <p:cNvPr id="24" name="Ink 23">
+                <a:extLst>
+                  <a:ext uri="{FF2B5EF4-FFF2-40B4-BE49-F238E27FC236}">
+                    <a16:creationId xmlns:a16="http://schemas.microsoft.com/office/drawing/2014/main" id="{070477C5-0410-4E4F-97A1-F84C2465C187}"/>
+                  </a:ext>
+                  <a:ext uri="{C183D7F6-B498-43B3-948B-1728B52AA6E4}">
+                    <adec:decorative xmlns:adec="http://schemas.microsoft.com/office/drawing/2017/decorative" val="1"/>
+                  </a:ext>
+                </a:extLst>
+              </p:cNvPr>
+              <p:cNvPicPr>
+                <a:picLocks noGrp="1" noRot="1" noChangeAspect="1" noMove="1" noResize="1" noEditPoints="1" noAdjustHandles="1" noChangeArrowheads="1" noChangeShapeType="1"/>
+              </p:cNvPicPr>
+              <p:nvPr/>
+            </p:nvPicPr>
+            <p:blipFill>
+              <a:blip r:embed="rId3"/>
+              <a:stretch>
+                <a:fillRect/>
+              </a:stretch>
+            </p:blipFill>
+            <p:spPr>
+              <a:xfrm>
+                <a:off x="5737403" y="1956150"/>
+                <a:ext cx="36000" cy="32709"/>
+              </a:xfrm>
+              <a:prstGeom prst="rect">
+                <a:avLst/>
+              </a:prstGeom>
+            </p:spPr>
+          </p:pic>
+        </mc:Fallback>
+      </mc:AlternateContent>
+      <p:pic>
+        <p:nvPicPr>
+          <p:cNvPr id="10" name="Picture 9">
+            <a:extLst>
+              <a:ext uri="{FF2B5EF4-FFF2-40B4-BE49-F238E27FC236}">
+                <a16:creationId xmlns:a16="http://schemas.microsoft.com/office/drawing/2014/main" id="{6540D059-B121-56C7-4159-A7EDA7AE4EEC}"/>
+              </a:ext>
+            </a:extLst>
+          </p:cNvPr>
+          <p:cNvPicPr>
+            <a:picLocks noChangeAspect="1"/>
+          </p:cNvPicPr>
+          <p:nvPr/>
+        </p:nvPicPr>
+        <p:blipFill>
+          <a:blip r:embed="rId4"/>
+          <a:stretch>
+            <a:fillRect/>
+          </a:stretch>
+        </p:blipFill>
+        <p:spPr>
+          <a:xfrm>
+            <a:off x="4495850" y="311646"/>
+            <a:ext cx="7450455" cy="5906274"/>
+          </a:xfrm>
+          <a:prstGeom prst="rect">
+            <a:avLst/>
+          </a:prstGeom>
+        </p:spPr>
+      </p:pic>
+    </p:spTree>
+    <p:extLst>
+      <p:ext uri="{BB962C8B-B14F-4D97-AF65-F5344CB8AC3E}">
+        <p14:creationId xmlns:p14="http://schemas.microsoft.com/office/powerpoint/2010/main" val="2228187851"/>
+      </p:ext>
+    </p:extLst>
+  </p:cSld>
+  <p:clrMapOvr>
+    <a:masterClrMapping/>
+  </p:clrMapOvr>
+</p:sld>
+</file>
+
+<file path=ppt/slides/slide25.xml><?xml version="1.0" encoding="utf-8"?>
+<p:sld xmlns:a="http://schemas.openxmlformats.org/drawingml/2006/main" xmlns:r="http://schemas.openxmlformats.org/officeDocument/2006/relationships" xmlns:p="http://schemas.openxmlformats.org/presentationml/2006/main">
+  <p:cSld>
+    <p:bg>
+      <p:bgPr>
+        <a:solidFill>
+          <a:schemeClr val="bg1"/>
+        </a:solidFill>
+        <a:effectLst/>
+      </p:bgPr>
+    </p:bg>
+    <p:spTree>
+      <p:nvGrpSpPr>
+        <p:cNvPr id="1" name=""/>
+        <p:cNvGrpSpPr/>
+        <p:nvPr/>
+      </p:nvGrpSpPr>
+      <p:grpSpPr>
+        <a:xfrm>
+          <a:off x="0" y="0"/>
+          <a:ext cx="0" cy="0"/>
+          <a:chOff x="0" y="0"/>
+          <a:chExt cx="0" cy="0"/>
+        </a:xfrm>
+      </p:grpSpPr>
+      <p:sp useBgFill="1">
+        <p:nvSpPr>
+          <p:cNvPr id="20" name="Rectangle 19">
+            <a:extLst>
+              <a:ext uri="{FF2B5EF4-FFF2-40B4-BE49-F238E27FC236}">
+                <a16:creationId xmlns:a16="http://schemas.microsoft.com/office/drawing/2014/main" id="{2B97F24A-32CE-4C1C-A50D-3016B394DCFB}"/>
+              </a:ext>
+              <a:ext uri="{C183D7F6-B498-43B3-948B-1728B52AA6E4}">
+                <adec:decorative xmlns:adec="http://schemas.microsoft.com/office/drawing/2017/decorative" val="1"/>
+              </a:ext>
+            </a:extLst>
+          </p:cNvPr>
+          <p:cNvSpPr>
+            <a:spLocks noGrp="1" noRot="1" noChangeAspect="1" noMove="1" noResize="1" noEditPoints="1" noAdjustHandles="1" noChangeArrowheads="1" noChangeShapeType="1" noTextEdit="1"/>
+          </p:cNvSpPr>
+          <p:nvPr>
+            <p:extLst>
+              <p:ext uri="{386F3935-93C4-4BCD-93E2-E3B085C9AB24}">
+                <p16:designElem xmlns:p16="http://schemas.microsoft.com/office/powerpoint/2015/main" val="1"/>
+              </p:ext>
+            </p:extLst>
+          </p:nvPr>
+        </p:nvSpPr>
+        <p:spPr>
+          <a:xfrm>
+            <a:off x="0" y="0"/>
+            <a:ext cx="12192000" cy="6858000"/>
+          </a:xfrm>
+          <a:prstGeom prst="rect">
+            <a:avLst/>
+          </a:prstGeom>
+          <a:ln>
+            <a:noFill/>
+          </a:ln>
+        </p:spPr>
+        <p:style>
+          <a:lnRef idx="2">
+            <a:schemeClr val="accent1">
+              <a:shade val="50000"/>
+            </a:schemeClr>
+          </a:lnRef>
+          <a:fillRef idx="1">
+            <a:schemeClr val="accent1"/>
+          </a:fillRef>
+          <a:effectRef idx="0">
+            <a:schemeClr val="accent1"/>
+          </a:effectRef>
+          <a:fontRef idx="minor">
+            <a:schemeClr val="lt1"/>
+          </a:fontRef>
+        </p:style>
+        <p:txBody>
+          <a:bodyPr rtlCol="0" anchor="ctr"/>
+          <a:lstStyle/>
+          <a:p>
+            <a:pPr algn="ctr"/>
+            <a:endParaRPr lang="en-US"/>
+          </a:p>
+        </p:txBody>
+      </p:sp>
+      <p:sp>
+        <p:nvSpPr>
+          <p:cNvPr id="2" name="Title 1">
+            <a:extLst>
+              <a:ext uri="{FF2B5EF4-FFF2-40B4-BE49-F238E27FC236}">
+                <a16:creationId xmlns:a16="http://schemas.microsoft.com/office/drawing/2014/main" id="{4B6ADD11-C6F6-251B-EFB7-8D75B9F7BB57}"/>
+              </a:ext>
+            </a:extLst>
+          </p:cNvPr>
+          <p:cNvSpPr>
+            <a:spLocks noGrp="1"/>
+          </p:cNvSpPr>
+          <p:nvPr>
+            <p:ph type="title"/>
+          </p:nvPr>
+        </p:nvSpPr>
+        <p:spPr>
+          <a:xfrm>
+            <a:off x="630936" y="639520"/>
+            <a:ext cx="3429000" cy="1719072"/>
+          </a:xfrm>
+        </p:spPr>
+        <p:txBody>
+          <a:bodyPr vert="horz" lIns="91440" tIns="45720" rIns="91440" bIns="45720" rtlCol="0" anchor="b">
+            <a:noAutofit/>
+          </a:bodyPr>
+          <a:lstStyle/>
+          <a:p>
+            <a:pPr>
+              <a:lnSpc>
+                <a:spcPct val="90000"/>
+              </a:lnSpc>
+            </a:pPr>
+            <a:r>
+              <a:rPr lang="en-US" sz="2800" b="1" dirty="0">
+                <a:latin typeface="Arial Hebrew" pitchFamily="2" charset="-79"/>
+                <a:cs typeface="Arial Hebrew" pitchFamily="2" charset="-79"/>
+              </a:rPr>
+              <a:t>Correlation between </a:t>
+            </a:r>
+            <a:r>
+              <a:rPr lang="en-US" sz="2800" b="1" dirty="0" err="1">
+                <a:latin typeface="Arial Hebrew" pitchFamily="2" charset="-79"/>
+                <a:cs typeface="Arial Hebrew" pitchFamily="2" charset="-79"/>
+              </a:rPr>
+              <a:t>home_ownership</a:t>
+            </a:r>
+            <a:r>
+              <a:rPr lang="en-US" sz="2800" b="1" dirty="0">
+                <a:latin typeface="Arial Hebrew" pitchFamily="2" charset="-79"/>
+                <a:cs typeface="Arial Hebrew" pitchFamily="2" charset="-79"/>
+              </a:rPr>
+              <a:t> and annual income</a:t>
+            </a:r>
+          </a:p>
+        </p:txBody>
+      </p:sp>
+      <p:sp>
+        <p:nvSpPr>
+          <p:cNvPr id="22" name="Rectangle 6">
+            <a:extLst>
+              <a:ext uri="{FF2B5EF4-FFF2-40B4-BE49-F238E27FC236}">
+                <a16:creationId xmlns:a16="http://schemas.microsoft.com/office/drawing/2014/main" id="{3CE8AF5E-D374-4CF1-90CC-35CF73B81C3E}"/>
+              </a:ext>
+              <a:ext uri="{C183D7F6-B498-43B3-948B-1728B52AA6E4}">
+                <adec:decorative xmlns:adec="http://schemas.microsoft.com/office/drawing/2017/decorative" val="1"/>
+              </a:ext>
+            </a:extLst>
+          </p:cNvPr>
+          <p:cNvSpPr>
+            <a:spLocks noGrp="1" noRot="1" noChangeAspect="1" noMove="1" noResize="1" noEditPoints="1" noAdjustHandles="1" noChangeArrowheads="1" noChangeShapeType="1" noTextEdit="1"/>
+          </p:cNvSpPr>
+          <p:nvPr>
+            <p:extLst>
+              <p:ext uri="{386F3935-93C4-4BCD-93E2-E3B085C9AB24}">
+                <p16:designElem xmlns:p16="http://schemas.microsoft.com/office/powerpoint/2015/main" val="1"/>
+              </p:ext>
+            </p:extLst>
+          </p:nvPr>
+        </p:nvSpPr>
+        <p:spPr>
+          <a:xfrm>
+            <a:off x="679084" y="2532888"/>
+            <a:ext cx="3291840" cy="18288"/>
+          </a:xfrm>
+          <a:custGeom>
+            <a:avLst/>
+            <a:gdLst>
+              <a:gd name="connsiteX0" fmla="*/ 0 w 3291840"/>
+              <a:gd name="connsiteY0" fmla="*/ 0 h 18288"/>
+              <a:gd name="connsiteX1" fmla="*/ 625450 w 3291840"/>
+              <a:gd name="connsiteY1" fmla="*/ 0 h 18288"/>
+              <a:gd name="connsiteX2" fmla="*/ 1283818 w 3291840"/>
+              <a:gd name="connsiteY2" fmla="*/ 0 h 18288"/>
+              <a:gd name="connsiteX3" fmla="*/ 1975104 w 3291840"/>
+              <a:gd name="connsiteY3" fmla="*/ 0 h 18288"/>
+              <a:gd name="connsiteX4" fmla="*/ 2666390 w 3291840"/>
+              <a:gd name="connsiteY4" fmla="*/ 0 h 18288"/>
+              <a:gd name="connsiteX5" fmla="*/ 3291840 w 3291840"/>
+              <a:gd name="connsiteY5" fmla="*/ 0 h 18288"/>
+              <a:gd name="connsiteX6" fmla="*/ 3291840 w 3291840"/>
+              <a:gd name="connsiteY6" fmla="*/ 18288 h 18288"/>
+              <a:gd name="connsiteX7" fmla="*/ 2567635 w 3291840"/>
+              <a:gd name="connsiteY7" fmla="*/ 18288 h 18288"/>
+              <a:gd name="connsiteX8" fmla="*/ 1843430 w 3291840"/>
+              <a:gd name="connsiteY8" fmla="*/ 18288 h 18288"/>
+              <a:gd name="connsiteX9" fmla="*/ 1185062 w 3291840"/>
+              <a:gd name="connsiteY9" fmla="*/ 18288 h 18288"/>
+              <a:gd name="connsiteX10" fmla="*/ 0 w 3291840"/>
+              <a:gd name="connsiteY10" fmla="*/ 18288 h 18288"/>
+              <a:gd name="connsiteX11" fmla="*/ 0 w 3291840"/>
+              <a:gd name="connsiteY11" fmla="*/ 0 h 18288"/>
+            </a:gdLst>
+            <a:ahLst/>
+            <a:cxnLst>
+              <a:cxn ang="0">
+                <a:pos x="connsiteX0" y="connsiteY0"/>
+              </a:cxn>
+              <a:cxn ang="0">
+                <a:pos x="connsiteX1" y="connsiteY1"/>
+              </a:cxn>
+              <a:cxn ang="0">
+                <a:pos x="connsiteX2" y="connsiteY2"/>
+              </a:cxn>
+              <a:cxn ang="0">
+                <a:pos x="connsiteX3" y="connsiteY3"/>
+              </a:cxn>
+              <a:cxn ang="0">
+                <a:pos x="connsiteX4" y="connsiteY4"/>
+              </a:cxn>
+              <a:cxn ang="0">
+                <a:pos x="connsiteX5" y="connsiteY5"/>
+              </a:cxn>
+              <a:cxn ang="0">
+                <a:pos x="connsiteX6" y="connsiteY6"/>
+              </a:cxn>
+              <a:cxn ang="0">
+                <a:pos x="connsiteX7" y="connsiteY7"/>
+              </a:cxn>
+              <a:cxn ang="0">
+                <a:pos x="connsiteX8" y="connsiteY8"/>
+              </a:cxn>
+              <a:cxn ang="0">
+                <a:pos x="connsiteX9" y="connsiteY9"/>
+              </a:cxn>
+              <a:cxn ang="0">
+                <a:pos x="connsiteX10" y="connsiteY10"/>
+              </a:cxn>
+              <a:cxn ang="0">
+                <a:pos x="connsiteX11" y="connsiteY11"/>
+              </a:cxn>
+            </a:cxnLst>
+            <a:rect l="l" t="t" r="r" b="b"/>
+            <a:pathLst>
+              <a:path w="3291840" h="18288" fill="none" extrusionOk="0">
+                <a:moveTo>
+                  <a:pt x="0" y="0"/>
+                </a:moveTo>
+                <a:cubicBezTo>
+                  <a:pt x="173613" y="5552"/>
+                  <a:pt x="489242" y="1770"/>
+                  <a:pt x="625450" y="0"/>
+                </a:cubicBezTo>
+                <a:cubicBezTo>
+                  <a:pt x="761658" y="-1770"/>
+                  <a:pt x="1015131" y="32079"/>
+                  <a:pt x="1283818" y="0"/>
+                </a:cubicBezTo>
+                <a:cubicBezTo>
+                  <a:pt x="1552505" y="-32079"/>
+                  <a:pt x="1752773" y="10771"/>
+                  <a:pt x="1975104" y="0"/>
+                </a:cubicBezTo>
+                <a:cubicBezTo>
+                  <a:pt x="2197435" y="-10771"/>
+                  <a:pt x="2433070" y="21341"/>
+                  <a:pt x="2666390" y="0"/>
+                </a:cubicBezTo>
+                <a:cubicBezTo>
+                  <a:pt x="2899710" y="-21341"/>
+                  <a:pt x="3028437" y="16612"/>
+                  <a:pt x="3291840" y="0"/>
+                </a:cubicBezTo>
+                <a:cubicBezTo>
+                  <a:pt x="3291131" y="8157"/>
+                  <a:pt x="3291427" y="12125"/>
+                  <a:pt x="3291840" y="18288"/>
+                </a:cubicBezTo>
+                <a:cubicBezTo>
+                  <a:pt x="3043276" y="37868"/>
+                  <a:pt x="2921041" y="-12908"/>
+                  <a:pt x="2567635" y="18288"/>
+                </a:cubicBezTo>
+                <a:cubicBezTo>
+                  <a:pt x="2214230" y="49484"/>
+                  <a:pt x="2189623" y="-13019"/>
+                  <a:pt x="1843430" y="18288"/>
+                </a:cubicBezTo>
+                <a:cubicBezTo>
+                  <a:pt x="1497237" y="49595"/>
+                  <a:pt x="1492584" y="29180"/>
+                  <a:pt x="1185062" y="18288"/>
+                </a:cubicBezTo>
+                <a:cubicBezTo>
+                  <a:pt x="877540" y="7396"/>
+                  <a:pt x="313238" y="46443"/>
+                  <a:pt x="0" y="18288"/>
+                </a:cubicBezTo>
+                <a:cubicBezTo>
+                  <a:pt x="-46" y="12483"/>
+                  <a:pt x="-203" y="6491"/>
+                  <a:pt x="0" y="0"/>
+                </a:cubicBezTo>
+                <a:close/>
+              </a:path>
+              <a:path w="3291840" h="18288" stroke="0" extrusionOk="0">
+                <a:moveTo>
+                  <a:pt x="0" y="0"/>
+                </a:moveTo>
+                <a:cubicBezTo>
+                  <a:pt x="281971" y="23935"/>
+                  <a:pt x="485873" y="-14021"/>
+                  <a:pt x="625450" y="0"/>
+                </a:cubicBezTo>
+                <a:cubicBezTo>
+                  <a:pt x="765027" y="14021"/>
+                  <a:pt x="1048900" y="27914"/>
+                  <a:pt x="1185062" y="0"/>
+                </a:cubicBezTo>
+                <a:cubicBezTo>
+                  <a:pt x="1321224" y="-27914"/>
+                  <a:pt x="1648252" y="-3988"/>
+                  <a:pt x="1909267" y="0"/>
+                </a:cubicBezTo>
+                <a:cubicBezTo>
+                  <a:pt x="2170282" y="3988"/>
+                  <a:pt x="2301957" y="25891"/>
+                  <a:pt x="2534717" y="0"/>
+                </a:cubicBezTo>
+                <a:cubicBezTo>
+                  <a:pt x="2767477" y="-25891"/>
+                  <a:pt x="3078800" y="21500"/>
+                  <a:pt x="3291840" y="0"/>
+                </a:cubicBezTo>
+                <a:cubicBezTo>
+                  <a:pt x="3291576" y="4493"/>
+                  <a:pt x="3292224" y="9472"/>
+                  <a:pt x="3291840" y="18288"/>
+                </a:cubicBezTo>
+                <a:cubicBezTo>
+                  <a:pt x="3120474" y="15714"/>
+                  <a:pt x="2816568" y="4633"/>
+                  <a:pt x="2633472" y="18288"/>
+                </a:cubicBezTo>
+                <a:cubicBezTo>
+                  <a:pt x="2450376" y="31943"/>
+                  <a:pt x="2160769" y="37350"/>
+                  <a:pt x="1909267" y="18288"/>
+                </a:cubicBezTo>
+                <a:cubicBezTo>
+                  <a:pt x="1657765" y="-774"/>
+                  <a:pt x="1623992" y="9648"/>
+                  <a:pt x="1349654" y="18288"/>
+                </a:cubicBezTo>
+                <a:cubicBezTo>
+                  <a:pt x="1075316" y="26928"/>
+                  <a:pt x="833426" y="34181"/>
+                  <a:pt x="691286" y="18288"/>
+                </a:cubicBezTo>
+                <a:cubicBezTo>
+                  <a:pt x="549146" y="2395"/>
+                  <a:pt x="342011" y="24201"/>
+                  <a:pt x="0" y="18288"/>
+                </a:cubicBezTo>
+                <a:cubicBezTo>
+                  <a:pt x="843" y="9577"/>
+                  <a:pt x="371" y="6900"/>
+                  <a:pt x="0" y="0"/>
+                </a:cubicBezTo>
+                <a:close/>
+              </a:path>
+            </a:pathLst>
+          </a:custGeom>
+          <a:solidFill>
+            <a:srgbClr val="3B9EB1"/>
+          </a:solidFill>
+          <a:ln w="38100" cap="rnd">
+            <a:solidFill>
+              <a:srgbClr val="3B9EB1"/>
+            </a:solidFill>
+            <a:round/>
+            <a:extLst>
+              <a:ext uri="{C807C97D-BFC1-408E-A445-0C87EB9F89A2}">
+                <ask:lineSketchStyleProps xmlns:ask="http://schemas.microsoft.com/office/drawing/2018/sketchyshapes" sd="1219033472">
+                  <a:prstGeom prst="rect">
+                    <a:avLst/>
+                  </a:prstGeom>
+                  <ask:type>
+                    <ask:lineSketchFreehand/>
+                  </ask:type>
+                </ask:lineSketchStyleProps>
+              </a:ext>
+            </a:extLst>
+          </a:ln>
+        </p:spPr>
+        <p:style>
+          <a:lnRef idx="2">
+            <a:schemeClr val="accent1">
+              <a:shade val="50000"/>
+            </a:schemeClr>
+          </a:lnRef>
+          <a:fillRef idx="1">
+            <a:schemeClr val="accent1"/>
+          </a:fillRef>
+          <a:effectRef idx="0">
+            <a:schemeClr val="accent1"/>
+          </a:effectRef>
+          <a:fontRef idx="minor">
+            <a:schemeClr val="lt1"/>
+          </a:fontRef>
+        </p:style>
+        <p:txBody>
+          <a:bodyPr rtlCol="0" anchor="ctr"/>
+          <a:lstStyle/>
+          <a:p>
+            <a:pPr algn="ctr"/>
+            <a:endParaRPr lang="en-US"/>
+          </a:p>
+        </p:txBody>
+      </p:sp>
+      <p:sp>
+        <p:nvSpPr>
+          <p:cNvPr id="6" name="TextBox 5">
+            <a:extLst>
+              <a:ext uri="{FF2B5EF4-FFF2-40B4-BE49-F238E27FC236}">
+                <a16:creationId xmlns:a16="http://schemas.microsoft.com/office/drawing/2014/main" id="{E56E028B-C171-445F-BB61-CF093784BBDF}"/>
+              </a:ext>
+            </a:extLst>
+          </p:cNvPr>
+          <p:cNvSpPr txBox="1"/>
+          <p:nvPr/>
+        </p:nvSpPr>
+        <p:spPr>
+          <a:xfrm>
+            <a:off x="630936" y="2807208"/>
+            <a:ext cx="3429000" cy="3410712"/>
+          </a:xfrm>
+          <a:prstGeom prst="rect">
+            <a:avLst/>
+          </a:prstGeom>
+        </p:spPr>
+        <p:txBody>
+          <a:bodyPr vert="horz" lIns="91440" tIns="45720" rIns="91440" bIns="45720" rtlCol="0" anchor="t">
+            <a:normAutofit fontScale="85000" lnSpcReduction="10000"/>
+          </a:bodyPr>
+          <a:lstStyle/>
+          <a:p>
+            <a:pPr indent="-228600">
+              <a:lnSpc>
+                <a:spcPct val="110000"/>
+              </a:lnSpc>
+              <a:spcAft>
+                <a:spcPts val="600"/>
+              </a:spcAft>
+              <a:buFont typeface="Arial" panose="020B0604020202020204" pitchFamily="34" charset="0"/>
+              <a:buChar char="•"/>
+            </a:pPr>
+            <a:r>
+              <a:rPr lang="en-US" sz="2400" dirty="0">
+                <a:latin typeface="Arial Hebrew" pitchFamily="2" charset="-79"/>
+                <a:cs typeface="Arial Hebrew" pitchFamily="2" charset="-79"/>
+              </a:rPr>
+              <a:t>Within the types in </a:t>
+            </a:r>
+            <a:r>
+              <a:rPr lang="en-US" sz="2400" dirty="0" err="1">
+                <a:latin typeface="Arial Hebrew" pitchFamily="2" charset="-79"/>
+                <a:cs typeface="Arial Hebrew" pitchFamily="2" charset="-79"/>
+              </a:rPr>
+              <a:t>home_ownership</a:t>
+            </a:r>
+            <a:r>
+              <a:rPr lang="en-US" sz="2400" dirty="0">
+                <a:latin typeface="Arial Hebrew" pitchFamily="2" charset="-79"/>
+                <a:cs typeface="Arial Hebrew" pitchFamily="2" charset="-79"/>
+              </a:rPr>
+              <a:t> , each type has a annual  income post which it can be considered safe to approve loans.</a:t>
+            </a:r>
+          </a:p>
+          <a:p>
+            <a:pPr indent="-228600">
+              <a:lnSpc>
+                <a:spcPct val="110000"/>
+              </a:lnSpc>
+              <a:spcAft>
+                <a:spcPts val="600"/>
+              </a:spcAft>
+              <a:buFont typeface="Arial" panose="020B0604020202020204" pitchFamily="34" charset="0"/>
+              <a:buChar char="•"/>
+            </a:pPr>
+            <a:r>
+              <a:rPr lang="en-US" sz="2400" dirty="0">
+                <a:latin typeface="Arial Hebrew" pitchFamily="2" charset="-79"/>
+                <a:cs typeface="Arial Hebrew" pitchFamily="2" charset="-79"/>
+              </a:rPr>
+              <a:t>E.g. any one applying for loan against mortgage with </a:t>
+            </a:r>
+            <a:r>
+              <a:rPr lang="en-US" sz="2400" dirty="0" err="1">
+                <a:latin typeface="Arial Hebrew" pitchFamily="2" charset="-79"/>
+                <a:cs typeface="Arial Hebrew" pitchFamily="2" charset="-79"/>
+              </a:rPr>
+              <a:t>annual_inc</a:t>
+            </a:r>
+            <a:r>
+              <a:rPr lang="en-US" sz="2400" dirty="0">
+                <a:latin typeface="Arial Hebrew" pitchFamily="2" charset="-79"/>
+                <a:cs typeface="Arial Hebrew" pitchFamily="2" charset="-79"/>
+              </a:rPr>
+              <a:t> above 80000 have more </a:t>
+            </a:r>
+            <a:r>
+              <a:rPr lang="en-US" sz="2400" dirty="0" err="1">
+                <a:latin typeface="Arial Hebrew" pitchFamily="2" charset="-79"/>
+                <a:cs typeface="Arial Hebrew" pitchFamily="2" charset="-79"/>
+              </a:rPr>
+              <a:t>chnaces</a:t>
+            </a:r>
+            <a:r>
+              <a:rPr lang="en-US" sz="2400" dirty="0">
+                <a:latin typeface="Arial Hebrew" pitchFamily="2" charset="-79"/>
+                <a:cs typeface="Arial Hebrew" pitchFamily="2" charset="-79"/>
+              </a:rPr>
+              <a:t> of repaying loan on time.</a:t>
+            </a:r>
+          </a:p>
+        </p:txBody>
+      </p:sp>
+      <mc:AlternateContent xmlns:mc="http://schemas.openxmlformats.org/markup-compatibility/2006">
+        <mc:Choice xmlns:p14="http://schemas.microsoft.com/office/powerpoint/2010/main" Requires="p14">
+          <p:contentPart p14:bwMode="auto" r:id="rId2">
+            <p14:nvContentPartPr>
+              <p14:cNvPr id="24" name="Ink 23">
+                <a:extLst>
+                  <a:ext uri="{FF2B5EF4-FFF2-40B4-BE49-F238E27FC236}">
+                    <a16:creationId xmlns:a16="http://schemas.microsoft.com/office/drawing/2014/main" id="{070477C5-0410-4E4F-97A1-F84C2465C187}"/>
+                  </a:ext>
+                  <a:ext uri="{C183D7F6-B498-43B3-948B-1728B52AA6E4}">
+                    <adec:decorative xmlns:adec="http://schemas.microsoft.com/office/drawing/2017/decorative" val="1"/>
+                  </a:ext>
+                </a:extLst>
+              </p14:cNvPr>
+              <p14:cNvContentPartPr>
+                <a14:cpLocks xmlns:a14="http://schemas.microsoft.com/office/drawing/2010/main" noGrp="1" noRot="1" noChangeAspect="1" noMove="1" noResize="1" noEditPoints="1" noAdjustHandles="1" noChangeArrowheads="1" noChangeShapeType="1"/>
+              </p14:cNvContentPartPr>
+              <p14:nvPr>
+                <p:extLst>
+                  <p:ext uri="{386F3935-93C4-4BCD-93E2-E3B085C9AB24}">
+                    <p16:designElem xmlns:p16="http://schemas.microsoft.com/office/powerpoint/2015/main" val="1"/>
+                  </p:ext>
+                </p:extLst>
+              </p14:nvPr>
+            </p14:nvContentPartPr>
+            <p14:xfrm>
+              <a:off x="5755403" y="1971579"/>
+              <a:ext cx="360" cy="2160"/>
+            </p14:xfrm>
+          </p:contentPart>
+        </mc:Choice>
+        <mc:Fallback>
+          <p:pic>
+            <p:nvPicPr>
+              <p:cNvPr id="24" name="Ink 23">
+                <a:extLst>
+                  <a:ext uri="{FF2B5EF4-FFF2-40B4-BE49-F238E27FC236}">
+                    <a16:creationId xmlns:a16="http://schemas.microsoft.com/office/drawing/2014/main" id="{070477C5-0410-4E4F-97A1-F84C2465C187}"/>
+                  </a:ext>
+                  <a:ext uri="{C183D7F6-B498-43B3-948B-1728B52AA6E4}">
+                    <adec:decorative xmlns:adec="http://schemas.microsoft.com/office/drawing/2017/decorative" val="1"/>
+                  </a:ext>
+                </a:extLst>
+              </p:cNvPr>
+              <p:cNvPicPr>
+                <a:picLocks noGrp="1" noRot="1" noChangeAspect="1" noMove="1" noResize="1" noEditPoints="1" noAdjustHandles="1" noChangeArrowheads="1" noChangeShapeType="1"/>
+              </p:cNvPicPr>
+              <p:nvPr/>
+            </p:nvPicPr>
+            <p:blipFill>
+              <a:blip r:embed="rId3"/>
+              <a:stretch>
+                <a:fillRect/>
+              </a:stretch>
+            </p:blipFill>
+            <p:spPr>
+              <a:xfrm>
+                <a:off x="5737403" y="1956150"/>
+                <a:ext cx="36000" cy="32709"/>
+              </a:xfrm>
+              <a:prstGeom prst="rect">
+                <a:avLst/>
+              </a:prstGeom>
+            </p:spPr>
+          </p:pic>
+        </mc:Fallback>
+      </mc:AlternateContent>
+      <p:pic>
+        <p:nvPicPr>
+          <p:cNvPr id="5" name="Picture 4">
+            <a:extLst>
+              <a:ext uri="{FF2B5EF4-FFF2-40B4-BE49-F238E27FC236}">
+                <a16:creationId xmlns:a16="http://schemas.microsoft.com/office/drawing/2014/main" id="{DDDD4047-90F8-FA48-4227-4103375CA196}"/>
+              </a:ext>
+            </a:extLst>
+          </p:cNvPr>
+          <p:cNvPicPr>
+            <a:picLocks noChangeAspect="1"/>
+          </p:cNvPicPr>
+          <p:nvPr/>
+        </p:nvPicPr>
+        <p:blipFill>
+          <a:blip r:embed="rId4"/>
+          <a:stretch>
+            <a:fillRect/>
+          </a:stretch>
+        </p:blipFill>
+        <p:spPr>
+          <a:xfrm>
+            <a:off x="4619528" y="133667"/>
+            <a:ext cx="7477125" cy="6448425"/>
+          </a:xfrm>
+          <a:prstGeom prst="rect">
+            <a:avLst/>
+          </a:prstGeom>
+        </p:spPr>
+      </p:pic>
+    </p:spTree>
+    <p:extLst>
+      <p:ext uri="{BB962C8B-B14F-4D97-AF65-F5344CB8AC3E}">
+        <p14:creationId xmlns:p14="http://schemas.microsoft.com/office/powerpoint/2010/main" val="3125610204"/>
+      </p:ext>
+    </p:extLst>
+  </p:cSld>
+  <p:clrMapOvr>
+    <a:masterClrMapping/>
+  </p:clrMapOvr>
+</p:sld>
+</file>
+
+<file path=ppt/slides/slide26.xml><?xml version="1.0" encoding="utf-8"?>
+<p:sld xmlns:a="http://schemas.openxmlformats.org/drawingml/2006/main" xmlns:r="http://schemas.openxmlformats.org/officeDocument/2006/relationships" xmlns:p="http://schemas.openxmlformats.org/presentationml/2006/main">
+  <p:cSld>
+    <p:bg>
+      <p:bgPr>
+        <a:solidFill>
+          <a:schemeClr val="bg1"/>
+        </a:solidFill>
+        <a:effectLst/>
+      </p:bgPr>
+    </p:bg>
+    <p:spTree>
+      <p:nvGrpSpPr>
+        <p:cNvPr id="1" name=""/>
+        <p:cNvGrpSpPr/>
+        <p:nvPr/>
+      </p:nvGrpSpPr>
+      <p:grpSpPr>
+        <a:xfrm>
+          <a:off x="0" y="0"/>
+          <a:ext cx="0" cy="0"/>
+          <a:chOff x="0" y="0"/>
+          <a:chExt cx="0" cy="0"/>
+        </a:xfrm>
+      </p:grpSpPr>
+      <p:sp useBgFill="1">
+        <p:nvSpPr>
+          <p:cNvPr id="20" name="Rectangle 19">
+            <a:extLst>
+              <a:ext uri="{FF2B5EF4-FFF2-40B4-BE49-F238E27FC236}">
+                <a16:creationId xmlns:a16="http://schemas.microsoft.com/office/drawing/2014/main" id="{2B97F24A-32CE-4C1C-A50D-3016B394DCFB}"/>
+              </a:ext>
+              <a:ext uri="{C183D7F6-B498-43B3-948B-1728B52AA6E4}">
+                <adec:decorative xmlns:adec="http://schemas.microsoft.com/office/drawing/2017/decorative" val="1"/>
+              </a:ext>
+            </a:extLst>
+          </p:cNvPr>
+          <p:cNvSpPr>
+            <a:spLocks noGrp="1" noRot="1" noChangeAspect="1" noMove="1" noResize="1" noEditPoints="1" noAdjustHandles="1" noChangeArrowheads="1" noChangeShapeType="1" noTextEdit="1"/>
+          </p:cNvSpPr>
+          <p:nvPr>
+            <p:extLst>
+              <p:ext uri="{386F3935-93C4-4BCD-93E2-E3B085C9AB24}">
+                <p16:designElem xmlns:p16="http://schemas.microsoft.com/office/powerpoint/2015/main" val="1"/>
+              </p:ext>
+            </p:extLst>
+          </p:nvPr>
+        </p:nvSpPr>
+        <p:spPr>
+          <a:xfrm>
+            <a:off x="0" y="0"/>
+            <a:ext cx="12192000" cy="6858000"/>
+          </a:xfrm>
+          <a:prstGeom prst="rect">
+            <a:avLst/>
+          </a:prstGeom>
+          <a:ln>
+            <a:noFill/>
+          </a:ln>
+        </p:spPr>
+        <p:style>
+          <a:lnRef idx="2">
+            <a:schemeClr val="accent1">
+              <a:shade val="50000"/>
+            </a:schemeClr>
+          </a:lnRef>
+          <a:fillRef idx="1">
+            <a:schemeClr val="accent1"/>
+          </a:fillRef>
+          <a:effectRef idx="0">
+            <a:schemeClr val="accent1"/>
+          </a:effectRef>
+          <a:fontRef idx="minor">
+            <a:schemeClr val="lt1"/>
+          </a:fontRef>
+        </p:style>
+        <p:txBody>
+          <a:bodyPr rtlCol="0" anchor="ctr"/>
+          <a:lstStyle/>
+          <a:p>
+            <a:pPr algn="ctr"/>
+            <a:endParaRPr lang="en-US"/>
+          </a:p>
+        </p:txBody>
+      </p:sp>
+      <p:sp>
+        <p:nvSpPr>
+          <p:cNvPr id="2" name="Title 1">
+            <a:extLst>
+              <a:ext uri="{FF2B5EF4-FFF2-40B4-BE49-F238E27FC236}">
+                <a16:creationId xmlns:a16="http://schemas.microsoft.com/office/drawing/2014/main" id="{4B6ADD11-C6F6-251B-EFB7-8D75B9F7BB57}"/>
+              </a:ext>
+            </a:extLst>
+          </p:cNvPr>
+          <p:cNvSpPr>
+            <a:spLocks noGrp="1"/>
+          </p:cNvSpPr>
+          <p:nvPr>
+            <p:ph type="title"/>
+          </p:nvPr>
+        </p:nvSpPr>
+        <p:spPr>
+          <a:xfrm>
+            <a:off x="630936" y="639520"/>
+            <a:ext cx="3429000" cy="1719072"/>
+          </a:xfrm>
+        </p:spPr>
+        <p:txBody>
+          <a:bodyPr vert="horz" lIns="91440" tIns="45720" rIns="91440" bIns="45720" rtlCol="0" anchor="b">
+            <a:noAutofit/>
+          </a:bodyPr>
+          <a:lstStyle/>
+          <a:p>
+            <a:pPr>
+              <a:lnSpc>
+                <a:spcPct val="90000"/>
+              </a:lnSpc>
+            </a:pPr>
+            <a:r>
+              <a:rPr lang="en-US" sz="3200" b="1" dirty="0">
+                <a:latin typeface="Arial Hebrew" pitchFamily="2" charset="-79"/>
+                <a:cs typeface="Arial Hebrew" pitchFamily="2" charset="-79"/>
+              </a:rPr>
+              <a:t>Correlation between grade and annual income</a:t>
+            </a:r>
+          </a:p>
+        </p:txBody>
+      </p:sp>
+      <p:sp>
+        <p:nvSpPr>
+          <p:cNvPr id="22" name="Rectangle 6">
+            <a:extLst>
+              <a:ext uri="{FF2B5EF4-FFF2-40B4-BE49-F238E27FC236}">
+                <a16:creationId xmlns:a16="http://schemas.microsoft.com/office/drawing/2014/main" id="{3CE8AF5E-D374-4CF1-90CC-35CF73B81C3E}"/>
+              </a:ext>
+              <a:ext uri="{C183D7F6-B498-43B3-948B-1728B52AA6E4}">
+                <adec:decorative xmlns:adec="http://schemas.microsoft.com/office/drawing/2017/decorative" val="1"/>
+              </a:ext>
+            </a:extLst>
+          </p:cNvPr>
+          <p:cNvSpPr>
+            <a:spLocks noGrp="1" noRot="1" noChangeAspect="1" noMove="1" noResize="1" noEditPoints="1" noAdjustHandles="1" noChangeArrowheads="1" noChangeShapeType="1" noTextEdit="1"/>
+          </p:cNvSpPr>
+          <p:nvPr>
+            <p:extLst>
+              <p:ext uri="{386F3935-93C4-4BCD-93E2-E3B085C9AB24}">
+                <p16:designElem xmlns:p16="http://schemas.microsoft.com/office/powerpoint/2015/main" val="1"/>
+              </p:ext>
+            </p:extLst>
+          </p:nvPr>
+        </p:nvSpPr>
+        <p:spPr>
+          <a:xfrm>
+            <a:off x="679084" y="2532888"/>
+            <a:ext cx="3291840" cy="18288"/>
+          </a:xfrm>
+          <a:custGeom>
+            <a:avLst/>
+            <a:gdLst>
+              <a:gd name="connsiteX0" fmla="*/ 0 w 3291840"/>
+              <a:gd name="connsiteY0" fmla="*/ 0 h 18288"/>
+              <a:gd name="connsiteX1" fmla="*/ 625450 w 3291840"/>
+              <a:gd name="connsiteY1" fmla="*/ 0 h 18288"/>
+              <a:gd name="connsiteX2" fmla="*/ 1283818 w 3291840"/>
+              <a:gd name="connsiteY2" fmla="*/ 0 h 18288"/>
+              <a:gd name="connsiteX3" fmla="*/ 1975104 w 3291840"/>
+              <a:gd name="connsiteY3" fmla="*/ 0 h 18288"/>
+              <a:gd name="connsiteX4" fmla="*/ 2666390 w 3291840"/>
+              <a:gd name="connsiteY4" fmla="*/ 0 h 18288"/>
+              <a:gd name="connsiteX5" fmla="*/ 3291840 w 3291840"/>
+              <a:gd name="connsiteY5" fmla="*/ 0 h 18288"/>
+              <a:gd name="connsiteX6" fmla="*/ 3291840 w 3291840"/>
+              <a:gd name="connsiteY6" fmla="*/ 18288 h 18288"/>
+              <a:gd name="connsiteX7" fmla="*/ 2567635 w 3291840"/>
+              <a:gd name="connsiteY7" fmla="*/ 18288 h 18288"/>
+              <a:gd name="connsiteX8" fmla="*/ 1843430 w 3291840"/>
+              <a:gd name="connsiteY8" fmla="*/ 18288 h 18288"/>
+              <a:gd name="connsiteX9" fmla="*/ 1185062 w 3291840"/>
+              <a:gd name="connsiteY9" fmla="*/ 18288 h 18288"/>
+              <a:gd name="connsiteX10" fmla="*/ 0 w 3291840"/>
+              <a:gd name="connsiteY10" fmla="*/ 18288 h 18288"/>
+              <a:gd name="connsiteX11" fmla="*/ 0 w 3291840"/>
+              <a:gd name="connsiteY11" fmla="*/ 0 h 18288"/>
+            </a:gdLst>
+            <a:ahLst/>
+            <a:cxnLst>
+              <a:cxn ang="0">
+                <a:pos x="connsiteX0" y="connsiteY0"/>
+              </a:cxn>
+              <a:cxn ang="0">
+                <a:pos x="connsiteX1" y="connsiteY1"/>
+              </a:cxn>
+              <a:cxn ang="0">
+                <a:pos x="connsiteX2" y="connsiteY2"/>
+              </a:cxn>
+              <a:cxn ang="0">
+                <a:pos x="connsiteX3" y="connsiteY3"/>
+              </a:cxn>
+              <a:cxn ang="0">
+                <a:pos x="connsiteX4" y="connsiteY4"/>
+              </a:cxn>
+              <a:cxn ang="0">
+                <a:pos x="connsiteX5" y="connsiteY5"/>
+              </a:cxn>
+              <a:cxn ang="0">
+                <a:pos x="connsiteX6" y="connsiteY6"/>
+              </a:cxn>
+              <a:cxn ang="0">
+                <a:pos x="connsiteX7" y="connsiteY7"/>
+              </a:cxn>
+              <a:cxn ang="0">
+                <a:pos x="connsiteX8" y="connsiteY8"/>
+              </a:cxn>
+              <a:cxn ang="0">
+                <a:pos x="connsiteX9" y="connsiteY9"/>
+              </a:cxn>
+              <a:cxn ang="0">
+                <a:pos x="connsiteX10" y="connsiteY10"/>
+              </a:cxn>
+              <a:cxn ang="0">
+                <a:pos x="connsiteX11" y="connsiteY11"/>
+              </a:cxn>
+            </a:cxnLst>
+            <a:rect l="l" t="t" r="r" b="b"/>
+            <a:pathLst>
+              <a:path w="3291840" h="18288" fill="none" extrusionOk="0">
+                <a:moveTo>
+                  <a:pt x="0" y="0"/>
+                </a:moveTo>
+                <a:cubicBezTo>
+                  <a:pt x="173613" y="5552"/>
+                  <a:pt x="489242" y="1770"/>
+                  <a:pt x="625450" y="0"/>
+                </a:cubicBezTo>
+                <a:cubicBezTo>
+                  <a:pt x="761658" y="-1770"/>
+                  <a:pt x="1015131" y="32079"/>
+                  <a:pt x="1283818" y="0"/>
+                </a:cubicBezTo>
+                <a:cubicBezTo>
+                  <a:pt x="1552505" y="-32079"/>
+                  <a:pt x="1752773" y="10771"/>
+                  <a:pt x="1975104" y="0"/>
+                </a:cubicBezTo>
+                <a:cubicBezTo>
+                  <a:pt x="2197435" y="-10771"/>
+                  <a:pt x="2433070" y="21341"/>
+                  <a:pt x="2666390" y="0"/>
+                </a:cubicBezTo>
+                <a:cubicBezTo>
+                  <a:pt x="2899710" y="-21341"/>
+                  <a:pt x="3028437" y="16612"/>
+                  <a:pt x="3291840" y="0"/>
+                </a:cubicBezTo>
+                <a:cubicBezTo>
+                  <a:pt x="3291131" y="8157"/>
+                  <a:pt x="3291427" y="12125"/>
+                  <a:pt x="3291840" y="18288"/>
+                </a:cubicBezTo>
+                <a:cubicBezTo>
+                  <a:pt x="3043276" y="37868"/>
+                  <a:pt x="2921041" y="-12908"/>
+                  <a:pt x="2567635" y="18288"/>
+                </a:cubicBezTo>
+                <a:cubicBezTo>
+                  <a:pt x="2214230" y="49484"/>
+                  <a:pt x="2189623" y="-13019"/>
+                  <a:pt x="1843430" y="18288"/>
+                </a:cubicBezTo>
+                <a:cubicBezTo>
+                  <a:pt x="1497237" y="49595"/>
+                  <a:pt x="1492584" y="29180"/>
+                  <a:pt x="1185062" y="18288"/>
+                </a:cubicBezTo>
+                <a:cubicBezTo>
+                  <a:pt x="877540" y="7396"/>
+                  <a:pt x="313238" y="46443"/>
+                  <a:pt x="0" y="18288"/>
+                </a:cubicBezTo>
+                <a:cubicBezTo>
+                  <a:pt x="-46" y="12483"/>
+                  <a:pt x="-203" y="6491"/>
+                  <a:pt x="0" y="0"/>
+                </a:cubicBezTo>
+                <a:close/>
+              </a:path>
+              <a:path w="3291840" h="18288" stroke="0" extrusionOk="0">
+                <a:moveTo>
+                  <a:pt x="0" y="0"/>
+                </a:moveTo>
+                <a:cubicBezTo>
+                  <a:pt x="281971" y="23935"/>
+                  <a:pt x="485873" y="-14021"/>
+                  <a:pt x="625450" y="0"/>
+                </a:cubicBezTo>
+                <a:cubicBezTo>
+                  <a:pt x="765027" y="14021"/>
+                  <a:pt x="1048900" y="27914"/>
+                  <a:pt x="1185062" y="0"/>
+                </a:cubicBezTo>
+                <a:cubicBezTo>
+                  <a:pt x="1321224" y="-27914"/>
+                  <a:pt x="1648252" y="-3988"/>
+                  <a:pt x="1909267" y="0"/>
+                </a:cubicBezTo>
+                <a:cubicBezTo>
+                  <a:pt x="2170282" y="3988"/>
+                  <a:pt x="2301957" y="25891"/>
+                  <a:pt x="2534717" y="0"/>
+                </a:cubicBezTo>
+                <a:cubicBezTo>
+                  <a:pt x="2767477" y="-25891"/>
+                  <a:pt x="3078800" y="21500"/>
+                  <a:pt x="3291840" y="0"/>
+                </a:cubicBezTo>
+                <a:cubicBezTo>
+                  <a:pt x="3291576" y="4493"/>
+                  <a:pt x="3292224" y="9472"/>
+                  <a:pt x="3291840" y="18288"/>
+                </a:cubicBezTo>
+                <a:cubicBezTo>
+                  <a:pt x="3120474" y="15714"/>
+                  <a:pt x="2816568" y="4633"/>
+                  <a:pt x="2633472" y="18288"/>
+                </a:cubicBezTo>
+                <a:cubicBezTo>
+                  <a:pt x="2450376" y="31943"/>
+                  <a:pt x="2160769" y="37350"/>
+                  <a:pt x="1909267" y="18288"/>
+                </a:cubicBezTo>
+                <a:cubicBezTo>
+                  <a:pt x="1657765" y="-774"/>
+                  <a:pt x="1623992" y="9648"/>
+                  <a:pt x="1349654" y="18288"/>
+                </a:cubicBezTo>
+                <a:cubicBezTo>
+                  <a:pt x="1075316" y="26928"/>
+                  <a:pt x="833426" y="34181"/>
+                  <a:pt x="691286" y="18288"/>
+                </a:cubicBezTo>
+                <a:cubicBezTo>
+                  <a:pt x="549146" y="2395"/>
+                  <a:pt x="342011" y="24201"/>
+                  <a:pt x="0" y="18288"/>
+                </a:cubicBezTo>
+                <a:cubicBezTo>
+                  <a:pt x="843" y="9577"/>
+                  <a:pt x="371" y="6900"/>
+                  <a:pt x="0" y="0"/>
+                </a:cubicBezTo>
+                <a:close/>
+              </a:path>
+            </a:pathLst>
+          </a:custGeom>
+          <a:solidFill>
+            <a:srgbClr val="3B9EB1"/>
+          </a:solidFill>
+          <a:ln w="38100" cap="rnd">
+            <a:solidFill>
+              <a:srgbClr val="3B9EB1"/>
+            </a:solidFill>
+            <a:round/>
+            <a:extLst>
+              <a:ext uri="{C807C97D-BFC1-408E-A445-0C87EB9F89A2}">
+                <ask:lineSketchStyleProps xmlns:ask="http://schemas.microsoft.com/office/drawing/2018/sketchyshapes" sd="1219033472">
+                  <a:prstGeom prst="rect">
+                    <a:avLst/>
+                  </a:prstGeom>
+                  <ask:type>
+                    <ask:lineSketchFreehand/>
+                  </ask:type>
+                </ask:lineSketchStyleProps>
+              </a:ext>
+            </a:extLst>
+          </a:ln>
+        </p:spPr>
+        <p:style>
+          <a:lnRef idx="2">
+            <a:schemeClr val="accent1">
+              <a:shade val="50000"/>
+            </a:schemeClr>
+          </a:lnRef>
+          <a:fillRef idx="1">
+            <a:schemeClr val="accent1"/>
+          </a:fillRef>
+          <a:effectRef idx="0">
+            <a:schemeClr val="accent1"/>
+          </a:effectRef>
+          <a:fontRef idx="minor">
+            <a:schemeClr val="lt1"/>
+          </a:fontRef>
+        </p:style>
+        <p:txBody>
+          <a:bodyPr rtlCol="0" anchor="ctr"/>
+          <a:lstStyle/>
+          <a:p>
+            <a:pPr algn="ctr"/>
+            <a:endParaRPr lang="en-US"/>
+          </a:p>
+        </p:txBody>
+      </p:sp>
+      <p:sp>
+        <p:nvSpPr>
+          <p:cNvPr id="6" name="TextBox 5">
+            <a:extLst>
+              <a:ext uri="{FF2B5EF4-FFF2-40B4-BE49-F238E27FC236}">
+                <a16:creationId xmlns:a16="http://schemas.microsoft.com/office/drawing/2014/main" id="{E56E028B-C171-445F-BB61-CF093784BBDF}"/>
+              </a:ext>
+            </a:extLst>
+          </p:cNvPr>
+          <p:cNvSpPr txBox="1"/>
+          <p:nvPr/>
+        </p:nvSpPr>
+        <p:spPr>
+          <a:xfrm>
+            <a:off x="630936" y="2807208"/>
+            <a:ext cx="3429000" cy="3410712"/>
+          </a:xfrm>
+          <a:prstGeom prst="rect">
+            <a:avLst/>
+          </a:prstGeom>
+        </p:spPr>
+        <p:txBody>
+          <a:bodyPr vert="horz" lIns="91440" tIns="45720" rIns="91440" bIns="45720" rtlCol="0" anchor="t">
+            <a:normAutofit fontScale="92500" lnSpcReduction="10000"/>
+          </a:bodyPr>
+          <a:lstStyle/>
+          <a:p>
+            <a:pPr indent="-228600">
+              <a:lnSpc>
+                <a:spcPct val="110000"/>
+              </a:lnSpc>
+              <a:spcAft>
+                <a:spcPts val="600"/>
+              </a:spcAft>
+              <a:buFont typeface="Arial" panose="020B0604020202020204" pitchFamily="34" charset="0"/>
+              <a:buChar char="•"/>
+            </a:pPr>
+            <a:r>
+              <a:rPr lang="en-US" sz="2400" dirty="0">
+                <a:latin typeface="Arial Hebrew" pitchFamily="2" charset="-79"/>
+                <a:cs typeface="Arial Hebrew" pitchFamily="2" charset="-79"/>
+              </a:rPr>
+              <a:t>For each grade there are chances of loan being repaid when annual income exceeds a certain limit.</a:t>
+            </a:r>
+          </a:p>
+          <a:p>
+            <a:pPr indent="-228600">
+              <a:lnSpc>
+                <a:spcPct val="110000"/>
+              </a:lnSpc>
+              <a:spcAft>
+                <a:spcPts val="600"/>
+              </a:spcAft>
+              <a:buFont typeface="Arial" panose="020B0604020202020204" pitchFamily="34" charset="0"/>
+              <a:buChar char="•"/>
+            </a:pPr>
+            <a:r>
+              <a:rPr lang="en-US" sz="2400" dirty="0">
+                <a:latin typeface="Arial Hebrew" pitchFamily="2" charset="-79"/>
+                <a:cs typeface="Arial Hebrew" pitchFamily="2" charset="-79"/>
+              </a:rPr>
+              <a:t>E.g. for grade G , above 80000 annual income people mostly repay loans.</a:t>
+            </a:r>
+          </a:p>
+        </p:txBody>
+      </p:sp>
+      <mc:AlternateContent xmlns:mc="http://schemas.openxmlformats.org/markup-compatibility/2006">
+        <mc:Choice xmlns:p14="http://schemas.microsoft.com/office/powerpoint/2010/main" Requires="p14">
+          <p:contentPart p14:bwMode="auto" r:id="rId2">
+            <p14:nvContentPartPr>
+              <p14:cNvPr id="24" name="Ink 23">
+                <a:extLst>
+                  <a:ext uri="{FF2B5EF4-FFF2-40B4-BE49-F238E27FC236}">
+                    <a16:creationId xmlns:a16="http://schemas.microsoft.com/office/drawing/2014/main" id="{070477C5-0410-4E4F-97A1-F84C2465C187}"/>
+                  </a:ext>
+                  <a:ext uri="{C183D7F6-B498-43B3-948B-1728B52AA6E4}">
+                    <adec:decorative xmlns:adec="http://schemas.microsoft.com/office/drawing/2017/decorative" val="1"/>
+                  </a:ext>
+                </a:extLst>
+              </p14:cNvPr>
+              <p14:cNvContentPartPr>
+                <a14:cpLocks xmlns:a14="http://schemas.microsoft.com/office/drawing/2010/main" noGrp="1" noRot="1" noChangeAspect="1" noMove="1" noResize="1" noEditPoints="1" noAdjustHandles="1" noChangeArrowheads="1" noChangeShapeType="1"/>
+              </p14:cNvContentPartPr>
+              <p14:nvPr>
+                <p:extLst>
+                  <p:ext uri="{386F3935-93C4-4BCD-93E2-E3B085C9AB24}">
+                    <p16:designElem xmlns:p16="http://schemas.microsoft.com/office/powerpoint/2015/main" val="1"/>
+                  </p:ext>
+                </p:extLst>
+              </p14:nvPr>
+            </p14:nvContentPartPr>
+            <p14:xfrm>
+              <a:off x="5755403" y="1971579"/>
+              <a:ext cx="360" cy="2160"/>
+            </p14:xfrm>
+          </p:contentPart>
+        </mc:Choice>
+        <mc:Fallback>
+          <p:pic>
+            <p:nvPicPr>
+              <p:cNvPr id="24" name="Ink 23">
+                <a:extLst>
+                  <a:ext uri="{FF2B5EF4-FFF2-40B4-BE49-F238E27FC236}">
+                    <a16:creationId xmlns:a16="http://schemas.microsoft.com/office/drawing/2014/main" id="{070477C5-0410-4E4F-97A1-F84C2465C187}"/>
+                  </a:ext>
+                  <a:ext uri="{C183D7F6-B498-43B3-948B-1728B52AA6E4}">
+                    <adec:decorative xmlns:adec="http://schemas.microsoft.com/office/drawing/2017/decorative" val="1"/>
+                  </a:ext>
+                </a:extLst>
+              </p:cNvPr>
+              <p:cNvPicPr>
+                <a:picLocks noGrp="1" noRot="1" noChangeAspect="1" noMove="1" noResize="1" noEditPoints="1" noAdjustHandles="1" noChangeArrowheads="1" noChangeShapeType="1"/>
+              </p:cNvPicPr>
+              <p:nvPr/>
+            </p:nvPicPr>
+            <p:blipFill>
+              <a:blip r:embed="rId3"/>
+              <a:stretch>
+                <a:fillRect/>
+              </a:stretch>
+            </p:blipFill>
+            <p:spPr>
+              <a:xfrm>
+                <a:off x="5737403" y="1956150"/>
+                <a:ext cx="36000" cy="32709"/>
+              </a:xfrm>
+              <a:prstGeom prst="rect">
+                <a:avLst/>
+              </a:prstGeom>
+            </p:spPr>
+          </p:pic>
+        </mc:Fallback>
+      </mc:AlternateContent>
+      <p:pic>
+        <p:nvPicPr>
+          <p:cNvPr id="4" name="Picture 3">
+            <a:extLst>
+              <a:ext uri="{FF2B5EF4-FFF2-40B4-BE49-F238E27FC236}">
+                <a16:creationId xmlns:a16="http://schemas.microsoft.com/office/drawing/2014/main" id="{254C1E44-A63B-CF30-2BCA-31655F962EA4}"/>
+              </a:ext>
+            </a:extLst>
+          </p:cNvPr>
+          <p:cNvPicPr>
+            <a:picLocks noChangeAspect="1"/>
+          </p:cNvPicPr>
+          <p:nvPr/>
+        </p:nvPicPr>
+        <p:blipFill>
+          <a:blip r:embed="rId4"/>
+          <a:stretch>
+            <a:fillRect/>
+          </a:stretch>
+        </p:blipFill>
+        <p:spPr>
+          <a:xfrm>
+            <a:off x="5222557" y="195262"/>
+            <a:ext cx="6867525" cy="6467475"/>
+          </a:xfrm>
+          <a:prstGeom prst="rect">
+            <a:avLst/>
+          </a:prstGeom>
+        </p:spPr>
+      </p:pic>
+    </p:spTree>
+    <p:extLst>
+      <p:ext uri="{BB962C8B-B14F-4D97-AF65-F5344CB8AC3E}">
+        <p14:creationId xmlns:p14="http://schemas.microsoft.com/office/powerpoint/2010/main" val="2299221923"/>
+      </p:ext>
+    </p:extLst>
+  </p:cSld>
+  <p:clrMapOvr>
+    <a:masterClrMapping/>
+  </p:clrMapOvr>
+</p:sld>
+</file>
+
+<file path=ppt/slides/slide27.xml><?xml version="1.0" encoding="utf-8"?>
+<p:sld xmlns:a="http://schemas.openxmlformats.org/drawingml/2006/main" xmlns:r="http://schemas.openxmlformats.org/officeDocument/2006/relationships" xmlns:p="http://schemas.openxmlformats.org/presentationml/2006/main">
+  <p:cSld>
+    <p:bg>
+      <p:bgPr>
+        <a:solidFill>
+          <a:schemeClr val="bg1"/>
+        </a:solidFill>
+        <a:effectLst/>
+      </p:bgPr>
+    </p:bg>
+    <p:spTree>
+      <p:nvGrpSpPr>
+        <p:cNvPr id="1" name=""/>
+        <p:cNvGrpSpPr/>
+        <p:nvPr/>
+      </p:nvGrpSpPr>
+      <p:grpSpPr>
+        <a:xfrm>
+          <a:off x="0" y="0"/>
+          <a:ext cx="0" cy="0"/>
+          <a:chOff x="0" y="0"/>
+          <a:chExt cx="0" cy="0"/>
+        </a:xfrm>
+      </p:grpSpPr>
+      <p:sp useBgFill="1">
+        <p:nvSpPr>
+          <p:cNvPr id="20" name="Rectangle 19">
+            <a:extLst>
+              <a:ext uri="{FF2B5EF4-FFF2-40B4-BE49-F238E27FC236}">
+                <a16:creationId xmlns:a16="http://schemas.microsoft.com/office/drawing/2014/main" id="{2B97F24A-32CE-4C1C-A50D-3016B394DCFB}"/>
+              </a:ext>
+              <a:ext uri="{C183D7F6-B498-43B3-948B-1728B52AA6E4}">
+                <adec:decorative xmlns:adec="http://schemas.microsoft.com/office/drawing/2017/decorative" val="1"/>
+              </a:ext>
+            </a:extLst>
+          </p:cNvPr>
+          <p:cNvSpPr>
+            <a:spLocks noGrp="1" noRot="1" noChangeAspect="1" noMove="1" noResize="1" noEditPoints="1" noAdjustHandles="1" noChangeArrowheads="1" noChangeShapeType="1" noTextEdit="1"/>
+          </p:cNvSpPr>
+          <p:nvPr>
+            <p:extLst>
+              <p:ext uri="{386F3935-93C4-4BCD-93E2-E3B085C9AB24}">
+                <p16:designElem xmlns:p16="http://schemas.microsoft.com/office/powerpoint/2015/main" val="1"/>
+              </p:ext>
+            </p:extLst>
+          </p:nvPr>
+        </p:nvSpPr>
+        <p:spPr>
+          <a:xfrm>
+            <a:off x="0" y="0"/>
+            <a:ext cx="12192000" cy="6858000"/>
+          </a:xfrm>
+          <a:prstGeom prst="rect">
+            <a:avLst/>
+          </a:prstGeom>
+          <a:ln>
+            <a:noFill/>
+          </a:ln>
+        </p:spPr>
+        <p:style>
+          <a:lnRef idx="2">
+            <a:schemeClr val="accent1">
+              <a:shade val="50000"/>
+            </a:schemeClr>
+          </a:lnRef>
+          <a:fillRef idx="1">
+            <a:schemeClr val="accent1"/>
+          </a:fillRef>
+          <a:effectRef idx="0">
+            <a:schemeClr val="accent1"/>
+          </a:effectRef>
+          <a:fontRef idx="minor">
+            <a:schemeClr val="lt1"/>
+          </a:fontRef>
+        </p:style>
+        <p:txBody>
+          <a:bodyPr rtlCol="0" anchor="ctr"/>
+          <a:lstStyle/>
+          <a:p>
+            <a:pPr algn="ctr"/>
+            <a:endParaRPr lang="en-US"/>
+          </a:p>
+        </p:txBody>
+      </p:sp>
+      <p:sp>
+        <p:nvSpPr>
+          <p:cNvPr id="2" name="Title 1">
+            <a:extLst>
+              <a:ext uri="{FF2B5EF4-FFF2-40B4-BE49-F238E27FC236}">
+                <a16:creationId xmlns:a16="http://schemas.microsoft.com/office/drawing/2014/main" id="{4B6ADD11-C6F6-251B-EFB7-8D75B9F7BB57}"/>
+              </a:ext>
+            </a:extLst>
+          </p:cNvPr>
+          <p:cNvSpPr>
+            <a:spLocks noGrp="1"/>
+          </p:cNvSpPr>
+          <p:nvPr>
+            <p:ph type="title"/>
+          </p:nvPr>
+        </p:nvSpPr>
+        <p:spPr>
+          <a:xfrm>
+            <a:off x="630936" y="639520"/>
+            <a:ext cx="3429000" cy="1719072"/>
+          </a:xfrm>
+        </p:spPr>
+        <p:txBody>
+          <a:bodyPr vert="horz" lIns="91440" tIns="45720" rIns="91440" bIns="45720" rtlCol="0" anchor="b">
+            <a:noAutofit/>
+          </a:bodyPr>
+          <a:lstStyle/>
+          <a:p>
+            <a:pPr>
+              <a:lnSpc>
+                <a:spcPct val="90000"/>
+              </a:lnSpc>
+            </a:pPr>
+            <a:r>
+              <a:rPr lang="en-US" sz="2800" b="1" dirty="0">
+                <a:latin typeface="Arial Hebrew" pitchFamily="2" charset="-79"/>
+                <a:cs typeface="Arial Hebrew" pitchFamily="2" charset="-79"/>
+              </a:rPr>
+              <a:t>Correlation between </a:t>
+            </a:r>
+            <a:r>
+              <a:rPr lang="en-US" sz="2800" b="1" dirty="0" err="1">
+                <a:latin typeface="Arial Hebrew" pitchFamily="2" charset="-79"/>
+                <a:cs typeface="Arial Hebrew" pitchFamily="2" charset="-79"/>
+              </a:rPr>
+              <a:t>annual_inc</a:t>
+            </a:r>
+            <a:r>
+              <a:rPr lang="en-US" sz="2800" b="1" dirty="0">
+                <a:latin typeface="Arial Hebrew" pitchFamily="2" charset="-79"/>
+                <a:cs typeface="Arial Hebrew" pitchFamily="2" charset="-79"/>
+              </a:rPr>
+              <a:t> and term</a:t>
+            </a:r>
+          </a:p>
+        </p:txBody>
+      </p:sp>
+      <p:sp>
+        <p:nvSpPr>
+          <p:cNvPr id="22" name="Rectangle 6">
+            <a:extLst>
+              <a:ext uri="{FF2B5EF4-FFF2-40B4-BE49-F238E27FC236}">
+                <a16:creationId xmlns:a16="http://schemas.microsoft.com/office/drawing/2014/main" id="{3CE8AF5E-D374-4CF1-90CC-35CF73B81C3E}"/>
+              </a:ext>
+              <a:ext uri="{C183D7F6-B498-43B3-948B-1728B52AA6E4}">
+                <adec:decorative xmlns:adec="http://schemas.microsoft.com/office/drawing/2017/decorative" val="1"/>
+              </a:ext>
+            </a:extLst>
+          </p:cNvPr>
+          <p:cNvSpPr>
+            <a:spLocks noGrp="1" noRot="1" noChangeAspect="1" noMove="1" noResize="1" noEditPoints="1" noAdjustHandles="1" noChangeArrowheads="1" noChangeShapeType="1" noTextEdit="1"/>
+          </p:cNvSpPr>
+          <p:nvPr>
+            <p:extLst>
+              <p:ext uri="{386F3935-93C4-4BCD-93E2-E3B085C9AB24}">
+                <p16:designElem xmlns:p16="http://schemas.microsoft.com/office/powerpoint/2015/main" val="1"/>
+              </p:ext>
+            </p:extLst>
+          </p:nvPr>
+        </p:nvSpPr>
+        <p:spPr>
+          <a:xfrm>
+            <a:off x="679084" y="2532888"/>
+            <a:ext cx="3291840" cy="18288"/>
+          </a:xfrm>
+          <a:custGeom>
+            <a:avLst/>
+            <a:gdLst>
+              <a:gd name="connsiteX0" fmla="*/ 0 w 3291840"/>
+              <a:gd name="connsiteY0" fmla="*/ 0 h 18288"/>
+              <a:gd name="connsiteX1" fmla="*/ 625450 w 3291840"/>
+              <a:gd name="connsiteY1" fmla="*/ 0 h 18288"/>
+              <a:gd name="connsiteX2" fmla="*/ 1283818 w 3291840"/>
+              <a:gd name="connsiteY2" fmla="*/ 0 h 18288"/>
+              <a:gd name="connsiteX3" fmla="*/ 1975104 w 3291840"/>
+              <a:gd name="connsiteY3" fmla="*/ 0 h 18288"/>
+              <a:gd name="connsiteX4" fmla="*/ 2666390 w 3291840"/>
+              <a:gd name="connsiteY4" fmla="*/ 0 h 18288"/>
+              <a:gd name="connsiteX5" fmla="*/ 3291840 w 3291840"/>
+              <a:gd name="connsiteY5" fmla="*/ 0 h 18288"/>
+              <a:gd name="connsiteX6" fmla="*/ 3291840 w 3291840"/>
+              <a:gd name="connsiteY6" fmla="*/ 18288 h 18288"/>
+              <a:gd name="connsiteX7" fmla="*/ 2567635 w 3291840"/>
+              <a:gd name="connsiteY7" fmla="*/ 18288 h 18288"/>
+              <a:gd name="connsiteX8" fmla="*/ 1843430 w 3291840"/>
+              <a:gd name="connsiteY8" fmla="*/ 18288 h 18288"/>
+              <a:gd name="connsiteX9" fmla="*/ 1185062 w 3291840"/>
+              <a:gd name="connsiteY9" fmla="*/ 18288 h 18288"/>
+              <a:gd name="connsiteX10" fmla="*/ 0 w 3291840"/>
+              <a:gd name="connsiteY10" fmla="*/ 18288 h 18288"/>
+              <a:gd name="connsiteX11" fmla="*/ 0 w 3291840"/>
+              <a:gd name="connsiteY11" fmla="*/ 0 h 18288"/>
+            </a:gdLst>
+            <a:ahLst/>
+            <a:cxnLst>
+              <a:cxn ang="0">
+                <a:pos x="connsiteX0" y="connsiteY0"/>
+              </a:cxn>
+              <a:cxn ang="0">
+                <a:pos x="connsiteX1" y="connsiteY1"/>
+              </a:cxn>
+              <a:cxn ang="0">
+                <a:pos x="connsiteX2" y="connsiteY2"/>
+              </a:cxn>
+              <a:cxn ang="0">
+                <a:pos x="connsiteX3" y="connsiteY3"/>
+              </a:cxn>
+              <a:cxn ang="0">
+                <a:pos x="connsiteX4" y="connsiteY4"/>
+              </a:cxn>
+              <a:cxn ang="0">
+                <a:pos x="connsiteX5" y="connsiteY5"/>
+              </a:cxn>
+              <a:cxn ang="0">
+                <a:pos x="connsiteX6" y="connsiteY6"/>
+              </a:cxn>
+              <a:cxn ang="0">
+                <a:pos x="connsiteX7" y="connsiteY7"/>
+              </a:cxn>
+              <a:cxn ang="0">
+                <a:pos x="connsiteX8" y="connsiteY8"/>
+              </a:cxn>
+              <a:cxn ang="0">
+                <a:pos x="connsiteX9" y="connsiteY9"/>
+              </a:cxn>
+              <a:cxn ang="0">
+                <a:pos x="connsiteX10" y="connsiteY10"/>
+              </a:cxn>
+              <a:cxn ang="0">
+                <a:pos x="connsiteX11" y="connsiteY11"/>
+              </a:cxn>
+            </a:cxnLst>
+            <a:rect l="l" t="t" r="r" b="b"/>
+            <a:pathLst>
+              <a:path w="3291840" h="18288" fill="none" extrusionOk="0">
+                <a:moveTo>
+                  <a:pt x="0" y="0"/>
+                </a:moveTo>
+                <a:cubicBezTo>
+                  <a:pt x="173613" y="5552"/>
+                  <a:pt x="489242" y="1770"/>
+                  <a:pt x="625450" y="0"/>
+                </a:cubicBezTo>
+                <a:cubicBezTo>
+                  <a:pt x="761658" y="-1770"/>
+                  <a:pt x="1015131" y="32079"/>
+                  <a:pt x="1283818" y="0"/>
+                </a:cubicBezTo>
+                <a:cubicBezTo>
+                  <a:pt x="1552505" y="-32079"/>
+                  <a:pt x="1752773" y="10771"/>
+                  <a:pt x="1975104" y="0"/>
+                </a:cubicBezTo>
+                <a:cubicBezTo>
+                  <a:pt x="2197435" y="-10771"/>
+                  <a:pt x="2433070" y="21341"/>
+                  <a:pt x="2666390" y="0"/>
+                </a:cubicBezTo>
+                <a:cubicBezTo>
+                  <a:pt x="2899710" y="-21341"/>
+                  <a:pt x="3028437" y="16612"/>
+                  <a:pt x="3291840" y="0"/>
+                </a:cubicBezTo>
+                <a:cubicBezTo>
+                  <a:pt x="3291131" y="8157"/>
+                  <a:pt x="3291427" y="12125"/>
+                  <a:pt x="3291840" y="18288"/>
+                </a:cubicBezTo>
+                <a:cubicBezTo>
+                  <a:pt x="3043276" y="37868"/>
+                  <a:pt x="2921041" y="-12908"/>
+                  <a:pt x="2567635" y="18288"/>
+                </a:cubicBezTo>
+                <a:cubicBezTo>
+                  <a:pt x="2214230" y="49484"/>
+                  <a:pt x="2189623" y="-13019"/>
+                  <a:pt x="1843430" y="18288"/>
+                </a:cubicBezTo>
+                <a:cubicBezTo>
+                  <a:pt x="1497237" y="49595"/>
+                  <a:pt x="1492584" y="29180"/>
+                  <a:pt x="1185062" y="18288"/>
+                </a:cubicBezTo>
+                <a:cubicBezTo>
+                  <a:pt x="877540" y="7396"/>
+                  <a:pt x="313238" y="46443"/>
+                  <a:pt x="0" y="18288"/>
+                </a:cubicBezTo>
+                <a:cubicBezTo>
+                  <a:pt x="-46" y="12483"/>
+                  <a:pt x="-203" y="6491"/>
+                  <a:pt x="0" y="0"/>
+                </a:cubicBezTo>
+                <a:close/>
+              </a:path>
+              <a:path w="3291840" h="18288" stroke="0" extrusionOk="0">
+                <a:moveTo>
+                  <a:pt x="0" y="0"/>
+                </a:moveTo>
+                <a:cubicBezTo>
+                  <a:pt x="281971" y="23935"/>
+                  <a:pt x="485873" y="-14021"/>
+                  <a:pt x="625450" y="0"/>
+                </a:cubicBezTo>
+                <a:cubicBezTo>
+                  <a:pt x="765027" y="14021"/>
+                  <a:pt x="1048900" y="27914"/>
+                  <a:pt x="1185062" y="0"/>
+                </a:cubicBezTo>
+                <a:cubicBezTo>
+                  <a:pt x="1321224" y="-27914"/>
+                  <a:pt x="1648252" y="-3988"/>
+                  <a:pt x="1909267" y="0"/>
+                </a:cubicBezTo>
+                <a:cubicBezTo>
+                  <a:pt x="2170282" y="3988"/>
+                  <a:pt x="2301957" y="25891"/>
+                  <a:pt x="2534717" y="0"/>
+                </a:cubicBezTo>
+                <a:cubicBezTo>
+                  <a:pt x="2767477" y="-25891"/>
+                  <a:pt x="3078800" y="21500"/>
+                  <a:pt x="3291840" y="0"/>
+                </a:cubicBezTo>
+                <a:cubicBezTo>
+                  <a:pt x="3291576" y="4493"/>
+                  <a:pt x="3292224" y="9472"/>
+                  <a:pt x="3291840" y="18288"/>
+                </a:cubicBezTo>
+                <a:cubicBezTo>
+                  <a:pt x="3120474" y="15714"/>
+                  <a:pt x="2816568" y="4633"/>
+                  <a:pt x="2633472" y="18288"/>
+                </a:cubicBezTo>
+                <a:cubicBezTo>
+                  <a:pt x="2450376" y="31943"/>
+                  <a:pt x="2160769" y="37350"/>
+                  <a:pt x="1909267" y="18288"/>
+                </a:cubicBezTo>
+                <a:cubicBezTo>
+                  <a:pt x="1657765" y="-774"/>
+                  <a:pt x="1623992" y="9648"/>
+                  <a:pt x="1349654" y="18288"/>
+                </a:cubicBezTo>
+                <a:cubicBezTo>
+                  <a:pt x="1075316" y="26928"/>
+                  <a:pt x="833426" y="34181"/>
+                  <a:pt x="691286" y="18288"/>
+                </a:cubicBezTo>
+                <a:cubicBezTo>
+                  <a:pt x="549146" y="2395"/>
+                  <a:pt x="342011" y="24201"/>
+                  <a:pt x="0" y="18288"/>
+                </a:cubicBezTo>
+                <a:cubicBezTo>
+                  <a:pt x="843" y="9577"/>
+                  <a:pt x="371" y="6900"/>
+                  <a:pt x="0" y="0"/>
+                </a:cubicBezTo>
+                <a:close/>
+              </a:path>
+            </a:pathLst>
+          </a:custGeom>
+          <a:solidFill>
+            <a:srgbClr val="3B9EB1"/>
+          </a:solidFill>
+          <a:ln w="38100" cap="rnd">
+            <a:solidFill>
+              <a:srgbClr val="3B9EB1"/>
+            </a:solidFill>
+            <a:round/>
+            <a:extLst>
+              <a:ext uri="{C807C97D-BFC1-408E-A445-0C87EB9F89A2}">
+                <ask:lineSketchStyleProps xmlns:ask="http://schemas.microsoft.com/office/drawing/2018/sketchyshapes" sd="1219033472">
+                  <a:prstGeom prst="rect">
+                    <a:avLst/>
+                  </a:prstGeom>
+                  <ask:type>
+                    <ask:lineSketchFreehand/>
+                  </ask:type>
+                </ask:lineSketchStyleProps>
+              </a:ext>
+            </a:extLst>
+          </a:ln>
+        </p:spPr>
+        <p:style>
+          <a:lnRef idx="2">
+            <a:schemeClr val="accent1">
+              <a:shade val="50000"/>
+            </a:schemeClr>
+          </a:lnRef>
+          <a:fillRef idx="1">
+            <a:schemeClr val="accent1"/>
+          </a:fillRef>
+          <a:effectRef idx="0">
+            <a:schemeClr val="accent1"/>
+          </a:effectRef>
+          <a:fontRef idx="minor">
+            <a:schemeClr val="lt1"/>
+          </a:fontRef>
+        </p:style>
+        <p:txBody>
+          <a:bodyPr rtlCol="0" anchor="ctr"/>
+          <a:lstStyle/>
+          <a:p>
+            <a:pPr algn="ctr"/>
+            <a:endParaRPr lang="en-US"/>
+          </a:p>
+        </p:txBody>
+      </p:sp>
+      <p:sp>
+        <p:nvSpPr>
+          <p:cNvPr id="6" name="TextBox 5">
+            <a:extLst>
+              <a:ext uri="{FF2B5EF4-FFF2-40B4-BE49-F238E27FC236}">
+                <a16:creationId xmlns:a16="http://schemas.microsoft.com/office/drawing/2014/main" id="{E56E028B-C171-445F-BB61-CF093784BBDF}"/>
+              </a:ext>
+            </a:extLst>
+          </p:cNvPr>
+          <p:cNvSpPr txBox="1"/>
+          <p:nvPr/>
+        </p:nvSpPr>
+        <p:spPr>
+          <a:xfrm>
+            <a:off x="630936" y="2807208"/>
+            <a:ext cx="3429000" cy="3410712"/>
+          </a:xfrm>
+          <a:prstGeom prst="rect">
+            <a:avLst/>
+          </a:prstGeom>
+        </p:spPr>
+        <p:txBody>
+          <a:bodyPr vert="horz" lIns="91440" tIns="45720" rIns="91440" bIns="45720" rtlCol="0" anchor="t">
+            <a:normAutofit fontScale="92500" lnSpcReduction="10000"/>
+          </a:bodyPr>
+          <a:lstStyle/>
+          <a:p>
+            <a:pPr indent="-228600">
+              <a:lnSpc>
+                <a:spcPct val="110000"/>
+              </a:lnSpc>
+              <a:spcAft>
+                <a:spcPts val="600"/>
+              </a:spcAft>
+              <a:buFont typeface="Arial" panose="020B0604020202020204" pitchFamily="34" charset="0"/>
+              <a:buChar char="•"/>
+            </a:pPr>
+            <a:r>
+              <a:rPr lang="en-US" sz="2400" dirty="0">
+                <a:latin typeface="Arial Hebrew" pitchFamily="2" charset="-79"/>
+                <a:cs typeface="Arial Hebrew" pitchFamily="2" charset="-79"/>
+              </a:rPr>
+              <a:t>For term 36 months , people with annual income above 60000 are more likely to repay loans.</a:t>
+            </a:r>
+          </a:p>
+          <a:p>
+            <a:pPr indent="-228600">
+              <a:lnSpc>
+                <a:spcPct val="110000"/>
+              </a:lnSpc>
+              <a:spcAft>
+                <a:spcPts val="600"/>
+              </a:spcAft>
+              <a:buFont typeface="Arial" panose="020B0604020202020204" pitchFamily="34" charset="0"/>
+              <a:buChar char="•"/>
+            </a:pPr>
+            <a:r>
+              <a:rPr lang="en-US" sz="2400" dirty="0">
+                <a:latin typeface="Arial Hebrew" pitchFamily="2" charset="-79"/>
+                <a:cs typeface="Arial Hebrew" pitchFamily="2" charset="-79"/>
+              </a:rPr>
+              <a:t>For term 60 months , people with annual income above ~68k are more likely to repay loan. </a:t>
+            </a:r>
+          </a:p>
+        </p:txBody>
+      </p:sp>
+      <mc:AlternateContent xmlns:mc="http://schemas.openxmlformats.org/markup-compatibility/2006">
+        <mc:Choice xmlns:p14="http://schemas.microsoft.com/office/powerpoint/2010/main" Requires="p14">
+          <p:contentPart p14:bwMode="auto" r:id="rId2">
+            <p14:nvContentPartPr>
+              <p14:cNvPr id="24" name="Ink 23">
+                <a:extLst>
+                  <a:ext uri="{FF2B5EF4-FFF2-40B4-BE49-F238E27FC236}">
+                    <a16:creationId xmlns:a16="http://schemas.microsoft.com/office/drawing/2014/main" id="{070477C5-0410-4E4F-97A1-F84C2465C187}"/>
+                  </a:ext>
+                  <a:ext uri="{C183D7F6-B498-43B3-948B-1728B52AA6E4}">
+                    <adec:decorative xmlns:adec="http://schemas.microsoft.com/office/drawing/2017/decorative" val="1"/>
+                  </a:ext>
+                </a:extLst>
+              </p14:cNvPr>
+              <p14:cNvContentPartPr>
+                <a14:cpLocks xmlns:a14="http://schemas.microsoft.com/office/drawing/2010/main" noGrp="1" noRot="1" noChangeAspect="1" noMove="1" noResize="1" noEditPoints="1" noAdjustHandles="1" noChangeArrowheads="1" noChangeShapeType="1"/>
+              </p14:cNvContentPartPr>
+              <p14:nvPr>
+                <p:extLst>
+                  <p:ext uri="{386F3935-93C4-4BCD-93E2-E3B085C9AB24}">
+                    <p16:designElem xmlns:p16="http://schemas.microsoft.com/office/powerpoint/2015/main" val="1"/>
+                  </p:ext>
+                </p:extLst>
+              </p14:nvPr>
+            </p14:nvContentPartPr>
+            <p14:xfrm>
+              <a:off x="5755403" y="1971579"/>
+              <a:ext cx="360" cy="2160"/>
+            </p14:xfrm>
+          </p:contentPart>
+        </mc:Choice>
+        <mc:Fallback>
+          <p:pic>
+            <p:nvPicPr>
+              <p:cNvPr id="24" name="Ink 23">
+                <a:extLst>
+                  <a:ext uri="{FF2B5EF4-FFF2-40B4-BE49-F238E27FC236}">
+                    <a16:creationId xmlns:a16="http://schemas.microsoft.com/office/drawing/2014/main" id="{070477C5-0410-4E4F-97A1-F84C2465C187}"/>
+                  </a:ext>
+                  <a:ext uri="{C183D7F6-B498-43B3-948B-1728B52AA6E4}">
+                    <adec:decorative xmlns:adec="http://schemas.microsoft.com/office/drawing/2017/decorative" val="1"/>
+                  </a:ext>
+                </a:extLst>
+              </p:cNvPr>
+              <p:cNvPicPr>
+                <a:picLocks noGrp="1" noRot="1" noChangeAspect="1" noMove="1" noResize="1" noEditPoints="1" noAdjustHandles="1" noChangeArrowheads="1" noChangeShapeType="1"/>
+              </p:cNvPicPr>
+              <p:nvPr/>
+            </p:nvPicPr>
+            <p:blipFill>
+              <a:blip r:embed="rId3"/>
+              <a:stretch>
+                <a:fillRect/>
+              </a:stretch>
+            </p:blipFill>
+            <p:spPr>
+              <a:xfrm>
+                <a:off x="5737403" y="1956150"/>
+                <a:ext cx="36000" cy="32709"/>
+              </a:xfrm>
+              <a:prstGeom prst="rect">
+                <a:avLst/>
+              </a:prstGeom>
+            </p:spPr>
+          </p:pic>
+        </mc:Fallback>
+      </mc:AlternateContent>
+      <p:pic>
+        <p:nvPicPr>
+          <p:cNvPr id="4" name="Picture 3">
+            <a:extLst>
+              <a:ext uri="{FF2B5EF4-FFF2-40B4-BE49-F238E27FC236}">
+                <a16:creationId xmlns:a16="http://schemas.microsoft.com/office/drawing/2014/main" id="{BC20ABCC-E65B-F9B9-0F92-DAA12FCD5402}"/>
+              </a:ext>
+            </a:extLst>
+          </p:cNvPr>
+          <p:cNvPicPr>
+            <a:picLocks noChangeAspect="1"/>
+          </p:cNvPicPr>
+          <p:nvPr/>
+        </p:nvPicPr>
+        <p:blipFill>
+          <a:blip r:embed="rId4"/>
+          <a:stretch>
+            <a:fillRect/>
+          </a:stretch>
+        </p:blipFill>
+        <p:spPr>
+          <a:xfrm>
+            <a:off x="5105534" y="467995"/>
+            <a:ext cx="6735003" cy="5922010"/>
+          </a:xfrm>
+          <a:prstGeom prst="rect">
+            <a:avLst/>
+          </a:prstGeom>
+        </p:spPr>
+      </p:pic>
+    </p:spTree>
+    <p:extLst>
+      <p:ext uri="{BB962C8B-B14F-4D97-AF65-F5344CB8AC3E}">
+        <p14:creationId xmlns:p14="http://schemas.microsoft.com/office/powerpoint/2010/main" val="2674891874"/>
+      </p:ext>
+    </p:extLst>
+  </p:cSld>
+  <p:clrMapOvr>
+    <a:masterClrMapping/>
+  </p:clrMapOvr>
+</p:sld>
+</file>
+
+<file path=ppt/slides/slide28.xml><?xml version="1.0" encoding="utf-8"?>
+<p:sld xmlns:a="http://schemas.openxmlformats.org/drawingml/2006/main" xmlns:r="http://schemas.openxmlformats.org/officeDocument/2006/relationships" xmlns:p="http://schemas.openxmlformats.org/presentationml/2006/main">
+  <p:cSld>
+    <p:bg>
+      <p:bgPr>
+        <a:solidFill>
+          <a:schemeClr val="bg1"/>
+        </a:solidFill>
+        <a:effectLst/>
+      </p:bgPr>
+    </p:bg>
+    <p:spTree>
+      <p:nvGrpSpPr>
+        <p:cNvPr id="1" name=""/>
+        <p:cNvGrpSpPr/>
+        <p:nvPr/>
+      </p:nvGrpSpPr>
+      <p:grpSpPr>
+        <a:xfrm>
+          <a:off x="0" y="0"/>
+          <a:ext cx="0" cy="0"/>
+          <a:chOff x="0" y="0"/>
+          <a:chExt cx="0" cy="0"/>
+        </a:xfrm>
+      </p:grpSpPr>
+      <p:sp useBgFill="1">
+        <p:nvSpPr>
+          <p:cNvPr id="20" name="Rectangle 19">
+            <a:extLst>
+              <a:ext uri="{FF2B5EF4-FFF2-40B4-BE49-F238E27FC236}">
+                <a16:creationId xmlns:a16="http://schemas.microsoft.com/office/drawing/2014/main" id="{2B97F24A-32CE-4C1C-A50D-3016B394DCFB}"/>
+              </a:ext>
+              <a:ext uri="{C183D7F6-B498-43B3-948B-1728B52AA6E4}">
+                <adec:decorative xmlns:adec="http://schemas.microsoft.com/office/drawing/2017/decorative" val="1"/>
+              </a:ext>
+            </a:extLst>
+          </p:cNvPr>
+          <p:cNvSpPr>
+            <a:spLocks noGrp="1" noRot="1" noChangeAspect="1" noMove="1" noResize="1" noEditPoints="1" noAdjustHandles="1" noChangeArrowheads="1" noChangeShapeType="1" noTextEdit="1"/>
+          </p:cNvSpPr>
+          <p:nvPr>
+            <p:extLst>
+              <p:ext uri="{386F3935-93C4-4BCD-93E2-E3B085C9AB24}">
+                <p16:designElem xmlns:p16="http://schemas.microsoft.com/office/powerpoint/2015/main" val="1"/>
+              </p:ext>
+            </p:extLst>
+          </p:nvPr>
+        </p:nvSpPr>
+        <p:spPr>
+          <a:xfrm>
+            <a:off x="0" y="0"/>
+            <a:ext cx="12192000" cy="6858000"/>
+          </a:xfrm>
+          <a:prstGeom prst="rect">
+            <a:avLst/>
+          </a:prstGeom>
+          <a:ln>
+            <a:noFill/>
+          </a:ln>
+        </p:spPr>
+        <p:style>
+          <a:lnRef idx="2">
+            <a:schemeClr val="accent1">
+              <a:shade val="50000"/>
+            </a:schemeClr>
+          </a:lnRef>
+          <a:fillRef idx="1">
+            <a:schemeClr val="accent1"/>
+          </a:fillRef>
+          <a:effectRef idx="0">
+            <a:schemeClr val="accent1"/>
+          </a:effectRef>
+          <a:fontRef idx="minor">
+            <a:schemeClr val="lt1"/>
+          </a:fontRef>
+        </p:style>
+        <p:txBody>
+          <a:bodyPr rtlCol="0" anchor="ctr"/>
+          <a:lstStyle/>
+          <a:p>
+            <a:pPr algn="ctr"/>
+            <a:endParaRPr lang="en-US"/>
+          </a:p>
+        </p:txBody>
+      </p:sp>
+      <p:sp>
+        <p:nvSpPr>
+          <p:cNvPr id="2" name="Title 1">
+            <a:extLst>
+              <a:ext uri="{FF2B5EF4-FFF2-40B4-BE49-F238E27FC236}">
+                <a16:creationId xmlns:a16="http://schemas.microsoft.com/office/drawing/2014/main" id="{4B6ADD11-C6F6-251B-EFB7-8D75B9F7BB57}"/>
+              </a:ext>
+            </a:extLst>
+          </p:cNvPr>
+          <p:cNvSpPr>
+            <a:spLocks noGrp="1"/>
+          </p:cNvSpPr>
+          <p:nvPr>
+            <p:ph type="title"/>
+          </p:nvPr>
+        </p:nvSpPr>
+        <p:spPr>
+          <a:xfrm>
+            <a:off x="630936" y="639520"/>
+            <a:ext cx="3429000" cy="1719072"/>
+          </a:xfrm>
+        </p:spPr>
+        <p:txBody>
+          <a:bodyPr vert="horz" lIns="91440" tIns="45720" rIns="91440" bIns="45720" rtlCol="0" anchor="b">
+            <a:noAutofit/>
+          </a:bodyPr>
+          <a:lstStyle/>
+          <a:p>
+            <a:pPr>
+              <a:lnSpc>
+                <a:spcPct val="90000"/>
+              </a:lnSpc>
+            </a:pPr>
+            <a:r>
+              <a:rPr lang="en-US" sz="3200" b="1" dirty="0">
+                <a:latin typeface="Arial Hebrew" pitchFamily="2" charset="-79"/>
+                <a:cs typeface="Arial Hebrew" pitchFamily="2" charset="-79"/>
+              </a:rPr>
+              <a:t>Correlation between </a:t>
+            </a:r>
+            <a:r>
+              <a:rPr lang="en-US" sz="3200" b="1" dirty="0" err="1">
+                <a:latin typeface="Arial Hebrew" pitchFamily="2" charset="-79"/>
+                <a:cs typeface="Arial Hebrew" pitchFamily="2" charset="-79"/>
+              </a:rPr>
+              <a:t>int_rate</a:t>
+            </a:r>
+            <a:r>
+              <a:rPr lang="en-US" sz="3200" b="1" dirty="0">
+                <a:latin typeface="Arial Hebrew" pitchFamily="2" charset="-79"/>
+                <a:cs typeface="Arial Hebrew" pitchFamily="2" charset="-79"/>
+              </a:rPr>
+              <a:t> and </a:t>
+            </a:r>
+            <a:r>
+              <a:rPr lang="en-US" sz="3200" b="1" dirty="0" err="1">
+                <a:latin typeface="Arial Hebrew" pitchFamily="2" charset="-79"/>
+                <a:cs typeface="Arial Hebrew" pitchFamily="2" charset="-79"/>
+              </a:rPr>
+              <a:t>annual_inc_bin</a:t>
+            </a:r>
+            <a:endParaRPr lang="en-US" sz="3200" b="1" dirty="0">
+              <a:latin typeface="Arial Hebrew" pitchFamily="2" charset="-79"/>
+              <a:cs typeface="Arial Hebrew" pitchFamily="2" charset="-79"/>
+            </a:endParaRPr>
+          </a:p>
+        </p:txBody>
+      </p:sp>
+      <p:sp>
+        <p:nvSpPr>
+          <p:cNvPr id="22" name="Rectangle 6">
+            <a:extLst>
+              <a:ext uri="{FF2B5EF4-FFF2-40B4-BE49-F238E27FC236}">
+                <a16:creationId xmlns:a16="http://schemas.microsoft.com/office/drawing/2014/main" id="{3CE8AF5E-D374-4CF1-90CC-35CF73B81C3E}"/>
+              </a:ext>
+              <a:ext uri="{C183D7F6-B498-43B3-948B-1728B52AA6E4}">
+                <adec:decorative xmlns:adec="http://schemas.microsoft.com/office/drawing/2017/decorative" val="1"/>
+              </a:ext>
+            </a:extLst>
+          </p:cNvPr>
+          <p:cNvSpPr>
+            <a:spLocks noGrp="1" noRot="1" noChangeAspect="1" noMove="1" noResize="1" noEditPoints="1" noAdjustHandles="1" noChangeArrowheads="1" noChangeShapeType="1" noTextEdit="1"/>
+          </p:cNvSpPr>
+          <p:nvPr>
+            <p:extLst>
+              <p:ext uri="{386F3935-93C4-4BCD-93E2-E3B085C9AB24}">
+                <p16:designElem xmlns:p16="http://schemas.microsoft.com/office/powerpoint/2015/main" val="1"/>
+              </p:ext>
+            </p:extLst>
+          </p:nvPr>
+        </p:nvSpPr>
+        <p:spPr>
+          <a:xfrm>
+            <a:off x="679084" y="2532888"/>
+            <a:ext cx="3291840" cy="18288"/>
+          </a:xfrm>
+          <a:custGeom>
+            <a:avLst/>
+            <a:gdLst>
+              <a:gd name="connsiteX0" fmla="*/ 0 w 3291840"/>
+              <a:gd name="connsiteY0" fmla="*/ 0 h 18288"/>
+              <a:gd name="connsiteX1" fmla="*/ 625450 w 3291840"/>
+              <a:gd name="connsiteY1" fmla="*/ 0 h 18288"/>
+              <a:gd name="connsiteX2" fmla="*/ 1283818 w 3291840"/>
+              <a:gd name="connsiteY2" fmla="*/ 0 h 18288"/>
+              <a:gd name="connsiteX3" fmla="*/ 1975104 w 3291840"/>
+              <a:gd name="connsiteY3" fmla="*/ 0 h 18288"/>
+              <a:gd name="connsiteX4" fmla="*/ 2666390 w 3291840"/>
+              <a:gd name="connsiteY4" fmla="*/ 0 h 18288"/>
+              <a:gd name="connsiteX5" fmla="*/ 3291840 w 3291840"/>
+              <a:gd name="connsiteY5" fmla="*/ 0 h 18288"/>
+              <a:gd name="connsiteX6" fmla="*/ 3291840 w 3291840"/>
+              <a:gd name="connsiteY6" fmla="*/ 18288 h 18288"/>
+              <a:gd name="connsiteX7" fmla="*/ 2567635 w 3291840"/>
+              <a:gd name="connsiteY7" fmla="*/ 18288 h 18288"/>
+              <a:gd name="connsiteX8" fmla="*/ 1843430 w 3291840"/>
+              <a:gd name="connsiteY8" fmla="*/ 18288 h 18288"/>
+              <a:gd name="connsiteX9" fmla="*/ 1185062 w 3291840"/>
+              <a:gd name="connsiteY9" fmla="*/ 18288 h 18288"/>
+              <a:gd name="connsiteX10" fmla="*/ 0 w 3291840"/>
+              <a:gd name="connsiteY10" fmla="*/ 18288 h 18288"/>
+              <a:gd name="connsiteX11" fmla="*/ 0 w 3291840"/>
+              <a:gd name="connsiteY11" fmla="*/ 0 h 18288"/>
+            </a:gdLst>
+            <a:ahLst/>
+            <a:cxnLst>
+              <a:cxn ang="0">
+                <a:pos x="connsiteX0" y="connsiteY0"/>
+              </a:cxn>
+              <a:cxn ang="0">
+                <a:pos x="connsiteX1" y="connsiteY1"/>
+              </a:cxn>
+              <a:cxn ang="0">
+                <a:pos x="connsiteX2" y="connsiteY2"/>
+              </a:cxn>
+              <a:cxn ang="0">
+                <a:pos x="connsiteX3" y="connsiteY3"/>
+              </a:cxn>
+              <a:cxn ang="0">
+                <a:pos x="connsiteX4" y="connsiteY4"/>
+              </a:cxn>
+              <a:cxn ang="0">
+                <a:pos x="connsiteX5" y="connsiteY5"/>
+              </a:cxn>
+              <a:cxn ang="0">
+                <a:pos x="connsiteX6" y="connsiteY6"/>
+              </a:cxn>
+              <a:cxn ang="0">
+                <a:pos x="connsiteX7" y="connsiteY7"/>
+              </a:cxn>
+              <a:cxn ang="0">
+                <a:pos x="connsiteX8" y="connsiteY8"/>
+              </a:cxn>
+              <a:cxn ang="0">
+                <a:pos x="connsiteX9" y="connsiteY9"/>
+              </a:cxn>
+              <a:cxn ang="0">
+                <a:pos x="connsiteX10" y="connsiteY10"/>
+              </a:cxn>
+              <a:cxn ang="0">
+                <a:pos x="connsiteX11" y="connsiteY11"/>
+              </a:cxn>
+            </a:cxnLst>
+            <a:rect l="l" t="t" r="r" b="b"/>
+            <a:pathLst>
+              <a:path w="3291840" h="18288" fill="none" extrusionOk="0">
+                <a:moveTo>
+                  <a:pt x="0" y="0"/>
+                </a:moveTo>
+                <a:cubicBezTo>
+                  <a:pt x="173613" y="5552"/>
+                  <a:pt x="489242" y="1770"/>
+                  <a:pt x="625450" y="0"/>
+                </a:cubicBezTo>
+                <a:cubicBezTo>
+                  <a:pt x="761658" y="-1770"/>
+                  <a:pt x="1015131" y="32079"/>
+                  <a:pt x="1283818" y="0"/>
+                </a:cubicBezTo>
+                <a:cubicBezTo>
+                  <a:pt x="1552505" y="-32079"/>
+                  <a:pt x="1752773" y="10771"/>
+                  <a:pt x="1975104" y="0"/>
+                </a:cubicBezTo>
+                <a:cubicBezTo>
+                  <a:pt x="2197435" y="-10771"/>
+                  <a:pt x="2433070" y="21341"/>
+                  <a:pt x="2666390" y="0"/>
+                </a:cubicBezTo>
+                <a:cubicBezTo>
+                  <a:pt x="2899710" y="-21341"/>
+                  <a:pt x="3028437" y="16612"/>
+                  <a:pt x="3291840" y="0"/>
+                </a:cubicBezTo>
+                <a:cubicBezTo>
+                  <a:pt x="3291131" y="8157"/>
+                  <a:pt x="3291427" y="12125"/>
+                  <a:pt x="3291840" y="18288"/>
+                </a:cubicBezTo>
+                <a:cubicBezTo>
+                  <a:pt x="3043276" y="37868"/>
+                  <a:pt x="2921041" y="-12908"/>
+                  <a:pt x="2567635" y="18288"/>
+                </a:cubicBezTo>
+                <a:cubicBezTo>
+                  <a:pt x="2214230" y="49484"/>
+                  <a:pt x="2189623" y="-13019"/>
+                  <a:pt x="1843430" y="18288"/>
+                </a:cubicBezTo>
+                <a:cubicBezTo>
+                  <a:pt x="1497237" y="49595"/>
+                  <a:pt x="1492584" y="29180"/>
+                  <a:pt x="1185062" y="18288"/>
+                </a:cubicBezTo>
+                <a:cubicBezTo>
+                  <a:pt x="877540" y="7396"/>
+                  <a:pt x="313238" y="46443"/>
+                  <a:pt x="0" y="18288"/>
+                </a:cubicBezTo>
+                <a:cubicBezTo>
+                  <a:pt x="-46" y="12483"/>
+                  <a:pt x="-203" y="6491"/>
+                  <a:pt x="0" y="0"/>
+                </a:cubicBezTo>
+                <a:close/>
+              </a:path>
+              <a:path w="3291840" h="18288" stroke="0" extrusionOk="0">
+                <a:moveTo>
+                  <a:pt x="0" y="0"/>
+                </a:moveTo>
+                <a:cubicBezTo>
+                  <a:pt x="281971" y="23935"/>
+                  <a:pt x="485873" y="-14021"/>
+                  <a:pt x="625450" y="0"/>
+                </a:cubicBezTo>
+                <a:cubicBezTo>
+                  <a:pt x="765027" y="14021"/>
+                  <a:pt x="1048900" y="27914"/>
+                  <a:pt x="1185062" y="0"/>
+                </a:cubicBezTo>
+                <a:cubicBezTo>
+                  <a:pt x="1321224" y="-27914"/>
+                  <a:pt x="1648252" y="-3988"/>
+                  <a:pt x="1909267" y="0"/>
+                </a:cubicBezTo>
+                <a:cubicBezTo>
+                  <a:pt x="2170282" y="3988"/>
+                  <a:pt x="2301957" y="25891"/>
+                  <a:pt x="2534717" y="0"/>
+                </a:cubicBezTo>
+                <a:cubicBezTo>
+                  <a:pt x="2767477" y="-25891"/>
+                  <a:pt x="3078800" y="21500"/>
+                  <a:pt x="3291840" y="0"/>
+                </a:cubicBezTo>
+                <a:cubicBezTo>
+                  <a:pt x="3291576" y="4493"/>
+                  <a:pt x="3292224" y="9472"/>
+                  <a:pt x="3291840" y="18288"/>
+                </a:cubicBezTo>
+                <a:cubicBezTo>
+                  <a:pt x="3120474" y="15714"/>
+                  <a:pt x="2816568" y="4633"/>
+                  <a:pt x="2633472" y="18288"/>
+                </a:cubicBezTo>
+                <a:cubicBezTo>
+                  <a:pt x="2450376" y="31943"/>
+                  <a:pt x="2160769" y="37350"/>
+                  <a:pt x="1909267" y="18288"/>
+                </a:cubicBezTo>
+                <a:cubicBezTo>
+                  <a:pt x="1657765" y="-774"/>
+                  <a:pt x="1623992" y="9648"/>
+                  <a:pt x="1349654" y="18288"/>
+                </a:cubicBezTo>
+                <a:cubicBezTo>
+                  <a:pt x="1075316" y="26928"/>
+                  <a:pt x="833426" y="34181"/>
+                  <a:pt x="691286" y="18288"/>
+                </a:cubicBezTo>
+                <a:cubicBezTo>
+                  <a:pt x="549146" y="2395"/>
+                  <a:pt x="342011" y="24201"/>
+                  <a:pt x="0" y="18288"/>
+                </a:cubicBezTo>
+                <a:cubicBezTo>
+                  <a:pt x="843" y="9577"/>
+                  <a:pt x="371" y="6900"/>
+                  <a:pt x="0" y="0"/>
+                </a:cubicBezTo>
+                <a:close/>
+              </a:path>
+            </a:pathLst>
+          </a:custGeom>
+          <a:solidFill>
+            <a:srgbClr val="3B9EB1"/>
+          </a:solidFill>
+          <a:ln w="38100" cap="rnd">
+            <a:solidFill>
+              <a:srgbClr val="3B9EB1"/>
+            </a:solidFill>
+            <a:round/>
+            <a:extLst>
+              <a:ext uri="{C807C97D-BFC1-408E-A445-0C87EB9F89A2}">
+                <ask:lineSketchStyleProps xmlns:ask="http://schemas.microsoft.com/office/drawing/2018/sketchyshapes" sd="1219033472">
+                  <a:prstGeom prst="rect">
+                    <a:avLst/>
+                  </a:prstGeom>
+                  <ask:type>
+                    <ask:lineSketchFreehand/>
+                  </ask:type>
+                </ask:lineSketchStyleProps>
+              </a:ext>
+            </a:extLst>
+          </a:ln>
+        </p:spPr>
+        <p:style>
+          <a:lnRef idx="2">
+            <a:schemeClr val="accent1">
+              <a:shade val="50000"/>
+            </a:schemeClr>
+          </a:lnRef>
+          <a:fillRef idx="1">
+            <a:schemeClr val="accent1"/>
+          </a:fillRef>
+          <a:effectRef idx="0">
+            <a:schemeClr val="accent1"/>
+          </a:effectRef>
+          <a:fontRef idx="minor">
+            <a:schemeClr val="lt1"/>
+          </a:fontRef>
+        </p:style>
+        <p:txBody>
+          <a:bodyPr rtlCol="0" anchor="ctr"/>
+          <a:lstStyle/>
+          <a:p>
+            <a:pPr algn="ctr"/>
+            <a:endParaRPr lang="en-US"/>
+          </a:p>
+        </p:txBody>
+      </p:sp>
+      <p:sp>
+        <p:nvSpPr>
+          <p:cNvPr id="6" name="TextBox 5">
+            <a:extLst>
+              <a:ext uri="{FF2B5EF4-FFF2-40B4-BE49-F238E27FC236}">
+                <a16:creationId xmlns:a16="http://schemas.microsoft.com/office/drawing/2014/main" id="{E56E028B-C171-445F-BB61-CF093784BBDF}"/>
+              </a:ext>
+            </a:extLst>
+          </p:cNvPr>
+          <p:cNvSpPr txBox="1"/>
+          <p:nvPr/>
+        </p:nvSpPr>
+        <p:spPr>
+          <a:xfrm>
+            <a:off x="630936" y="2807208"/>
+            <a:ext cx="3429000" cy="3410712"/>
+          </a:xfrm>
+          <a:prstGeom prst="rect">
+            <a:avLst/>
+          </a:prstGeom>
+        </p:spPr>
+        <p:txBody>
+          <a:bodyPr vert="horz" lIns="91440" tIns="45720" rIns="91440" bIns="45720" rtlCol="0" anchor="t">
+            <a:normAutofit/>
+          </a:bodyPr>
+          <a:lstStyle/>
+          <a:p>
+            <a:pPr indent="-228600">
+              <a:lnSpc>
+                <a:spcPct val="110000"/>
+              </a:lnSpc>
+              <a:spcAft>
+                <a:spcPts val="600"/>
+              </a:spcAft>
+              <a:buFont typeface="Arial" panose="020B0604020202020204" pitchFamily="34" charset="0"/>
+              <a:buChar char="•"/>
+            </a:pPr>
+            <a:r>
+              <a:rPr lang="en-US" sz="2400" dirty="0">
+                <a:latin typeface="Arial Hebrew" pitchFamily="2" charset="-79"/>
+                <a:cs typeface="Arial Hebrew" pitchFamily="2" charset="-79"/>
+              </a:rPr>
+              <a:t>For each annual income bracket , a </a:t>
+            </a:r>
+            <a:r>
+              <a:rPr lang="en-US" sz="2400" dirty="0" err="1">
+                <a:latin typeface="Arial Hebrew" pitchFamily="2" charset="-79"/>
+                <a:cs typeface="Arial Hebrew" pitchFamily="2" charset="-79"/>
+              </a:rPr>
+              <a:t>higer</a:t>
+            </a:r>
+            <a:r>
+              <a:rPr lang="en-US" sz="2400" dirty="0">
+                <a:latin typeface="Arial Hebrew" pitchFamily="2" charset="-79"/>
+                <a:cs typeface="Arial Hebrew" pitchFamily="2" charset="-79"/>
+              </a:rPr>
+              <a:t> interest rate has more defaulter.</a:t>
+            </a:r>
+          </a:p>
+          <a:p>
+            <a:pPr indent="-228600">
+              <a:lnSpc>
+                <a:spcPct val="110000"/>
+              </a:lnSpc>
+              <a:spcAft>
+                <a:spcPts val="600"/>
+              </a:spcAft>
+              <a:buFont typeface="Arial" panose="020B0604020202020204" pitchFamily="34" charset="0"/>
+              <a:buChar char="•"/>
+            </a:pPr>
+            <a:r>
+              <a:rPr lang="en-US" sz="2400" dirty="0">
+                <a:latin typeface="Arial Hebrew" pitchFamily="2" charset="-79"/>
+                <a:cs typeface="Arial Hebrew" pitchFamily="2" charset="-79"/>
+              </a:rPr>
+              <a:t>Here for all the annual income range defined , interest rate over 12% has more default rate</a:t>
+            </a:r>
+          </a:p>
+        </p:txBody>
+      </p:sp>
+      <mc:AlternateContent xmlns:mc="http://schemas.openxmlformats.org/markup-compatibility/2006">
+        <mc:Choice xmlns:p14="http://schemas.microsoft.com/office/powerpoint/2010/main" Requires="p14">
+          <p:contentPart p14:bwMode="auto" r:id="rId2">
+            <p14:nvContentPartPr>
+              <p14:cNvPr id="24" name="Ink 23">
+                <a:extLst>
+                  <a:ext uri="{FF2B5EF4-FFF2-40B4-BE49-F238E27FC236}">
+                    <a16:creationId xmlns:a16="http://schemas.microsoft.com/office/drawing/2014/main" id="{070477C5-0410-4E4F-97A1-F84C2465C187}"/>
+                  </a:ext>
+                  <a:ext uri="{C183D7F6-B498-43B3-948B-1728B52AA6E4}">
+                    <adec:decorative xmlns:adec="http://schemas.microsoft.com/office/drawing/2017/decorative" val="1"/>
+                  </a:ext>
+                </a:extLst>
+              </p14:cNvPr>
+              <p14:cNvContentPartPr>
+                <a14:cpLocks xmlns:a14="http://schemas.microsoft.com/office/drawing/2010/main" noGrp="1" noRot="1" noChangeAspect="1" noMove="1" noResize="1" noEditPoints="1" noAdjustHandles="1" noChangeArrowheads="1" noChangeShapeType="1"/>
+              </p14:cNvContentPartPr>
+              <p14:nvPr>
+                <p:extLst>
+                  <p:ext uri="{386F3935-93C4-4BCD-93E2-E3B085C9AB24}">
+                    <p16:designElem xmlns:p16="http://schemas.microsoft.com/office/powerpoint/2015/main" val="1"/>
+                  </p:ext>
+                </p:extLst>
+              </p14:nvPr>
+            </p14:nvContentPartPr>
+            <p14:xfrm>
+              <a:off x="5755403" y="1971579"/>
+              <a:ext cx="360" cy="2160"/>
+            </p14:xfrm>
+          </p:contentPart>
+        </mc:Choice>
+        <mc:Fallback>
+          <p:pic>
+            <p:nvPicPr>
+              <p:cNvPr id="24" name="Ink 23">
+                <a:extLst>
+                  <a:ext uri="{FF2B5EF4-FFF2-40B4-BE49-F238E27FC236}">
+                    <a16:creationId xmlns:a16="http://schemas.microsoft.com/office/drawing/2014/main" id="{070477C5-0410-4E4F-97A1-F84C2465C187}"/>
+                  </a:ext>
+                  <a:ext uri="{C183D7F6-B498-43B3-948B-1728B52AA6E4}">
+                    <adec:decorative xmlns:adec="http://schemas.microsoft.com/office/drawing/2017/decorative" val="1"/>
+                  </a:ext>
+                </a:extLst>
+              </p:cNvPr>
+              <p:cNvPicPr>
+                <a:picLocks noGrp="1" noRot="1" noChangeAspect="1" noMove="1" noResize="1" noEditPoints="1" noAdjustHandles="1" noChangeArrowheads="1" noChangeShapeType="1"/>
+              </p:cNvPicPr>
+              <p:nvPr/>
+            </p:nvPicPr>
+            <p:blipFill>
+              <a:blip r:embed="rId3"/>
+              <a:stretch>
+                <a:fillRect/>
+              </a:stretch>
+            </p:blipFill>
+            <p:spPr>
+              <a:xfrm>
+                <a:off x="5737403" y="1956150"/>
+                <a:ext cx="36000" cy="32709"/>
+              </a:xfrm>
+              <a:prstGeom prst="rect">
+                <a:avLst/>
+              </a:prstGeom>
+            </p:spPr>
+          </p:pic>
+        </mc:Fallback>
+      </mc:AlternateContent>
+      <p:pic>
+        <p:nvPicPr>
+          <p:cNvPr id="5" name="Picture 4">
+            <a:extLst>
+              <a:ext uri="{FF2B5EF4-FFF2-40B4-BE49-F238E27FC236}">
+                <a16:creationId xmlns:a16="http://schemas.microsoft.com/office/drawing/2014/main" id="{A40EC866-9D3B-53AB-AA01-06D38033315E}"/>
+              </a:ext>
+            </a:extLst>
+          </p:cNvPr>
+          <p:cNvPicPr>
+            <a:picLocks noChangeAspect="1"/>
+          </p:cNvPicPr>
+          <p:nvPr/>
+        </p:nvPicPr>
+        <p:blipFill>
+          <a:blip r:embed="rId4"/>
+          <a:stretch>
+            <a:fillRect/>
+          </a:stretch>
+        </p:blipFill>
+        <p:spPr>
+          <a:xfrm>
+            <a:off x="4897437" y="361950"/>
+            <a:ext cx="7172325" cy="6496050"/>
+          </a:xfrm>
+          <a:prstGeom prst="rect">
+            <a:avLst/>
+          </a:prstGeom>
+        </p:spPr>
+      </p:pic>
+    </p:spTree>
+    <p:extLst>
+      <p:ext uri="{BB962C8B-B14F-4D97-AF65-F5344CB8AC3E}">
+        <p14:creationId xmlns:p14="http://schemas.microsoft.com/office/powerpoint/2010/main" val="70415336"/>
       </p:ext>
     </p:extLst>
   </p:cSld>
